--- a/doc/大论文/中期答辩.pptx
+++ b/doc/大论文/中期答辩.pptx
@@ -292,11 +292,11 @@
         </c:dLbls>
         <c:marker val="1"/>
         <c:smooth val="0"/>
-        <c:axId val="205766016"/>
-        <c:axId val="209187200"/>
+        <c:axId val="88568576"/>
+        <c:axId val="88570112"/>
       </c:lineChart>
       <c:catAx>
-        <c:axId val="205766016"/>
+        <c:axId val="88568576"/>
         <c:scaling>
           <c:orientation val="minMax"/>
         </c:scaling>
@@ -305,7 +305,7 @@
         <c:majorTickMark val="out"/>
         <c:minorTickMark val="none"/>
         <c:tickLblPos val="nextTo"/>
-        <c:crossAx val="209187200"/>
+        <c:crossAx val="88570112"/>
         <c:crosses val="autoZero"/>
         <c:auto val="1"/>
         <c:lblAlgn val="ctr"/>
@@ -313,7 +313,7 @@
         <c:noMultiLvlLbl val="0"/>
       </c:catAx>
       <c:valAx>
-        <c:axId val="209187200"/>
+        <c:axId val="88570112"/>
         <c:scaling>
           <c:orientation val="minMax"/>
         </c:scaling>
@@ -324,7 +324,7 @@
         <c:majorTickMark val="in"/>
         <c:minorTickMark val="none"/>
         <c:tickLblPos val="nextTo"/>
-        <c:crossAx val="205766016"/>
+        <c:crossAx val="88568576"/>
         <c:crosses val="autoZero"/>
         <c:crossBetween val="between"/>
       </c:valAx>
@@ -464,11 +464,11 @@
         </c:dLbls>
         <c:gapWidth val="75"/>
         <c:overlap val="-25"/>
-        <c:axId val="51738112"/>
-        <c:axId val="51739648"/>
+        <c:axId val="90985600"/>
+        <c:axId val="90987136"/>
       </c:barChart>
       <c:catAx>
-        <c:axId val="51738112"/>
+        <c:axId val="90985600"/>
         <c:scaling>
           <c:orientation val="minMax"/>
         </c:scaling>
@@ -477,7 +477,7 @@
         <c:majorTickMark val="none"/>
         <c:minorTickMark val="none"/>
         <c:tickLblPos val="nextTo"/>
-        <c:crossAx val="51739648"/>
+        <c:crossAx val="90987136"/>
         <c:crosses val="autoZero"/>
         <c:auto val="1"/>
         <c:lblAlgn val="ctr"/>
@@ -485,7 +485,7 @@
         <c:noMultiLvlLbl val="0"/>
       </c:catAx>
       <c:valAx>
-        <c:axId val="51739648"/>
+        <c:axId val="90987136"/>
         <c:scaling>
           <c:orientation val="minMax"/>
         </c:scaling>
@@ -496,7 +496,7 @@
         <c:majorTickMark val="none"/>
         <c:minorTickMark val="none"/>
         <c:tickLblPos val="nextTo"/>
-        <c:crossAx val="51738112"/>
+        <c:crossAx val="90985600"/>
         <c:crosses val="autoZero"/>
         <c:crossBetween val="between"/>
       </c:valAx>
@@ -507,8 +507,8 @@
         <c:manualLayout>
           <c:xMode val="edge"/>
           <c:yMode val="edge"/>
-          <c:x val="0.24758413531641874"/>
-          <c:y val="0.85842939632545934"/>
+          <c:x val="0.24758410880458129"/>
+          <c:y val="0.80984050094837035"/>
           <c:w val="0.50483158355205604"/>
           <c:h val="7.9965733449985421E-2"/>
         </c:manualLayout>
@@ -901,7 +901,7 @@
         <p:nvSpPr>
           <p:cNvPr id="14340" name="Rectangle 4"/>
           <p:cNvSpPr>
-            <a:spLocks noRot="1" noChangeArrowheads="1" noTextEdit="1"/>
+            <a:spLocks noGrp="1" noRot="1" noChangeAspect="1" noChangeArrowheads="1" noTextEdit="1"/>
           </p:cNvSpPr>
           <p:nvPr>
             <p:ph type="sldImg" idx="2"/>
@@ -1441,7 +1441,7 @@
         <p:nvSpPr>
           <p:cNvPr id="15363" name="Rectangle 2"/>
           <p:cNvSpPr>
-            <a:spLocks noRot="1" noChangeArrowheads="1" noTextEdit="1"/>
+            <a:spLocks noGrp="1" noRot="1" noChangeAspect="1" noChangeArrowheads="1" noTextEdit="1"/>
           </p:cNvSpPr>
           <p:nvPr>
             <p:ph type="sldImg"/>
@@ -1698,7 +1698,7 @@
         <p:nvSpPr>
           <p:cNvPr id="22531" name="Rectangle 2"/>
           <p:cNvSpPr>
-            <a:spLocks noRot="1" noChangeArrowheads="1" noTextEdit="1"/>
+            <a:spLocks noGrp="1" noRot="1" noChangeAspect="1" noChangeArrowheads="1" noTextEdit="1"/>
           </p:cNvSpPr>
           <p:nvPr>
             <p:ph type="sldImg"/>
@@ -2192,7 +2192,7 @@
         <p:nvSpPr>
           <p:cNvPr id="22531" name="Rectangle 2"/>
           <p:cNvSpPr>
-            <a:spLocks noRot="1" noChangeArrowheads="1" noTextEdit="1"/>
+            <a:spLocks noGrp="1" noRot="1" noChangeAspect="1" noChangeArrowheads="1" noTextEdit="1"/>
           </p:cNvSpPr>
           <p:nvPr>
             <p:ph type="sldImg"/>
@@ -2686,7 +2686,7 @@
         <p:nvSpPr>
           <p:cNvPr id="24579" name="Rectangle 2"/>
           <p:cNvSpPr>
-            <a:spLocks noRot="1" noChangeArrowheads="1" noTextEdit="1"/>
+            <a:spLocks noGrp="1" noRot="1" noChangeAspect="1" noChangeArrowheads="1" noTextEdit="1"/>
           </p:cNvSpPr>
           <p:nvPr>
             <p:ph type="sldImg"/>
@@ -2943,7 +2943,7 @@
         <p:nvSpPr>
           <p:cNvPr id="20483" name="Rectangle 2"/>
           <p:cNvSpPr>
-            <a:spLocks noRot="1" noChangeArrowheads="1" noTextEdit="1"/>
+            <a:spLocks noGrp="1" noRot="1" noChangeAspect="1" noChangeArrowheads="1" noTextEdit="1"/>
           </p:cNvSpPr>
           <p:nvPr>
             <p:ph type="sldImg"/>
@@ -3200,7 +3200,7 @@
         <p:nvSpPr>
           <p:cNvPr id="16387" name="Rectangle 2"/>
           <p:cNvSpPr>
-            <a:spLocks noRot="1" noChangeArrowheads="1" noTextEdit="1"/>
+            <a:spLocks noGrp="1" noRot="1" noChangeAspect="1" noChangeArrowheads="1" noTextEdit="1"/>
           </p:cNvSpPr>
           <p:nvPr>
             <p:ph type="sldImg"/>
@@ -3481,7 +3481,7 @@
         <p:nvSpPr>
           <p:cNvPr id="20483" name="Rectangle 2"/>
           <p:cNvSpPr>
-            <a:spLocks noRot="1" noChangeArrowheads="1" noTextEdit="1"/>
+            <a:spLocks noGrp="1" noRot="1" noChangeAspect="1" noChangeArrowheads="1" noTextEdit="1"/>
           </p:cNvSpPr>
           <p:nvPr>
             <p:ph type="sldImg"/>
@@ -3738,7 +3738,7 @@
         <p:nvSpPr>
           <p:cNvPr id="21507" name="Rectangle 2"/>
           <p:cNvSpPr>
-            <a:spLocks noRot="1" noChangeArrowheads="1" noTextEdit="1"/>
+            <a:spLocks noGrp="1" noRot="1" noChangeAspect="1" noChangeArrowheads="1" noTextEdit="1"/>
           </p:cNvSpPr>
           <p:nvPr>
             <p:ph type="sldImg"/>
@@ -3995,7 +3995,7 @@
         <p:nvSpPr>
           <p:cNvPr id="22531" name="Rectangle 2"/>
           <p:cNvSpPr>
-            <a:spLocks noRot="1" noChangeArrowheads="1" noTextEdit="1"/>
+            <a:spLocks noGrp="1" noRot="1" noChangeAspect="1" noChangeArrowheads="1" noTextEdit="1"/>
           </p:cNvSpPr>
           <p:nvPr>
             <p:ph type="sldImg"/>
@@ -4513,7 +4513,7 @@
         <p:nvSpPr>
           <p:cNvPr id="22531" name="Rectangle 2"/>
           <p:cNvSpPr>
-            <a:spLocks noRot="1" noChangeArrowheads="1" noTextEdit="1"/>
+            <a:spLocks noGrp="1" noRot="1" noChangeAspect="1" noChangeArrowheads="1" noTextEdit="1"/>
           </p:cNvSpPr>
           <p:nvPr>
             <p:ph type="sldImg"/>
@@ -5007,7 +5007,7 @@
         <p:nvSpPr>
           <p:cNvPr id="22531" name="Rectangle 2"/>
           <p:cNvSpPr>
-            <a:spLocks noRot="1" noChangeArrowheads="1" noTextEdit="1"/>
+            <a:spLocks noGrp="1" noRot="1" noChangeAspect="1" noChangeArrowheads="1" noTextEdit="1"/>
           </p:cNvSpPr>
           <p:nvPr>
             <p:ph type="sldImg"/>
@@ -5501,7 +5501,7 @@
         <p:nvSpPr>
           <p:cNvPr id="22531" name="Rectangle 2"/>
           <p:cNvSpPr>
-            <a:spLocks noRot="1" noChangeArrowheads="1" noTextEdit="1"/>
+            <a:spLocks noGrp="1" noRot="1" noChangeAspect="1" noChangeArrowheads="1" noTextEdit="1"/>
           </p:cNvSpPr>
           <p:nvPr>
             <p:ph type="sldImg"/>
@@ -5995,7 +5995,7 @@
         <p:nvSpPr>
           <p:cNvPr id="22531" name="Rectangle 2"/>
           <p:cNvSpPr>
-            <a:spLocks noRot="1" noChangeArrowheads="1" noTextEdit="1"/>
+            <a:spLocks noGrp="1" noRot="1" noChangeAspect="1" noChangeArrowheads="1" noTextEdit="1"/>
           </p:cNvSpPr>
           <p:nvPr>
             <p:ph type="sldImg"/>
@@ -9806,6 +9806,30 @@
           <a:chExt cx="0" cy="0"/>
         </a:xfrm>
       </p:grpSpPr>
+      <p:graphicFrame>
+        <p:nvGraphicFramePr>
+          <p:cNvPr id="7" name="Chart 6"/>
+          <p:cNvGraphicFramePr>
+            <a:graphicFrameLocks/>
+          </p:cNvGraphicFramePr>
+          <p:nvPr>
+            <p:extLst>
+              <p:ext uri="{D42A27DB-BD31-4B8C-83A1-F6EECF244321}">
+                <p14:modId xmlns:p14="http://schemas.microsoft.com/office/powerpoint/2010/main" val="1270449525"/>
+              </p:ext>
+            </p:extLst>
+          </p:nvPr>
+        </p:nvGraphicFramePr>
+        <p:xfrm>
+          <a:off x="914400" y="1195388"/>
+          <a:ext cx="7543800" cy="4443412"/>
+        </p:xfrm>
+        <a:graphic>
+          <a:graphicData uri="http://schemas.openxmlformats.org/drawingml/2006/chart">
+            <c:chart xmlns:c="http://schemas.openxmlformats.org/drawingml/2006/chart" xmlns:r="http://schemas.openxmlformats.org/officeDocument/2006/relationships" r:id="rId3"/>
+          </a:graphicData>
+        </a:graphic>
+      </p:graphicFrame>
       <p:sp>
         <p:nvSpPr>
           <p:cNvPr id="10242" name="Rectangle 16"/>
@@ -9877,7 +9901,7 @@
         </p:nvSpPr>
         <p:spPr>
           <a:xfrm>
-            <a:off x="2667000" y="5638800"/>
+            <a:off x="2667000" y="5257800"/>
             <a:ext cx="4171021" cy="369332"/>
           </a:xfrm>
           <a:prstGeom prst="rect">
@@ -9905,36 +9929,61 @@
             </a:r>
             <a:r>
               <a:rPr lang="zh-CN" altLang="en-US" sz="1800" dirty="0" smtClean="0"/>
-              <a:t>语义标注获取各数</a:t>
+              <a:t>语义标注获</a:t>
+            </a:r>
+            <a:r>
+              <a:rPr lang="zh-CN" altLang="en-US" sz="1800" dirty="0" smtClean="0"/>
+              <a:t>取效率</a:t>
             </a:r>
             <a:endParaRPr lang="en-US" sz="1800" dirty="0"/>
           </a:p>
         </p:txBody>
       </p:sp>
-      <p:graphicFrame>
-        <p:nvGraphicFramePr>
-          <p:cNvPr id="7" name="Chart 6"/>
-          <p:cNvGraphicFramePr>
-            <a:graphicFrameLocks/>
-          </p:cNvGraphicFramePr>
-          <p:nvPr>
-            <p:extLst>
-              <p:ext uri="{D42A27DB-BD31-4B8C-83A1-F6EECF244321}">
-                <p14:modId xmlns:p14="http://schemas.microsoft.com/office/powerpoint/2010/main" val="169271984"/>
-              </p:ext>
-            </p:extLst>
-          </p:nvPr>
-        </p:nvGraphicFramePr>
-        <p:xfrm>
-          <a:off x="914400" y="1195388"/>
-          <a:ext cx="7543800" cy="4443412"/>
-        </p:xfrm>
-        <a:graphic>
-          <a:graphicData uri="http://schemas.openxmlformats.org/drawingml/2006/chart">
-            <c:chart xmlns:c="http://schemas.openxmlformats.org/drawingml/2006/chart" xmlns:r="http://schemas.openxmlformats.org/officeDocument/2006/relationships" r:id="rId3"/>
-          </a:graphicData>
-        </a:graphic>
-      </p:graphicFrame>
+      <p:sp>
+        <p:nvSpPr>
+          <p:cNvPr id="2" name="TextBox 1"/>
+          <p:cNvSpPr txBox="1"/>
+          <p:nvPr/>
+        </p:nvSpPr>
+        <p:spPr>
+          <a:xfrm>
+            <a:off x="0" y="5939135"/>
+            <a:ext cx="4940776" cy="461665"/>
+          </a:xfrm>
+          <a:prstGeom prst="rect">
+            <a:avLst/>
+          </a:prstGeom>
+        </p:spPr>
+        <p:style>
+          <a:lnRef idx="2">
+            <a:schemeClr val="accent6">
+              <a:shade val="50000"/>
+            </a:schemeClr>
+          </a:lnRef>
+          <a:fillRef idx="1">
+            <a:schemeClr val="accent6"/>
+          </a:fillRef>
+          <a:effectRef idx="0">
+            <a:schemeClr val="accent6"/>
+          </a:effectRef>
+          <a:fontRef idx="minor">
+            <a:schemeClr val="lt1"/>
+          </a:fontRef>
+        </p:style>
+        <p:txBody>
+          <a:bodyPr wrap="none" rtlCol="0">
+            <a:spAutoFit/>
+          </a:bodyPr>
+          <a:lstStyle/>
+          <a:p>
+            <a:r>
+              <a:rPr lang="en-US" dirty="0" smtClean="0"/>
+              <a:t>Got about 57 semantic tags in 8.6s</a:t>
+            </a:r>
+            <a:endParaRPr lang="en-US" dirty="0"/>
+          </a:p>
+        </p:txBody>
+      </p:sp>
     </p:spTree>
     <p:extLst>
       <p:ext uri="{BB962C8B-B14F-4D97-AF65-F5344CB8AC3E}">
@@ -9945,12 +9994,99 @@
   <p:clrMapOvr>
     <a:masterClrMapping/>
   </p:clrMapOvr>
+  <mc:AlternateContent xmlns:mc="http://schemas.openxmlformats.org/markup-compatibility/2006">
+    <mc:Choice xmlns:p14="http://schemas.microsoft.com/office/powerpoint/2010/main" Requires="p14">
+      <p:transition p14:dur="0"/>
+    </mc:Choice>
+    <mc:Fallback>
+      <p:transition/>
+    </mc:Fallback>
+  </mc:AlternateContent>
   <p:timing>
     <p:tnLst>
       <p:par>
-        <p:cTn id="1" dur="indefinite" restart="never" nodeType="tmRoot"/>
+        <p:cTn id="1" dur="indefinite" restart="never" nodeType="tmRoot">
+          <p:childTnLst>
+            <p:seq concurrent="1" nextAc="seek">
+              <p:cTn id="2" dur="indefinite" nodeType="mainSeq">
+                <p:childTnLst>
+                  <p:par>
+                    <p:cTn id="3" fill="hold">
+                      <p:stCondLst>
+                        <p:cond delay="indefinite"/>
+                      </p:stCondLst>
+                      <p:childTnLst>
+                        <p:par>
+                          <p:cTn id="4" fill="hold">
+                            <p:stCondLst>
+                              <p:cond delay="0"/>
+                            </p:stCondLst>
+                            <p:childTnLst>
+                              <p:par>
+                                <p:cTn id="5" presetID="10" presetClass="entr" presetSubtype="0" fill="hold" grpId="0" nodeType="clickEffect">
+                                  <p:stCondLst>
+                                    <p:cond delay="0"/>
+                                  </p:stCondLst>
+                                  <p:childTnLst>
+                                    <p:set>
+                                      <p:cBhvr>
+                                        <p:cTn id="6" dur="1" fill="hold">
+                                          <p:stCondLst>
+                                            <p:cond delay="0"/>
+                                          </p:stCondLst>
+                                        </p:cTn>
+                                        <p:tgtEl>
+                                          <p:spTgt spid="2"/>
+                                        </p:tgtEl>
+                                        <p:attrNameLst>
+                                          <p:attrName>style.visibility</p:attrName>
+                                        </p:attrNameLst>
+                                      </p:cBhvr>
+                                      <p:to>
+                                        <p:strVal val="visible"/>
+                                      </p:to>
+                                    </p:set>
+                                    <p:animEffect transition="in" filter="fade">
+                                      <p:cBhvr>
+                                        <p:cTn id="7" dur="500"/>
+                                        <p:tgtEl>
+                                          <p:spTgt spid="2"/>
+                                        </p:tgtEl>
+                                      </p:cBhvr>
+                                    </p:animEffect>
+                                  </p:childTnLst>
+                                </p:cTn>
+                              </p:par>
+                            </p:childTnLst>
+                          </p:cTn>
+                        </p:par>
+                      </p:childTnLst>
+                    </p:cTn>
+                  </p:par>
+                </p:childTnLst>
+              </p:cTn>
+              <p:prevCondLst>
+                <p:cond evt="onPrev" delay="0">
+                  <p:tgtEl>
+                    <p:sldTgt/>
+                  </p:tgtEl>
+                </p:cond>
+              </p:prevCondLst>
+              <p:nextCondLst>
+                <p:cond evt="onNext" delay="0">
+                  <p:tgtEl>
+                    <p:sldTgt/>
+                  </p:tgtEl>
+                </p:cond>
+              </p:nextCondLst>
+            </p:seq>
+          </p:childTnLst>
+        </p:cTn>
       </p:par>
     </p:tnLst>
+    <p:bldLst>
+      <p:bldP spid="2" grpId="0" animBg="1"/>
+    </p:bldLst>
   </p:timing>
 </p:sld>
 </file>
@@ -10410,15 +10546,7 @@
                   <a:srgbClr val="C00000"/>
                 </a:solidFill>
               </a:rPr>
-              <a:t>月：整理论文</a:t>
-            </a:r>
-            <a:r>
-              <a:rPr lang="zh-CN" altLang="en-US" dirty="0" smtClean="0">
-                <a:solidFill>
-                  <a:srgbClr val="C00000"/>
-                </a:solidFill>
-              </a:rPr>
-              <a:t>。</a:t>
+              <a:t>月：整理论文。</a:t>
             </a:r>
             <a:endParaRPr lang="en-US" altLang="en-US" dirty="0" smtClean="0">
               <a:solidFill>
@@ -10442,7 +10570,79 @@
   <p:timing>
     <p:tnLst>
       <p:par>
-        <p:cTn id="1" dur="indefinite" restart="never" nodeType="tmRoot"/>
+        <p:cTn id="1" dur="indefinite" restart="never" nodeType="tmRoot">
+          <p:childTnLst>
+            <p:seq concurrent="1" nextAc="seek">
+              <p:cTn id="2" dur="indefinite" nodeType="mainSeq">
+                <p:childTnLst>
+                  <p:par>
+                    <p:cTn id="3" fill="hold">
+                      <p:stCondLst>
+                        <p:cond delay="indefinite"/>
+                      </p:stCondLst>
+                      <p:childTnLst>
+                        <p:par>
+                          <p:cTn id="4" fill="hold">
+                            <p:stCondLst>
+                              <p:cond delay="0"/>
+                            </p:stCondLst>
+                            <p:childTnLst>
+                              <p:par>
+                                <p:cTn id="5" presetID="1" presetClass="entr" presetSubtype="0" fill="hold" nodeType="clickEffect">
+                                  <p:stCondLst>
+                                    <p:cond delay="0"/>
+                                  </p:stCondLst>
+                                  <p:childTnLst>
+                                    <p:set>
+                                      <p:cBhvr>
+                                        <p:cTn id="6" dur="1" fill="hold">
+                                          <p:stCondLst>
+                                            <p:cond delay="0"/>
+                                          </p:stCondLst>
+                                        </p:cTn>
+                                        <p:tgtEl>
+                                          <p:spTgt spid="12291">
+                                            <p:txEl>
+                                              <p:pRg st="4" end="4"/>
+                                            </p:txEl>
+                                          </p:spTgt>
+                                        </p:tgtEl>
+                                        <p:attrNameLst>
+                                          <p:attrName>style.visibility</p:attrName>
+                                        </p:attrNameLst>
+                                      </p:cBhvr>
+                                      <p:to>
+                                        <p:strVal val="visible"/>
+                                      </p:to>
+                                    </p:set>
+                                  </p:childTnLst>
+                                </p:cTn>
+                              </p:par>
+                            </p:childTnLst>
+                          </p:cTn>
+                        </p:par>
+                      </p:childTnLst>
+                    </p:cTn>
+                  </p:par>
+                </p:childTnLst>
+              </p:cTn>
+              <p:prevCondLst>
+                <p:cond evt="onPrev" delay="0">
+                  <p:tgtEl>
+                    <p:sldTgt/>
+                  </p:tgtEl>
+                </p:cond>
+              </p:prevCondLst>
+              <p:nextCondLst>
+                <p:cond evt="onNext" delay="0">
+                  <p:tgtEl>
+                    <p:sldTgt/>
+                  </p:tgtEl>
+                </p:cond>
+              </p:nextCondLst>
+            </p:seq>
+          </p:childTnLst>
+        </p:cTn>
       </p:par>
     </p:tnLst>
   </p:timing>
@@ -10607,18 +10807,188 @@
   <p:clrMapOvr>
     <a:masterClrMapping/>
   </p:clrMapOvr>
-  <mc:AlternateContent xmlns:mc="http://schemas.openxmlformats.org/markup-compatibility/2006">
-    <mc:Choice xmlns:p14="http://schemas.microsoft.com/office/powerpoint/2010/main" Requires="p14">
+  <mc:AlternateContent xmlns:mc="http://schemas.openxmlformats.org/markup-compatibility/2006" xmlns:p14="http://schemas.microsoft.com/office/powerpoint/2010/main">
+    <mc:Choice Requires="p14">
       <p:transition spd="slow" p14:dur="2000"/>
     </mc:Choice>
-    <mc:Fallback>
+    <mc:Fallback xmlns="">
       <p:transition spd="slow"/>
     </mc:Fallback>
   </mc:AlternateContent>
   <p:timing>
     <p:tnLst>
       <p:par>
-        <p:cTn id="1" dur="indefinite" restart="never" nodeType="tmRoot"/>
+        <p:cTn id="1" dur="indefinite" restart="never" nodeType="tmRoot">
+          <p:childTnLst>
+            <p:seq concurrent="1" nextAc="seek">
+              <p:cTn id="2" dur="indefinite" nodeType="mainSeq">
+                <p:childTnLst>
+                  <p:par>
+                    <p:cTn id="3" fill="hold">
+                      <p:stCondLst>
+                        <p:cond delay="indefinite"/>
+                      </p:stCondLst>
+                      <p:childTnLst>
+                        <p:par>
+                          <p:cTn id="4" fill="hold">
+                            <p:stCondLst>
+                              <p:cond delay="0"/>
+                            </p:stCondLst>
+                            <p:childTnLst>
+                              <p:par>
+                                <p:cTn id="5" presetID="1" presetClass="entr" presetSubtype="0" fill="hold" nodeType="clickEffect">
+                                  <p:stCondLst>
+                                    <p:cond delay="0"/>
+                                  </p:stCondLst>
+                                  <p:childTnLst>
+                                    <p:set>
+                                      <p:cBhvr>
+                                        <p:cTn id="6" dur="1" fill="hold">
+                                          <p:stCondLst>
+                                            <p:cond delay="0"/>
+                                          </p:stCondLst>
+                                        </p:cTn>
+                                        <p:tgtEl>
+                                          <p:spTgt spid="4099">
+                                            <p:txEl>
+                                              <p:pRg st="0" end="0"/>
+                                            </p:txEl>
+                                          </p:spTgt>
+                                        </p:tgtEl>
+                                        <p:attrNameLst>
+                                          <p:attrName>style.visibility</p:attrName>
+                                        </p:attrNameLst>
+                                      </p:cBhvr>
+                                      <p:to>
+                                        <p:strVal val="visible"/>
+                                      </p:to>
+                                    </p:set>
+                                  </p:childTnLst>
+                                </p:cTn>
+                              </p:par>
+                            </p:childTnLst>
+                          </p:cTn>
+                        </p:par>
+                      </p:childTnLst>
+                    </p:cTn>
+                  </p:par>
+                  <p:par>
+                    <p:cTn id="7" fill="hold">
+                      <p:stCondLst>
+                        <p:cond delay="indefinite"/>
+                      </p:stCondLst>
+                      <p:childTnLst>
+                        <p:par>
+                          <p:cTn id="8" fill="hold">
+                            <p:stCondLst>
+                              <p:cond delay="0"/>
+                            </p:stCondLst>
+                            <p:childTnLst>
+                              <p:par>
+                                <p:cTn id="9" presetID="1" presetClass="entr" presetSubtype="0" fill="hold" nodeType="clickEffect">
+                                  <p:stCondLst>
+                                    <p:cond delay="0"/>
+                                  </p:stCondLst>
+                                  <p:childTnLst>
+                                    <p:set>
+                                      <p:cBhvr>
+                                        <p:cTn id="10" dur="1" fill="hold">
+                                          <p:stCondLst>
+                                            <p:cond delay="0"/>
+                                          </p:stCondLst>
+                                        </p:cTn>
+                                        <p:tgtEl>
+                                          <p:spTgt spid="4099">
+                                            <p:txEl>
+                                              <p:pRg st="2" end="2"/>
+                                            </p:txEl>
+                                          </p:spTgt>
+                                        </p:tgtEl>
+                                        <p:attrNameLst>
+                                          <p:attrName>style.visibility</p:attrName>
+                                        </p:attrNameLst>
+                                      </p:cBhvr>
+                                      <p:to>
+                                        <p:strVal val="visible"/>
+                                      </p:to>
+                                    </p:set>
+                                  </p:childTnLst>
+                                </p:cTn>
+                              </p:par>
+                            </p:childTnLst>
+                          </p:cTn>
+                        </p:par>
+                      </p:childTnLst>
+                    </p:cTn>
+                  </p:par>
+                  <p:par>
+                    <p:cTn id="11" fill="hold">
+                      <p:stCondLst>
+                        <p:cond delay="indefinite"/>
+                      </p:stCondLst>
+                      <p:childTnLst>
+                        <p:par>
+                          <p:cTn id="12" fill="hold">
+                            <p:stCondLst>
+                              <p:cond delay="0"/>
+                            </p:stCondLst>
+                            <p:childTnLst>
+                              <p:par>
+                                <p:cTn id="13" presetID="1" presetClass="entr" presetSubtype="0" fill="hold" nodeType="clickEffect">
+                                  <p:stCondLst>
+                                    <p:cond delay="0"/>
+                                  </p:stCondLst>
+                                  <p:childTnLst>
+                                    <p:set>
+                                      <p:cBhvr>
+                                        <p:cTn id="14" dur="1" fill="hold">
+                                          <p:stCondLst>
+                                            <p:cond delay="0"/>
+                                          </p:stCondLst>
+                                        </p:cTn>
+                                        <p:tgtEl>
+                                          <p:spTgt spid="4099">
+                                            <p:txEl>
+                                              <p:pRg st="4" end="4"/>
+                                            </p:txEl>
+                                          </p:spTgt>
+                                        </p:tgtEl>
+                                        <p:attrNameLst>
+                                          <p:attrName>style.visibility</p:attrName>
+                                        </p:attrNameLst>
+                                      </p:cBhvr>
+                                      <p:to>
+                                        <p:strVal val="visible"/>
+                                      </p:to>
+                                    </p:set>
+                                  </p:childTnLst>
+                                </p:cTn>
+                              </p:par>
+                            </p:childTnLst>
+                          </p:cTn>
+                        </p:par>
+                      </p:childTnLst>
+                    </p:cTn>
+                  </p:par>
+                </p:childTnLst>
+              </p:cTn>
+              <p:prevCondLst>
+                <p:cond evt="onPrev" delay="0">
+                  <p:tgtEl>
+                    <p:sldTgt/>
+                  </p:tgtEl>
+                </p:cond>
+              </p:prevCondLst>
+              <p:nextCondLst>
+                <p:cond evt="onNext" delay="0">
+                  <p:tgtEl>
+                    <p:sldTgt/>
+                  </p:tgtEl>
+                </p:cond>
+              </p:nextCondLst>
+            </p:seq>
+          </p:childTnLst>
+        </p:cTn>
       </p:par>
     </p:tnLst>
   </p:timing>
@@ -11209,11 +11579,11 @@
   <p:clrMapOvr>
     <a:masterClrMapping/>
   </p:clrMapOvr>
-  <mc:AlternateContent xmlns:mc="http://schemas.openxmlformats.org/markup-compatibility/2006">
-    <mc:Choice xmlns:p14="http://schemas.microsoft.com/office/powerpoint/2010/main" Requires="p14">
+  <mc:AlternateContent xmlns:mc="http://schemas.openxmlformats.org/markup-compatibility/2006" xmlns:p14="http://schemas.microsoft.com/office/powerpoint/2010/main">
+    <mc:Choice Requires="p14">
       <p:transition spd="slow" p14:dur="2000"/>
     </mc:Choice>
-    <mc:Fallback>
+    <mc:Fallback xmlns="">
       <p:transition spd="slow"/>
     </mc:Fallback>
   </mc:AlternateContent>
@@ -11441,150 +11811,165 @@
           </a:ln>
         </p:spPr>
       </p:pic>
-      <p:sp>
-        <p:nvSpPr>
-          <p:cNvPr id="8" name="Right Arrow 7"/>
-          <p:cNvSpPr/>
+      <p:grpSp>
+        <p:nvGrpSpPr>
+          <p:cNvPr id="2" name="Group 1"/>
+          <p:cNvGrpSpPr/>
           <p:nvPr/>
-        </p:nvSpPr>
-        <p:spPr bwMode="auto">
+        </p:nvGrpSpPr>
+        <p:grpSpPr>
           <a:xfrm>
-            <a:off x="4343400" y="3429000"/>
-            <a:ext cx="838200" cy="304800"/>
+            <a:off x="4343400" y="3454903"/>
+            <a:ext cx="838200" cy="812297"/>
+            <a:chOff x="4343400" y="3454903"/>
+            <a:chExt cx="838200" cy="812297"/>
           </a:xfrm>
-          <a:prstGeom prst="rightArrow">
-            <a:avLst/>
-          </a:prstGeom>
-          <a:ln>
-            <a:headEnd type="none" w="med" len="med"/>
-            <a:tailEnd type="none" w="med" len="med"/>
-          </a:ln>
-        </p:spPr>
-        <p:style>
-          <a:lnRef idx="1">
-            <a:schemeClr val="dk1"/>
-          </a:lnRef>
-          <a:fillRef idx="2">
-            <a:schemeClr val="dk1"/>
-          </a:fillRef>
-          <a:effectRef idx="1">
-            <a:schemeClr val="dk1"/>
-          </a:effectRef>
-          <a:fontRef idx="minor">
-            <a:schemeClr val="dk1"/>
-          </a:fontRef>
-        </p:style>
-        <p:txBody>
-          <a:bodyPr vert="horz" wrap="none" lIns="90000" tIns="46800" rIns="90000" bIns="46800" numCol="1" rtlCol="0" anchor="ctr" anchorCtr="0" compatLnSpc="1">
-            <a:prstTxWarp prst="textNoShape">
+        </p:grpSpPr>
+        <p:sp>
+          <p:nvSpPr>
+            <p:cNvPr id="8" name="Right Arrow 7"/>
+            <p:cNvSpPr/>
+            <p:nvPr/>
+          </p:nvSpPr>
+          <p:spPr bwMode="auto">
+            <a:xfrm>
+              <a:off x="4343400" y="3454903"/>
+              <a:ext cx="838200" cy="304800"/>
+            </a:xfrm>
+            <a:prstGeom prst="rightArrow">
               <a:avLst/>
-            </a:prstTxWarp>
-            <a:spAutoFit/>
-          </a:bodyPr>
-          <a:lstStyle/>
-          <a:p>
-            <a:pPr marL="0" marR="0" indent="0" algn="ctr" defTabSz="914400" rtl="0" eaLnBrk="1" fontAlgn="base" latinLnBrk="0" hangingPunct="1">
-              <a:lnSpc>
-                <a:spcPct val="100000"/>
-              </a:lnSpc>
-              <a:spcBef>
-                <a:spcPct val="0"/>
-              </a:spcBef>
-              <a:spcAft>
-                <a:spcPct val="0"/>
-              </a:spcAft>
-              <a:buClrTx/>
-              <a:buSzTx/>
-              <a:buFontTx/>
-              <a:buNone/>
-              <a:tabLst/>
-            </a:pPr>
-            <a:endParaRPr kumimoji="0" lang="en-US" sz="2400" b="0" i="0" u="none" strike="noStrike" cap="none" normalizeH="0" baseline="0" smtClean="0">
-              <a:ln>
-                <a:noFill/>
-              </a:ln>
-              <a:solidFill>
-                <a:schemeClr val="tx1"/>
-              </a:solidFill>
-              <a:effectLst/>
-              <a:latin typeface="Arial" charset="0"/>
-              <a:ea typeface="黑体" pitchFamily="2" charset="-122"/>
-            </a:endParaRPr>
-          </a:p>
-        </p:txBody>
-      </p:sp>
-      <p:sp>
-        <p:nvSpPr>
-          <p:cNvPr id="22" name="Right Arrow 21"/>
-          <p:cNvSpPr/>
-          <p:nvPr/>
-        </p:nvSpPr>
-        <p:spPr bwMode="auto">
-          <a:xfrm rot="10800000">
-            <a:off x="4343400" y="3936497"/>
-            <a:ext cx="838200" cy="304800"/>
-          </a:xfrm>
-          <a:prstGeom prst="rightArrow">
-            <a:avLst/>
-          </a:prstGeom>
-          <a:ln>
-            <a:headEnd type="none" w="med" len="med"/>
-            <a:tailEnd type="none" w="med" len="med"/>
-          </a:ln>
-        </p:spPr>
-        <p:style>
-          <a:lnRef idx="1">
-            <a:schemeClr val="dk1"/>
-          </a:lnRef>
-          <a:fillRef idx="2">
-            <a:schemeClr val="dk1"/>
-          </a:fillRef>
-          <a:effectRef idx="1">
-            <a:schemeClr val="dk1"/>
-          </a:effectRef>
-          <a:fontRef idx="minor">
-            <a:schemeClr val="dk1"/>
-          </a:fontRef>
-        </p:style>
-        <p:txBody>
-          <a:bodyPr vert="horz" wrap="none" lIns="90000" tIns="46800" rIns="90000" bIns="46800" numCol="1" rtlCol="0" anchor="ctr" anchorCtr="0" compatLnSpc="1">
-            <a:prstTxWarp prst="textNoShape">
+            </a:prstGeom>
+            <a:ln>
+              <a:headEnd type="none" w="med" len="med"/>
+              <a:tailEnd type="none" w="med" len="med"/>
+            </a:ln>
+          </p:spPr>
+          <p:style>
+            <a:lnRef idx="1">
+              <a:schemeClr val="dk1"/>
+            </a:lnRef>
+            <a:fillRef idx="2">
+              <a:schemeClr val="dk1"/>
+            </a:fillRef>
+            <a:effectRef idx="1">
+              <a:schemeClr val="dk1"/>
+            </a:effectRef>
+            <a:fontRef idx="minor">
+              <a:schemeClr val="dk1"/>
+            </a:fontRef>
+          </p:style>
+          <p:txBody>
+            <a:bodyPr vert="horz" wrap="none" lIns="90000" tIns="46800" rIns="90000" bIns="46800" numCol="1" rtlCol="0" anchor="ctr" anchorCtr="0" compatLnSpc="1">
+              <a:prstTxWarp prst="textNoShape">
+                <a:avLst/>
+              </a:prstTxWarp>
+              <a:spAutoFit/>
+            </a:bodyPr>
+            <a:lstStyle/>
+            <a:p>
+              <a:pPr marL="0" marR="0" indent="0" algn="ctr" defTabSz="914400" rtl="0" eaLnBrk="1" fontAlgn="base" latinLnBrk="0" hangingPunct="1">
+                <a:lnSpc>
+                  <a:spcPct val="100000"/>
+                </a:lnSpc>
+                <a:spcBef>
+                  <a:spcPct val="0"/>
+                </a:spcBef>
+                <a:spcAft>
+                  <a:spcPct val="0"/>
+                </a:spcAft>
+                <a:buClrTx/>
+                <a:buSzTx/>
+                <a:buFontTx/>
+                <a:buNone/>
+                <a:tabLst/>
+              </a:pPr>
+              <a:endParaRPr kumimoji="0" lang="en-US" sz="2400" b="0" i="0" u="none" strike="noStrike" cap="none" normalizeH="0" baseline="0" smtClean="0">
+                <a:ln>
+                  <a:noFill/>
+                </a:ln>
+                <a:solidFill>
+                  <a:schemeClr val="tx1"/>
+                </a:solidFill>
+                <a:effectLst/>
+                <a:latin typeface="Arial" charset="0"/>
+                <a:ea typeface="黑体" pitchFamily="2" charset="-122"/>
+              </a:endParaRPr>
+            </a:p>
+          </p:txBody>
+        </p:sp>
+        <p:sp>
+          <p:nvSpPr>
+            <p:cNvPr id="22" name="Right Arrow 21"/>
+            <p:cNvSpPr/>
+            <p:nvPr/>
+          </p:nvSpPr>
+          <p:spPr bwMode="auto">
+            <a:xfrm rot="10800000">
+              <a:off x="4343400" y="3962400"/>
+              <a:ext cx="838200" cy="304800"/>
+            </a:xfrm>
+            <a:prstGeom prst="rightArrow">
               <a:avLst/>
-            </a:prstTxWarp>
-            <a:spAutoFit/>
-          </a:bodyPr>
-          <a:lstStyle/>
-          <a:p>
-            <a:pPr marL="0" marR="0" indent="0" algn="ctr" defTabSz="914400" rtl="0" eaLnBrk="1" fontAlgn="base" latinLnBrk="0" hangingPunct="1">
-              <a:lnSpc>
-                <a:spcPct val="100000"/>
-              </a:lnSpc>
-              <a:spcBef>
-                <a:spcPct val="0"/>
-              </a:spcBef>
-              <a:spcAft>
-                <a:spcPct val="0"/>
-              </a:spcAft>
-              <a:buClrTx/>
-              <a:buSzTx/>
-              <a:buFontTx/>
-              <a:buNone/>
-              <a:tabLst/>
-            </a:pPr>
-            <a:endParaRPr kumimoji="0" lang="en-US" sz="2400" b="0" i="0" u="none" strike="noStrike" cap="none" normalizeH="0" baseline="0" smtClean="0">
-              <a:ln>
-                <a:noFill/>
-              </a:ln>
-              <a:solidFill>
-                <a:schemeClr val="tx1"/>
-              </a:solidFill>
-              <a:effectLst/>
-              <a:latin typeface="Arial" charset="0"/>
-              <a:ea typeface="黑体" pitchFamily="2" charset="-122"/>
-            </a:endParaRPr>
-          </a:p>
-        </p:txBody>
-      </p:sp>
+            </a:prstGeom>
+            <a:ln>
+              <a:headEnd type="none" w="med" len="med"/>
+              <a:tailEnd type="none" w="med" len="med"/>
+            </a:ln>
+          </p:spPr>
+          <p:style>
+            <a:lnRef idx="1">
+              <a:schemeClr val="dk1"/>
+            </a:lnRef>
+            <a:fillRef idx="2">
+              <a:schemeClr val="dk1"/>
+            </a:fillRef>
+            <a:effectRef idx="1">
+              <a:schemeClr val="dk1"/>
+            </a:effectRef>
+            <a:fontRef idx="minor">
+              <a:schemeClr val="dk1"/>
+            </a:fontRef>
+          </p:style>
+          <p:txBody>
+            <a:bodyPr vert="horz" wrap="none" lIns="90000" tIns="46800" rIns="90000" bIns="46800" numCol="1" rtlCol="0" anchor="ctr" anchorCtr="0" compatLnSpc="1">
+              <a:prstTxWarp prst="textNoShape">
+                <a:avLst/>
+              </a:prstTxWarp>
+              <a:spAutoFit/>
+            </a:bodyPr>
+            <a:lstStyle/>
+            <a:p>
+              <a:pPr marL="0" marR="0" indent="0" algn="ctr" defTabSz="914400" rtl="0" eaLnBrk="1" fontAlgn="base" latinLnBrk="0" hangingPunct="1">
+                <a:lnSpc>
+                  <a:spcPct val="100000"/>
+                </a:lnSpc>
+                <a:spcBef>
+                  <a:spcPct val="0"/>
+                </a:spcBef>
+                <a:spcAft>
+                  <a:spcPct val="0"/>
+                </a:spcAft>
+                <a:buClrTx/>
+                <a:buSzTx/>
+                <a:buFontTx/>
+                <a:buNone/>
+                <a:tabLst/>
+              </a:pPr>
+              <a:endParaRPr kumimoji="0" lang="en-US" sz="2400" b="0" i="0" u="none" strike="noStrike" cap="none" normalizeH="0" baseline="0" smtClean="0">
+                <a:ln>
+                  <a:noFill/>
+                </a:ln>
+                <a:solidFill>
+                  <a:schemeClr val="tx1"/>
+                </a:solidFill>
+                <a:effectLst/>
+                <a:latin typeface="Arial" charset="0"/>
+                <a:ea typeface="黑体" pitchFamily="2" charset="-122"/>
+              </a:endParaRPr>
+            </a:p>
+          </p:txBody>
+        </p:sp>
+      </p:grpSp>
     </p:spTree>
   </p:cSld>
   <p:clrMapOvr>
@@ -11593,7 +11978,173 @@
   <p:timing>
     <p:tnLst>
       <p:par>
-        <p:cTn id="1" dur="indefinite" restart="never" nodeType="tmRoot"/>
+        <p:cTn id="1" dur="indefinite" restart="never" nodeType="tmRoot">
+          <p:childTnLst>
+            <p:seq concurrent="1" nextAc="seek">
+              <p:cTn id="2" dur="indefinite" nodeType="mainSeq">
+                <p:childTnLst>
+                  <p:par>
+                    <p:cTn id="3" fill="hold">
+                      <p:stCondLst>
+                        <p:cond delay="indefinite"/>
+                      </p:stCondLst>
+                      <p:childTnLst>
+                        <p:par>
+                          <p:cTn id="4" fill="hold">
+                            <p:stCondLst>
+                              <p:cond delay="0"/>
+                            </p:stCondLst>
+                            <p:childTnLst>
+                              <p:par>
+                                <p:cTn id="5" presetID="1" presetClass="entr" presetSubtype="0" fill="hold" nodeType="clickEffect">
+                                  <p:stCondLst>
+                                    <p:cond delay="0"/>
+                                  </p:stCondLst>
+                                  <p:childTnLst>
+                                    <p:set>
+                                      <p:cBhvr>
+                                        <p:cTn id="6" dur="1" fill="hold">
+                                          <p:stCondLst>
+                                            <p:cond delay="0"/>
+                                          </p:stCondLst>
+                                        </p:cTn>
+                                        <p:tgtEl>
+                                          <p:spTgt spid="18"/>
+                                        </p:tgtEl>
+                                        <p:attrNameLst>
+                                          <p:attrName>style.visibility</p:attrName>
+                                        </p:attrNameLst>
+                                      </p:cBhvr>
+                                      <p:to>
+                                        <p:strVal val="visible"/>
+                                      </p:to>
+                                    </p:set>
+                                  </p:childTnLst>
+                                </p:cTn>
+                              </p:par>
+                            </p:childTnLst>
+                          </p:cTn>
+                        </p:par>
+                      </p:childTnLst>
+                    </p:cTn>
+                  </p:par>
+                  <p:par>
+                    <p:cTn id="7" fill="hold">
+                      <p:stCondLst>
+                        <p:cond delay="indefinite"/>
+                      </p:stCondLst>
+                      <p:childTnLst>
+                        <p:par>
+                          <p:cTn id="8" fill="hold">
+                            <p:stCondLst>
+                              <p:cond delay="0"/>
+                            </p:stCondLst>
+                            <p:childTnLst>
+                              <p:par>
+                                <p:cTn id="9" presetID="1" presetClass="entr" presetSubtype="0" fill="hold" nodeType="clickEffect">
+                                  <p:stCondLst>
+                                    <p:cond delay="0"/>
+                                  </p:stCondLst>
+                                  <p:childTnLst>
+                                    <p:set>
+                                      <p:cBhvr>
+                                        <p:cTn id="10" dur="1" fill="hold">
+                                          <p:stCondLst>
+                                            <p:cond delay="0"/>
+                                          </p:stCondLst>
+                                        </p:cTn>
+                                        <p:tgtEl>
+                                          <p:spTgt spid="16"/>
+                                        </p:tgtEl>
+                                        <p:attrNameLst>
+                                          <p:attrName>style.visibility</p:attrName>
+                                        </p:attrNameLst>
+                                      </p:cBhvr>
+                                      <p:to>
+                                        <p:strVal val="visible"/>
+                                      </p:to>
+                                    </p:set>
+                                  </p:childTnLst>
+                                </p:cTn>
+                              </p:par>
+                            </p:childTnLst>
+                          </p:cTn>
+                        </p:par>
+                      </p:childTnLst>
+                    </p:cTn>
+                  </p:par>
+                  <p:par>
+                    <p:cTn id="11" fill="hold">
+                      <p:stCondLst>
+                        <p:cond delay="indefinite"/>
+                      </p:stCondLst>
+                      <p:childTnLst>
+                        <p:par>
+                          <p:cTn id="12" fill="hold">
+                            <p:stCondLst>
+                              <p:cond delay="0"/>
+                            </p:stCondLst>
+                            <p:childTnLst>
+                              <p:par>
+                                <p:cTn id="13" presetID="9" presetClass="entr" presetSubtype="0" fill="hold" nodeType="clickEffect">
+                                  <p:stCondLst>
+                                    <p:cond delay="0"/>
+                                  </p:stCondLst>
+                                  <p:childTnLst>
+                                    <p:set>
+                                      <p:cBhvr>
+                                        <p:cTn id="14" dur="1" fill="hold">
+                                          <p:stCondLst>
+                                            <p:cond delay="0"/>
+                                          </p:stCondLst>
+                                        </p:cTn>
+                                        <p:tgtEl>
+                                          <p:spTgt spid="2"/>
+                                        </p:tgtEl>
+                                        <p:attrNameLst>
+                                          <p:attrName>style.visibility</p:attrName>
+                                        </p:attrNameLst>
+                                      </p:cBhvr>
+                                      <p:to>
+                                        <p:strVal val="visible"/>
+                                      </p:to>
+                                    </p:set>
+                                    <p:animEffect transition="in" filter="dissolve">
+                                      <p:cBhvr>
+                                        <p:cTn id="15" dur="500"/>
+                                        <p:tgtEl>
+                                          <p:spTgt spid="2"/>
+                                        </p:tgtEl>
+                                      </p:cBhvr>
+                                    </p:animEffect>
+                                  </p:childTnLst>
+                                </p:cTn>
+                              </p:par>
+                            </p:childTnLst>
+                          </p:cTn>
+                        </p:par>
+                      </p:childTnLst>
+                    </p:cTn>
+                  </p:par>
+                </p:childTnLst>
+              </p:cTn>
+              <p:prevCondLst>
+                <p:cond evt="onPrev" delay="0">
+                  <p:tgtEl>
+                    <p:sldTgt/>
+                  </p:tgtEl>
+                </p:cond>
+              </p:prevCondLst>
+              <p:nextCondLst>
+                <p:cond evt="onNext" delay="0">
+                  <p:tgtEl>
+                    <p:sldTgt/>
+                  </p:tgtEl>
+                </p:cond>
+              </p:nextCondLst>
+            </p:seq>
+          </p:childTnLst>
+        </p:cTn>
       </p:par>
     </p:tnLst>
   </p:timing>
@@ -12182,7 +12733,136 @@
   <p:timing>
     <p:tnLst>
       <p:par>
-        <p:cTn id="1" dur="indefinite" restart="never" nodeType="tmRoot"/>
+        <p:cTn id="1" dur="indefinite" restart="never" nodeType="tmRoot">
+          <p:childTnLst>
+            <p:seq concurrent="1" nextAc="seek">
+              <p:cTn id="2" dur="indefinite" nodeType="mainSeq">
+                <p:childTnLst>
+                  <p:par>
+                    <p:cTn id="3" fill="hold">
+                      <p:stCondLst>
+                        <p:cond delay="indefinite"/>
+                      </p:stCondLst>
+                      <p:childTnLst>
+                        <p:par>
+                          <p:cTn id="4" fill="hold">
+                            <p:stCondLst>
+                              <p:cond delay="0"/>
+                            </p:stCondLst>
+                            <p:childTnLst>
+                              <p:par>
+                                <p:cTn id="5" presetID="10" presetClass="entr" presetSubtype="0" fill="hold" nodeType="clickEffect">
+                                  <p:stCondLst>
+                                    <p:cond delay="0"/>
+                                  </p:stCondLst>
+                                  <p:childTnLst>
+                                    <p:set>
+                                      <p:cBhvr>
+                                        <p:cTn id="6" dur="1" fill="hold">
+                                          <p:stCondLst>
+                                            <p:cond delay="0"/>
+                                          </p:stCondLst>
+                                        </p:cTn>
+                                        <p:tgtEl>
+                                          <p:spTgt spid="5"/>
+                                        </p:tgtEl>
+                                        <p:attrNameLst>
+                                          <p:attrName>style.visibility</p:attrName>
+                                        </p:attrNameLst>
+                                      </p:cBhvr>
+                                      <p:to>
+                                        <p:strVal val="visible"/>
+                                      </p:to>
+                                    </p:set>
+                                    <p:animEffect transition="in" filter="fade">
+                                      <p:cBhvr>
+                                        <p:cTn id="7" dur="500"/>
+                                        <p:tgtEl>
+                                          <p:spTgt spid="5"/>
+                                        </p:tgtEl>
+                                      </p:cBhvr>
+                                    </p:animEffect>
+                                  </p:childTnLst>
+                                </p:cTn>
+                              </p:par>
+                            </p:childTnLst>
+                          </p:cTn>
+                        </p:par>
+                      </p:childTnLst>
+                    </p:cTn>
+                  </p:par>
+                  <p:par>
+                    <p:cTn id="8" fill="hold">
+                      <p:stCondLst>
+                        <p:cond delay="indefinite"/>
+                      </p:stCondLst>
+                      <p:childTnLst>
+                        <p:par>
+                          <p:cTn id="9" fill="hold">
+                            <p:stCondLst>
+                              <p:cond delay="0"/>
+                            </p:stCondLst>
+                            <p:childTnLst>
+                              <p:par>
+                                <p:cTn id="10" presetID="10" presetClass="entr" presetSubtype="0" fill="hold" nodeType="clickEffect">
+                                  <p:stCondLst>
+                                    <p:cond delay="0"/>
+                                  </p:stCondLst>
+                                  <p:childTnLst>
+                                    <p:set>
+                                      <p:cBhvr>
+                                        <p:cTn id="11" dur="1" fill="hold">
+                                          <p:stCondLst>
+                                            <p:cond delay="0"/>
+                                          </p:stCondLst>
+                                        </p:cTn>
+                                        <p:tgtEl>
+                                          <p:spTgt spid="6"/>
+                                        </p:tgtEl>
+                                        <p:attrNameLst>
+                                          <p:attrName>style.visibility</p:attrName>
+                                        </p:attrNameLst>
+                                      </p:cBhvr>
+                                      <p:to>
+                                        <p:strVal val="visible"/>
+                                      </p:to>
+                                    </p:set>
+                                    <p:animEffect transition="in" filter="fade">
+                                      <p:cBhvr>
+                                        <p:cTn id="12" dur="500"/>
+                                        <p:tgtEl>
+                                          <p:spTgt spid="6"/>
+                                        </p:tgtEl>
+                                      </p:cBhvr>
+                                    </p:animEffect>
+                                  </p:childTnLst>
+                                </p:cTn>
+                              </p:par>
+                            </p:childTnLst>
+                          </p:cTn>
+                        </p:par>
+                      </p:childTnLst>
+                    </p:cTn>
+                  </p:par>
+                </p:childTnLst>
+              </p:cTn>
+              <p:prevCondLst>
+                <p:cond evt="onPrev" delay="0">
+                  <p:tgtEl>
+                    <p:sldTgt/>
+                  </p:tgtEl>
+                </p:cond>
+              </p:prevCondLst>
+              <p:nextCondLst>
+                <p:cond evt="onNext" delay="0">
+                  <p:tgtEl>
+                    <p:sldTgt/>
+                  </p:tgtEl>
+                </p:cond>
+              </p:nextCondLst>
+            </p:seq>
+          </p:childTnLst>
+        </p:cTn>
       </p:par>
     </p:tnLst>
   </p:timing>

--- a/doc/大论文/中期答辩.pptx
+++ b/doc/大论文/中期答辩.pptx
@@ -5,10 +5,10 @@
     <p:sldMasterId id="2147483649" r:id="rId1"/>
   </p:sldMasterIdLst>
   <p:notesMasterIdLst>
-    <p:notesMasterId r:id="rId17"/>
+    <p:notesMasterId r:id="rId18"/>
   </p:notesMasterIdLst>
   <p:handoutMasterIdLst>
-    <p:handoutMasterId r:id="rId18"/>
+    <p:handoutMasterId r:id="rId19"/>
   </p:handoutMasterIdLst>
   <p:sldIdLst>
     <p:sldId id="975" r:id="rId2"/>
@@ -19,13 +19,14 @@
     <p:sldId id="998" r:id="rId7"/>
     <p:sldId id="1001" r:id="rId8"/>
     <p:sldId id="1002" r:id="rId9"/>
-    <p:sldId id="1003" r:id="rId10"/>
-    <p:sldId id="1004" r:id="rId11"/>
-    <p:sldId id="1005" r:id="rId12"/>
-    <p:sldId id="1006" r:id="rId13"/>
-    <p:sldId id="987" r:id="rId14"/>
-    <p:sldId id="1008" r:id="rId15"/>
-    <p:sldId id="876" r:id="rId16"/>
+    <p:sldId id="1009" r:id="rId10"/>
+    <p:sldId id="1003" r:id="rId11"/>
+    <p:sldId id="1004" r:id="rId12"/>
+    <p:sldId id="1005" r:id="rId13"/>
+    <p:sldId id="1006" r:id="rId14"/>
+    <p:sldId id="987" r:id="rId15"/>
+    <p:sldId id="1008" r:id="rId16"/>
+    <p:sldId id="876" r:id="rId17"/>
   </p:sldIdLst>
   <p:sldSz cx="9144000" cy="6858000" type="screen4x3"/>
   <p:notesSz cx="9144000" cy="6858000"/>
@@ -164,10 +165,10 @@
   <c:roundedCorners val="0"/>
   <mc:AlternateContent xmlns:mc="http://schemas.openxmlformats.org/markup-compatibility/2006">
     <mc:Choice xmlns:c14="http://schemas.microsoft.com/office/drawing/2007/8/2/chart" Requires="c14">
-      <c14:style val="102"/>
+      <c14:style val="104"/>
     </mc:Choice>
     <mc:Fallback>
-      <c:style val="2"/>
+      <c:style val="4"/>
     </mc:Fallback>
   </mc:AlternateContent>
   <c:chart>
@@ -181,7 +182,7 @@
               <a:defRPr/>
             </a:pPr>
             <a:r>
-              <a:rPr lang="en-US" dirty="0"/>
+              <a:rPr lang="en-US"/>
               <a:t>Auto Semantic from web</a:t>
             </a:r>
           </a:p>
@@ -217,22 +218,22 @@
                 <c:formatCode>General</c:formatCode>
                 <c:ptCount val="6"/>
                 <c:pt idx="0">
-                  <c:v>286</c:v>
+                  <c:v>286.0</c:v>
                 </c:pt>
                 <c:pt idx="1">
-                  <c:v>346</c:v>
+                  <c:v>346.0</c:v>
                 </c:pt>
                 <c:pt idx="2">
-                  <c:v>327</c:v>
+                  <c:v>327.0</c:v>
                 </c:pt>
                 <c:pt idx="3">
-                  <c:v>302</c:v>
+                  <c:v>302.0</c:v>
                 </c:pt>
                 <c:pt idx="4">
-                  <c:v>318</c:v>
+                  <c:v>318.0</c:v>
                 </c:pt>
                 <c:pt idx="5">
-                  <c:v>322</c:v>
+                  <c:v>322.0</c:v>
                 </c:pt>
               </c:numCache>
             </c:numRef>
@@ -260,22 +261,22 @@
                 <c:formatCode>General</c:formatCode>
                 <c:ptCount val="6"/>
                 <c:pt idx="0">
-                  <c:v>901</c:v>
+                  <c:v>901.0</c:v>
                 </c:pt>
                 <c:pt idx="1">
-                  <c:v>849</c:v>
+                  <c:v>849.0</c:v>
                 </c:pt>
                 <c:pt idx="2">
-                  <c:v>1430</c:v>
+                  <c:v>1430.0</c:v>
                 </c:pt>
                 <c:pt idx="3">
-                  <c:v>1480</c:v>
+                  <c:v>1480.0</c:v>
                 </c:pt>
                 <c:pt idx="4">
-                  <c:v>2230</c:v>
+                  <c:v>2230.0</c:v>
                 </c:pt>
                 <c:pt idx="5">
-                  <c:v>1790</c:v>
+                  <c:v>1790.0</c:v>
                 </c:pt>
               </c:numCache>
             </c:numRef>
@@ -292,11 +293,11 @@
         </c:dLbls>
         <c:marker val="1"/>
         <c:smooth val="0"/>
-        <c:axId val="88568576"/>
-        <c:axId val="88570112"/>
+        <c:axId val="-2104799320"/>
+        <c:axId val="-2104796600"/>
       </c:lineChart>
       <c:catAx>
-        <c:axId val="88568576"/>
+        <c:axId val="-2104799320"/>
         <c:scaling>
           <c:orientation val="minMax"/>
         </c:scaling>
@@ -305,7 +306,7 @@
         <c:majorTickMark val="out"/>
         <c:minorTickMark val="none"/>
         <c:tickLblPos val="nextTo"/>
-        <c:crossAx val="88570112"/>
+        <c:crossAx val="-2104796600"/>
         <c:crosses val="autoZero"/>
         <c:auto val="1"/>
         <c:lblAlgn val="ctr"/>
@@ -313,7 +314,7 @@
         <c:noMultiLvlLbl val="0"/>
       </c:catAx>
       <c:valAx>
-        <c:axId val="88570112"/>
+        <c:axId val="-2104796600"/>
         <c:scaling>
           <c:orientation val="minMax"/>
         </c:scaling>
@@ -324,7 +325,7 @@
         <c:majorTickMark val="in"/>
         <c:minorTickMark val="none"/>
         <c:tickLblPos val="nextTo"/>
-        <c:crossAx val="88568576"/>
+        <c:crossAx val="-2104799320"/>
         <c:crosses val="autoZero"/>
         <c:crossBetween val="between"/>
       </c:valAx>
@@ -388,8 +389,8 @@
         <c:manualLayout>
           <c:xMode val="edge"/>
           <c:yMode val="edge"/>
-          <c:x val="0.28207494896471275"/>
-          <c:y val="0"/>
+          <c:x val="0.282074948964713"/>
+          <c:y val="0.0"/>
         </c:manualLayout>
       </c:layout>
       <c:overlay val="0"/>
@@ -401,10 +402,10 @@
           <c:layoutTarget val="inner"/>
           <c:xMode val="edge"/>
           <c:yMode val="edge"/>
-          <c:x val="5.896062992125984E-2"/>
-          <c:y val="8.6574074074074081E-2"/>
-          <c:w val="0.89659492563429566"/>
-          <c:h val="0.59502333041703126"/>
+          <c:x val="0.0589606299212598"/>
+          <c:y val="0.0865740740740741"/>
+          <c:w val="0.896594925634296"/>
+          <c:h val="0.595023330417031"/>
         </c:manualLayout>
       </c:layout>
       <c:barChart>
@@ -433,22 +434,22 @@
                 <c:formatCode>General</c:formatCode>
                 <c:ptCount val="6"/>
                 <c:pt idx="0">
-                  <c:v>10</c:v>
+                  <c:v>10.0</c:v>
                 </c:pt>
                 <c:pt idx="1">
-                  <c:v>9</c:v>
+                  <c:v>9.0</c:v>
                 </c:pt>
                 <c:pt idx="2">
-                  <c:v>8</c:v>
+                  <c:v>8.0</c:v>
                 </c:pt>
                 <c:pt idx="3">
-                  <c:v>9</c:v>
+                  <c:v>9.0</c:v>
                 </c:pt>
                 <c:pt idx="4">
-                  <c:v>11</c:v>
+                  <c:v>11.0</c:v>
                 </c:pt>
                 <c:pt idx="5">
-                  <c:v>10</c:v>
+                  <c:v>10.0</c:v>
                 </c:pt>
               </c:numCache>
             </c:numRef>
@@ -464,11 +465,11 @@
         </c:dLbls>
         <c:gapWidth val="75"/>
         <c:overlap val="-25"/>
-        <c:axId val="90985600"/>
-        <c:axId val="90987136"/>
+        <c:axId val="-2104708536"/>
+        <c:axId val="-2104705528"/>
       </c:barChart>
       <c:catAx>
-        <c:axId val="90985600"/>
+        <c:axId val="-2104708536"/>
         <c:scaling>
           <c:orientation val="minMax"/>
         </c:scaling>
@@ -477,7 +478,7 @@
         <c:majorTickMark val="none"/>
         <c:minorTickMark val="none"/>
         <c:tickLblPos val="nextTo"/>
-        <c:crossAx val="90987136"/>
+        <c:crossAx val="-2104705528"/>
         <c:crosses val="autoZero"/>
         <c:auto val="1"/>
         <c:lblAlgn val="ctr"/>
@@ -485,7 +486,7 @@
         <c:noMultiLvlLbl val="0"/>
       </c:catAx>
       <c:valAx>
-        <c:axId val="90987136"/>
+        <c:axId val="-2104705528"/>
         <c:scaling>
           <c:orientation val="minMax"/>
         </c:scaling>
@@ -496,7 +497,7 @@
         <c:majorTickMark val="none"/>
         <c:minorTickMark val="none"/>
         <c:tickLblPos val="nextTo"/>
-        <c:crossAx val="90985600"/>
+        <c:crossAx val="-2104708536"/>
         <c:crosses val="autoZero"/>
         <c:crossBetween val="between"/>
       </c:valAx>
@@ -507,10 +508,10 @@
         <c:manualLayout>
           <c:xMode val="edge"/>
           <c:yMode val="edge"/>
-          <c:x val="0.24758410880458129"/>
-          <c:y val="0.80984050094837035"/>
-          <c:w val="0.50483158355205604"/>
-          <c:h val="7.9965733449985421E-2"/>
+          <c:x val="0.247584108804581"/>
+          <c:y val="0.80984050094837"/>
+          <c:w val="0.504831583552056"/>
+          <c:h val="0.0799657334499854"/>
         </c:manualLayout>
       </c:layout>
       <c:overlay val="0"/>
@@ -925,7 +926,7 @@
             <a:tailEnd/>
           </a:ln>
           <a:extLst>
-            <a:ext uri="{909E8E84-426E-40DD-AFC4-6F175D3DCCD1}">
+            <a:ext uri="{909E8E84-426E-40dd-AFC4-6F175D3DCCD1}">
               <a14:hiddenFill xmlns:a14="http://schemas.microsoft.com/office/drawing/2010/main">
                 <a:solidFill>
                   <a:srgbClr val="FFFFFF"/>
@@ -1275,14 +1276,14 @@
           <a:noFill/>
           <a:ln/>
           <a:extLst>
-            <a:ext uri="{909E8E84-426E-40DD-AFC4-6F175D3DCCD1}">
+            <a:ext uri="{909E8E84-426E-40dd-AFC4-6F175D3DCCD1}">
               <a14:hiddenFill xmlns:a14="http://schemas.microsoft.com/office/drawing/2010/main">
                 <a:solidFill>
                   <a:srgbClr val="FFFFFF"/>
                 </a:solidFill>
               </a14:hiddenFill>
             </a:ext>
-            <a:ext uri="{91240B29-F687-4F45-9708-019B960494DF}">
+            <a:ext uri="{91240B29-F687-4f45-9708-019B960494DF}">
               <a14:hiddenLine xmlns:a14="http://schemas.microsoft.com/office/drawing/2010/main" w="9525">
                 <a:solidFill>
                   <a:srgbClr val="000000"/>
@@ -1465,14 +1466,14 @@
           <a:noFill/>
           <a:ln/>
           <a:extLst>
-            <a:ext uri="{909E8E84-426E-40DD-AFC4-6F175D3DCCD1}">
+            <a:ext uri="{909E8E84-426E-40dd-AFC4-6F175D3DCCD1}">
               <a14:hiddenFill xmlns:a14="http://schemas.microsoft.com/office/drawing/2010/main">
                 <a:solidFill>
                   <a:srgbClr val="FFFFFF"/>
                 </a:solidFill>
               </a14:hiddenFill>
             </a:ext>
-            <a:ext uri="{91240B29-F687-4F45-9708-019B960494DF}">
+            <a:ext uri="{91240B29-F687-4f45-9708-019B960494DF}">
               <a14:hiddenLine xmlns:a14="http://schemas.microsoft.com/office/drawing/2010/main" w="9525">
                 <a:solidFill>
                   <a:srgbClr val="000000"/>
@@ -1532,14 +1533,14 @@
           <a:noFill/>
           <a:ln/>
           <a:extLst>
-            <a:ext uri="{909E8E84-426E-40DD-AFC4-6F175D3DCCD1}">
+            <a:ext uri="{909E8E84-426E-40dd-AFC4-6F175D3DCCD1}">
               <a14:hiddenFill xmlns:a14="http://schemas.microsoft.com/office/drawing/2010/main">
                 <a:solidFill>
                   <a:srgbClr val="FFFFFF"/>
                 </a:solidFill>
               </a14:hiddenFill>
             </a:ext>
-            <a:ext uri="{91240B29-F687-4F45-9708-019B960494DF}">
+            <a:ext uri="{91240B29-F687-4f45-9708-019B960494DF}">
               <a14:hiddenLine xmlns:a14="http://schemas.microsoft.com/office/drawing/2010/main" w="9525">
                 <a:solidFill>
                   <a:srgbClr val="000000"/>
@@ -1722,14 +1723,14 @@
           <a:noFill/>
           <a:ln/>
           <a:extLst>
-            <a:ext uri="{909E8E84-426E-40DD-AFC4-6F175D3DCCD1}">
+            <a:ext uri="{909E8E84-426E-40dd-AFC4-6F175D3DCCD1}">
               <a14:hiddenFill xmlns:a14="http://schemas.microsoft.com/office/drawing/2010/main">
                 <a:solidFill>
                   <a:srgbClr val="FFFFFF"/>
                 </a:solidFill>
               </a14:hiddenFill>
             </a:ext>
-            <a:ext uri="{91240B29-F687-4F45-9708-019B960494DF}">
+            <a:ext uri="{91240B29-F687-4f45-9708-019B960494DF}">
               <a14:hiddenLine xmlns:a14="http://schemas.microsoft.com/office/drawing/2010/main" w="9525">
                 <a:solidFill>
                   <a:srgbClr val="000000"/>
@@ -1745,244 +1746,29 @@
           <a:bodyPr/>
           <a:lstStyle/>
           <a:p>
-            <a:pPr lvl="0"/>
-            <a:r>
-              <a:rPr lang="zh-CN" altLang="en-US" sz="1200" kern="1200" dirty="0" smtClean="0">
-                <a:solidFill>
-                  <a:schemeClr val="tx1"/>
-                </a:solidFill>
-                <a:effectLst/>
-                <a:latin typeface="Arial" charset="0"/>
-                <a:ea typeface="宋体" pitchFamily="2" charset="-122"/>
-                <a:cs typeface="+mn-cs"/>
-              </a:rPr>
-              <a:t>通过前台使用</a:t>
-            </a:r>
-            <a:r>
-              <a:rPr lang="en-US" sz="1200" kern="1200" dirty="0" err="1" smtClean="0">
-                <a:solidFill>
-                  <a:schemeClr val="tx1"/>
-                </a:solidFill>
-                <a:effectLst/>
-                <a:latin typeface="Arial" charset="0"/>
-                <a:ea typeface="宋体" pitchFamily="2" charset="-122"/>
-                <a:cs typeface="+mn-cs"/>
-              </a:rPr>
-              <a:t>Javascript</a:t>
-            </a:r>
-            <a:r>
-              <a:rPr lang="zh-CN" altLang="en-US" sz="1200" kern="1200" dirty="0" smtClean="0">
-                <a:solidFill>
-                  <a:schemeClr val="tx1"/>
-                </a:solidFill>
-                <a:effectLst/>
-                <a:latin typeface="Arial" charset="0"/>
-                <a:ea typeface="宋体" pitchFamily="2" charset="-122"/>
-                <a:cs typeface="+mn-cs"/>
-              </a:rPr>
-              <a:t>实现算法以及</a:t>
-            </a:r>
-            <a:r>
-              <a:rPr lang="en-US" sz="1200" kern="1200" dirty="0" smtClean="0">
-                <a:solidFill>
-                  <a:schemeClr val="tx1"/>
-                </a:solidFill>
-                <a:effectLst/>
-                <a:latin typeface="Arial" charset="0"/>
-                <a:ea typeface="宋体" pitchFamily="2" charset="-122"/>
-                <a:cs typeface="+mn-cs"/>
-              </a:rPr>
-              <a:t>HTML Canvas</a:t>
-            </a:r>
-            <a:r>
-              <a:rPr lang="zh-CN" altLang="en-US" sz="1200" kern="1200" dirty="0" smtClean="0">
-                <a:solidFill>
-                  <a:schemeClr val="tx1"/>
-                </a:solidFill>
-                <a:effectLst/>
-                <a:latin typeface="Arial" charset="0"/>
-                <a:ea typeface="宋体" pitchFamily="2" charset="-122"/>
-                <a:cs typeface="+mn-cs"/>
-              </a:rPr>
-              <a:t>分析二维图像的</a:t>
-            </a:r>
-            <a:r>
-              <a:rPr lang="en-US" sz="1200" kern="1200" dirty="0" smtClean="0">
-                <a:solidFill>
-                  <a:schemeClr val="tx1"/>
-                </a:solidFill>
-                <a:effectLst/>
-                <a:latin typeface="Arial" charset="0"/>
-                <a:ea typeface="宋体" pitchFamily="2" charset="-122"/>
-                <a:cs typeface="+mn-cs"/>
-              </a:rPr>
-              <a:t>RGB &amp; Alpha</a:t>
-            </a:r>
-            <a:r>
-              <a:rPr lang="zh-CN" altLang="en-US" sz="1200" kern="1200" dirty="0" smtClean="0">
-                <a:solidFill>
-                  <a:schemeClr val="tx1"/>
-                </a:solidFill>
-                <a:effectLst/>
-                <a:latin typeface="Arial" charset="0"/>
-                <a:ea typeface="宋体" pitchFamily="2" charset="-122"/>
-                <a:cs typeface="+mn-cs"/>
-              </a:rPr>
-              <a:t>值以及亮度值。</a:t>
-            </a:r>
-            <a:endParaRPr lang="en-US" sz="1200" kern="1200" dirty="0" smtClean="0">
-              <a:solidFill>
-                <a:schemeClr val="tx1"/>
-              </a:solidFill>
-              <a:effectLst/>
-              <a:latin typeface="Arial" charset="0"/>
-              <a:ea typeface="宋体" pitchFamily="2" charset="-122"/>
-              <a:cs typeface="+mn-cs"/>
-            </a:endParaRPr>
-          </a:p>
-          <a:p>
-            <a:r>
-              <a:rPr lang="en-US" sz="1200" kern="1200" dirty="0" smtClean="0">
-                <a:solidFill>
-                  <a:schemeClr val="tx1"/>
-                </a:solidFill>
-                <a:effectLst/>
-                <a:latin typeface="Arial" charset="0"/>
-                <a:ea typeface="宋体" pitchFamily="2" charset="-122"/>
-                <a:cs typeface="+mn-cs"/>
-              </a:rPr>
-              <a:t>  </a:t>
-            </a:r>
-          </a:p>
-          <a:p>
-            <a:r>
-              <a:rPr lang="en-US" sz="1200" kern="1200" dirty="0" smtClean="0">
-                <a:solidFill>
-                  <a:schemeClr val="tx1"/>
-                </a:solidFill>
-                <a:effectLst/>
-                <a:latin typeface="Arial" charset="0"/>
-                <a:ea typeface="宋体" pitchFamily="2" charset="-122"/>
-                <a:cs typeface="+mn-cs"/>
-              </a:rPr>
-              <a:t> </a:t>
-            </a:r>
-          </a:p>
-          <a:p>
-            <a:pPr lvl="0"/>
-            <a:r>
-              <a:rPr lang="zh-CN" altLang="en-US" sz="1200" kern="1200" dirty="0" smtClean="0">
-                <a:solidFill>
-                  <a:schemeClr val="tx1"/>
-                </a:solidFill>
-                <a:effectLst/>
-                <a:latin typeface="Arial" charset="0"/>
-                <a:ea typeface="宋体" pitchFamily="2" charset="-122"/>
-                <a:cs typeface="+mn-cs"/>
-              </a:rPr>
-              <a:t>图像比较方法使用像素扫描方式来对比两个像素结构中的颜色值是否相等。</a:t>
-            </a:r>
-            <a:endParaRPr lang="en-US" sz="1200" kern="1200" dirty="0" smtClean="0">
-              <a:solidFill>
-                <a:schemeClr val="tx1"/>
-              </a:solidFill>
-              <a:effectLst/>
-              <a:latin typeface="Arial" charset="0"/>
-              <a:ea typeface="宋体" pitchFamily="2" charset="-122"/>
-              <a:cs typeface="+mn-cs"/>
-            </a:endParaRPr>
-          </a:p>
-          <a:p>
-            <a:r>
-              <a:rPr lang="en-US" sz="1200" kern="1200" dirty="0" smtClean="0">
-                <a:solidFill>
-                  <a:schemeClr val="tx1"/>
-                </a:solidFill>
-                <a:effectLst/>
-                <a:latin typeface="Arial" charset="0"/>
-                <a:ea typeface="宋体" pitchFamily="2" charset="-122"/>
-                <a:cs typeface="+mn-cs"/>
-              </a:rPr>
-              <a:t> </a:t>
-            </a:r>
-          </a:p>
-          <a:p>
-            <a:pPr lvl="0"/>
-            <a:r>
-              <a:rPr lang="zh-CN" altLang="en-US" sz="1200" kern="1200" dirty="0" smtClean="0">
-                <a:solidFill>
-                  <a:schemeClr val="tx1"/>
-                </a:solidFill>
-                <a:effectLst/>
-                <a:latin typeface="Arial" charset="0"/>
-                <a:ea typeface="宋体" pitchFamily="2" charset="-122"/>
-                <a:cs typeface="+mn-cs"/>
-              </a:rPr>
-              <a:t>每次循环若像素不相同则</a:t>
-            </a:r>
-            <a:endParaRPr lang="en-US" sz="1200" kern="1200" dirty="0" smtClean="0">
-              <a:solidFill>
-                <a:schemeClr val="tx1"/>
-              </a:solidFill>
-              <a:effectLst/>
-              <a:latin typeface="Arial" charset="0"/>
-              <a:ea typeface="宋体" pitchFamily="2" charset="-122"/>
-              <a:cs typeface="+mn-cs"/>
-            </a:endParaRPr>
-          </a:p>
-          <a:p>
-            <a:pPr lvl="0"/>
-            <a:r>
-              <a:rPr lang="zh-CN" altLang="en-US" sz="1200" kern="1200" dirty="0" smtClean="0">
-                <a:solidFill>
-                  <a:schemeClr val="tx1"/>
-                </a:solidFill>
-                <a:effectLst/>
-                <a:latin typeface="Arial" charset="0"/>
-                <a:ea typeface="宋体" pitchFamily="2" charset="-122"/>
-                <a:cs typeface="+mn-cs"/>
-              </a:rPr>
-              <a:t>生成相差的像素点。</a:t>
-            </a:r>
-            <a:endParaRPr lang="en-US" sz="1200" kern="1200" dirty="0" smtClean="0">
-              <a:solidFill>
-                <a:schemeClr val="tx1"/>
-              </a:solidFill>
-              <a:effectLst/>
-              <a:latin typeface="Arial" charset="0"/>
-              <a:ea typeface="宋体" pitchFamily="2" charset="-122"/>
-              <a:cs typeface="+mn-cs"/>
-            </a:endParaRPr>
-          </a:p>
-          <a:p>
-            <a:pPr lvl="0"/>
-            <a:r>
-              <a:rPr lang="zh-CN" altLang="en-US" sz="1200" kern="1200" dirty="0" smtClean="0">
-                <a:solidFill>
-                  <a:schemeClr val="tx1"/>
-                </a:solidFill>
-                <a:effectLst/>
-                <a:latin typeface="Arial" charset="0"/>
-                <a:ea typeface="宋体" pitchFamily="2" charset="-122"/>
-                <a:cs typeface="+mn-cs"/>
-              </a:rPr>
-              <a:t>相同值点叠加</a:t>
-            </a:r>
-            <a:r>
-              <a:rPr lang="en-US" sz="1200" kern="1200" dirty="0" smtClean="0">
-                <a:solidFill>
-                  <a:schemeClr val="tx1"/>
-                </a:solidFill>
-                <a:effectLst/>
-                <a:latin typeface="Arial" charset="0"/>
-                <a:ea typeface="宋体" pitchFamily="2" charset="-122"/>
-                <a:cs typeface="+mn-cs"/>
-              </a:rPr>
-              <a:t>1</a:t>
-            </a:r>
-          </a:p>
-          <a:p>
-            <a:pPr eaLnBrk="1" hangingPunct="1"/>
+            <a:pPr marL="228600" indent="-228600" eaLnBrk="1" hangingPunct="1">
+              <a:buAutoNum type="arabicPeriod"/>
+            </a:pPr>
+            <a:r>
+              <a:rPr lang="zh-CN" altLang="en-US" dirty="0" smtClean="0"/>
+              <a:t>视频自动截图</a:t>
+            </a:r>
+            <a:endParaRPr lang="en-US" altLang="zh-CN" dirty="0" smtClean="0"/>
+          </a:p>
+          <a:p>
+            <a:pPr marL="228600" indent="-228600" eaLnBrk="1" hangingPunct="1">
+              <a:buAutoNum type="arabicPeriod"/>
+            </a:pPr>
+            <a:r>
+              <a:rPr lang="zh-CN" altLang="en-US" dirty="0" smtClean="0"/>
+              <a:t>针对截的图片来添加语义标注</a:t>
+            </a:r>
+            <a:endParaRPr lang="en-US" altLang="zh-CN" dirty="0" smtClean="0"/>
+          </a:p>
+          <a:p>
+            <a:pPr marL="228600" indent="-228600" eaLnBrk="1" hangingPunct="1">
+              <a:buAutoNum type="arabicPeriod"/>
+            </a:pPr>
             <a:endParaRPr lang="zh-CN" altLang="zh-CN" dirty="0" smtClean="0"/>
           </a:p>
         </p:txBody>
@@ -2026,14 +1812,14 @@
           <a:noFill/>
           <a:ln/>
           <a:extLst>
-            <a:ext uri="{909E8E84-426E-40DD-AFC4-6F175D3DCCD1}">
+            <a:ext uri="{909E8E84-426E-40dd-AFC4-6F175D3DCCD1}">
               <a14:hiddenFill xmlns:a14="http://schemas.microsoft.com/office/drawing/2010/main">
                 <a:solidFill>
                   <a:srgbClr val="FFFFFF"/>
                 </a:solidFill>
               </a14:hiddenFill>
             </a:ext>
-            <a:ext uri="{91240B29-F687-4F45-9708-019B960494DF}">
+            <a:ext uri="{91240B29-F687-4f45-9708-019B960494DF}">
               <a14:hiddenLine xmlns:a14="http://schemas.microsoft.com/office/drawing/2010/main" w="9525">
                 <a:solidFill>
                   <a:srgbClr val="000000"/>
@@ -2216,14 +2002,14 @@
           <a:noFill/>
           <a:ln/>
           <a:extLst>
-            <a:ext uri="{909E8E84-426E-40DD-AFC4-6F175D3DCCD1}">
+            <a:ext uri="{909E8E84-426E-40dd-AFC4-6F175D3DCCD1}">
               <a14:hiddenFill xmlns:a14="http://schemas.microsoft.com/office/drawing/2010/main">
                 <a:solidFill>
                   <a:srgbClr val="FFFFFF"/>
                 </a:solidFill>
               </a14:hiddenFill>
             </a:ext>
-            <a:ext uri="{91240B29-F687-4F45-9708-019B960494DF}">
+            <a:ext uri="{91240B29-F687-4f45-9708-019B960494DF}">
               <a14:hiddenLine xmlns:a14="http://schemas.microsoft.com/office/drawing/2010/main" w="9525">
                 <a:solidFill>
                   <a:srgbClr val="000000"/>
@@ -2238,243 +2024,6 @@
         <p:txBody>
           <a:bodyPr/>
           <a:lstStyle/>
-          <a:p>
-            <a:pPr lvl="0"/>
-            <a:r>
-              <a:rPr lang="zh-CN" altLang="en-US" sz="1200" kern="1200" dirty="0" smtClean="0">
-                <a:solidFill>
-                  <a:schemeClr val="tx1"/>
-                </a:solidFill>
-                <a:effectLst/>
-                <a:latin typeface="Arial" charset="0"/>
-                <a:ea typeface="宋体" pitchFamily="2" charset="-122"/>
-                <a:cs typeface="+mn-cs"/>
-              </a:rPr>
-              <a:t>通过前台使用</a:t>
-            </a:r>
-            <a:r>
-              <a:rPr lang="en-US" sz="1200" kern="1200" dirty="0" err="1" smtClean="0">
-                <a:solidFill>
-                  <a:schemeClr val="tx1"/>
-                </a:solidFill>
-                <a:effectLst/>
-                <a:latin typeface="Arial" charset="0"/>
-                <a:ea typeface="宋体" pitchFamily="2" charset="-122"/>
-                <a:cs typeface="+mn-cs"/>
-              </a:rPr>
-              <a:t>Javascript</a:t>
-            </a:r>
-            <a:r>
-              <a:rPr lang="zh-CN" altLang="en-US" sz="1200" kern="1200" dirty="0" smtClean="0">
-                <a:solidFill>
-                  <a:schemeClr val="tx1"/>
-                </a:solidFill>
-                <a:effectLst/>
-                <a:latin typeface="Arial" charset="0"/>
-                <a:ea typeface="宋体" pitchFamily="2" charset="-122"/>
-                <a:cs typeface="+mn-cs"/>
-              </a:rPr>
-              <a:t>实现算法以及</a:t>
-            </a:r>
-            <a:r>
-              <a:rPr lang="en-US" sz="1200" kern="1200" dirty="0" smtClean="0">
-                <a:solidFill>
-                  <a:schemeClr val="tx1"/>
-                </a:solidFill>
-                <a:effectLst/>
-                <a:latin typeface="Arial" charset="0"/>
-                <a:ea typeface="宋体" pitchFamily="2" charset="-122"/>
-                <a:cs typeface="+mn-cs"/>
-              </a:rPr>
-              <a:t>HTML Canvas</a:t>
-            </a:r>
-            <a:r>
-              <a:rPr lang="zh-CN" altLang="en-US" sz="1200" kern="1200" dirty="0" smtClean="0">
-                <a:solidFill>
-                  <a:schemeClr val="tx1"/>
-                </a:solidFill>
-                <a:effectLst/>
-                <a:latin typeface="Arial" charset="0"/>
-                <a:ea typeface="宋体" pitchFamily="2" charset="-122"/>
-                <a:cs typeface="+mn-cs"/>
-              </a:rPr>
-              <a:t>分析二维图像的</a:t>
-            </a:r>
-            <a:r>
-              <a:rPr lang="en-US" sz="1200" kern="1200" dirty="0" smtClean="0">
-                <a:solidFill>
-                  <a:schemeClr val="tx1"/>
-                </a:solidFill>
-                <a:effectLst/>
-                <a:latin typeface="Arial" charset="0"/>
-                <a:ea typeface="宋体" pitchFamily="2" charset="-122"/>
-                <a:cs typeface="+mn-cs"/>
-              </a:rPr>
-              <a:t>RGB &amp; Alpha</a:t>
-            </a:r>
-            <a:r>
-              <a:rPr lang="zh-CN" altLang="en-US" sz="1200" kern="1200" dirty="0" smtClean="0">
-                <a:solidFill>
-                  <a:schemeClr val="tx1"/>
-                </a:solidFill>
-                <a:effectLst/>
-                <a:latin typeface="Arial" charset="0"/>
-                <a:ea typeface="宋体" pitchFamily="2" charset="-122"/>
-                <a:cs typeface="+mn-cs"/>
-              </a:rPr>
-              <a:t>值以及亮度值。</a:t>
-            </a:r>
-            <a:endParaRPr lang="en-US" sz="1200" kern="1200" dirty="0" smtClean="0">
-              <a:solidFill>
-                <a:schemeClr val="tx1"/>
-              </a:solidFill>
-              <a:effectLst/>
-              <a:latin typeface="Arial" charset="0"/>
-              <a:ea typeface="宋体" pitchFamily="2" charset="-122"/>
-              <a:cs typeface="+mn-cs"/>
-            </a:endParaRPr>
-          </a:p>
-          <a:p>
-            <a:r>
-              <a:rPr lang="en-US" sz="1200" kern="1200" dirty="0" smtClean="0">
-                <a:solidFill>
-                  <a:schemeClr val="tx1"/>
-                </a:solidFill>
-                <a:effectLst/>
-                <a:latin typeface="Arial" charset="0"/>
-                <a:ea typeface="宋体" pitchFamily="2" charset="-122"/>
-                <a:cs typeface="+mn-cs"/>
-              </a:rPr>
-              <a:t>  </a:t>
-            </a:r>
-          </a:p>
-          <a:p>
-            <a:r>
-              <a:rPr lang="en-US" sz="1200" kern="1200" dirty="0" smtClean="0">
-                <a:solidFill>
-                  <a:schemeClr val="tx1"/>
-                </a:solidFill>
-                <a:effectLst/>
-                <a:latin typeface="Arial" charset="0"/>
-                <a:ea typeface="宋体" pitchFamily="2" charset="-122"/>
-                <a:cs typeface="+mn-cs"/>
-              </a:rPr>
-              <a:t> </a:t>
-            </a:r>
-          </a:p>
-          <a:p>
-            <a:pPr lvl="0"/>
-            <a:r>
-              <a:rPr lang="zh-CN" altLang="en-US" sz="1200" kern="1200" dirty="0" smtClean="0">
-                <a:solidFill>
-                  <a:schemeClr val="tx1"/>
-                </a:solidFill>
-                <a:effectLst/>
-                <a:latin typeface="Arial" charset="0"/>
-                <a:ea typeface="宋体" pitchFamily="2" charset="-122"/>
-                <a:cs typeface="+mn-cs"/>
-              </a:rPr>
-              <a:t>图像比较方法使用像素扫描方式来对比两个像素结构中的颜色值是否相等。</a:t>
-            </a:r>
-            <a:endParaRPr lang="en-US" sz="1200" kern="1200" dirty="0" smtClean="0">
-              <a:solidFill>
-                <a:schemeClr val="tx1"/>
-              </a:solidFill>
-              <a:effectLst/>
-              <a:latin typeface="Arial" charset="0"/>
-              <a:ea typeface="宋体" pitchFamily="2" charset="-122"/>
-              <a:cs typeface="+mn-cs"/>
-            </a:endParaRPr>
-          </a:p>
-          <a:p>
-            <a:r>
-              <a:rPr lang="en-US" sz="1200" kern="1200" dirty="0" smtClean="0">
-                <a:solidFill>
-                  <a:schemeClr val="tx1"/>
-                </a:solidFill>
-                <a:effectLst/>
-                <a:latin typeface="Arial" charset="0"/>
-                <a:ea typeface="宋体" pitchFamily="2" charset="-122"/>
-                <a:cs typeface="+mn-cs"/>
-              </a:rPr>
-              <a:t> </a:t>
-            </a:r>
-          </a:p>
-          <a:p>
-            <a:pPr lvl="0"/>
-            <a:r>
-              <a:rPr lang="zh-CN" altLang="en-US" sz="1200" kern="1200" dirty="0" smtClean="0">
-                <a:solidFill>
-                  <a:schemeClr val="tx1"/>
-                </a:solidFill>
-                <a:effectLst/>
-                <a:latin typeface="Arial" charset="0"/>
-                <a:ea typeface="宋体" pitchFamily="2" charset="-122"/>
-                <a:cs typeface="+mn-cs"/>
-              </a:rPr>
-              <a:t>每次循环若像素不相同则</a:t>
-            </a:r>
-            <a:endParaRPr lang="en-US" sz="1200" kern="1200" dirty="0" smtClean="0">
-              <a:solidFill>
-                <a:schemeClr val="tx1"/>
-              </a:solidFill>
-              <a:effectLst/>
-              <a:latin typeface="Arial" charset="0"/>
-              <a:ea typeface="宋体" pitchFamily="2" charset="-122"/>
-              <a:cs typeface="+mn-cs"/>
-            </a:endParaRPr>
-          </a:p>
-          <a:p>
-            <a:pPr lvl="0"/>
-            <a:r>
-              <a:rPr lang="zh-CN" altLang="en-US" sz="1200" kern="1200" dirty="0" smtClean="0">
-                <a:solidFill>
-                  <a:schemeClr val="tx1"/>
-                </a:solidFill>
-                <a:effectLst/>
-                <a:latin typeface="Arial" charset="0"/>
-                <a:ea typeface="宋体" pitchFamily="2" charset="-122"/>
-                <a:cs typeface="+mn-cs"/>
-              </a:rPr>
-              <a:t>生成相差的像素点。</a:t>
-            </a:r>
-            <a:endParaRPr lang="en-US" sz="1200" kern="1200" dirty="0" smtClean="0">
-              <a:solidFill>
-                <a:schemeClr val="tx1"/>
-              </a:solidFill>
-              <a:effectLst/>
-              <a:latin typeface="Arial" charset="0"/>
-              <a:ea typeface="宋体" pitchFamily="2" charset="-122"/>
-              <a:cs typeface="+mn-cs"/>
-            </a:endParaRPr>
-          </a:p>
-          <a:p>
-            <a:pPr lvl="0"/>
-            <a:r>
-              <a:rPr lang="zh-CN" altLang="en-US" sz="1200" kern="1200" dirty="0" smtClean="0">
-                <a:solidFill>
-                  <a:schemeClr val="tx1"/>
-                </a:solidFill>
-                <a:effectLst/>
-                <a:latin typeface="Arial" charset="0"/>
-                <a:ea typeface="宋体" pitchFamily="2" charset="-122"/>
-                <a:cs typeface="+mn-cs"/>
-              </a:rPr>
-              <a:t>相同值点叠加</a:t>
-            </a:r>
-            <a:r>
-              <a:rPr lang="en-US" sz="1200" kern="1200" dirty="0" smtClean="0">
-                <a:solidFill>
-                  <a:schemeClr val="tx1"/>
-                </a:solidFill>
-                <a:effectLst/>
-                <a:latin typeface="Arial" charset="0"/>
-                <a:ea typeface="宋体" pitchFamily="2" charset="-122"/>
-                <a:cs typeface="+mn-cs"/>
-              </a:rPr>
-              <a:t>1</a:t>
-            </a:r>
-          </a:p>
           <a:p>
             <a:pPr eaLnBrk="1" hangingPunct="1"/>
             <a:endParaRPr lang="zh-CN" altLang="zh-CN" dirty="0" smtClean="0"/>
@@ -2490,6 +2039,263 @@
 </file>
 
 <file path=ppt/notesSlides/notesSlide12.xml><?xml version="1.0" encoding="utf-8"?>
+<p:notes xmlns:a="http://schemas.openxmlformats.org/drawingml/2006/main" xmlns:r="http://schemas.openxmlformats.org/officeDocument/2006/relationships" xmlns:p="http://schemas.openxmlformats.org/presentationml/2006/main">
+  <p:cSld>
+    <p:spTree>
+      <p:nvGrpSpPr>
+        <p:cNvPr id="1" name=""/>
+        <p:cNvGrpSpPr/>
+        <p:nvPr/>
+      </p:nvGrpSpPr>
+      <p:grpSpPr>
+        <a:xfrm>
+          <a:off x="0" y="0"/>
+          <a:ext cx="0" cy="0"/>
+          <a:chOff x="0" y="0"/>
+          <a:chExt cx="0" cy="0"/>
+        </a:xfrm>
+      </p:grpSpPr>
+      <p:sp>
+        <p:nvSpPr>
+          <p:cNvPr id="22530" name="Rectangle 7"/>
+          <p:cNvSpPr>
+            <a:spLocks noGrp="1" noChangeArrowheads="1"/>
+          </p:cNvSpPr>
+          <p:nvPr>
+            <p:ph type="sldNum" sz="quarter" idx="5"/>
+          </p:nvPr>
+        </p:nvSpPr>
+        <p:spPr>
+          <a:noFill/>
+          <a:ln/>
+          <a:extLst>
+            <a:ext uri="{909E8E84-426E-40dd-AFC4-6F175D3DCCD1}">
+              <a14:hiddenFill xmlns:a14="http://schemas.microsoft.com/office/drawing/2010/main">
+                <a:solidFill>
+                  <a:srgbClr val="FFFFFF"/>
+                </a:solidFill>
+              </a14:hiddenFill>
+            </a:ext>
+            <a:ext uri="{91240B29-F687-4f45-9708-019B960494DF}">
+              <a14:hiddenLine xmlns:a14="http://schemas.microsoft.com/office/drawing/2010/main" w="9525">
+                <a:solidFill>
+                  <a:srgbClr val="000000"/>
+                </a:solidFill>
+                <a:miter lim="800000"/>
+                <a:headEnd/>
+                <a:tailEnd/>
+              </a14:hiddenLine>
+            </a:ext>
+          </a:extLst>
+        </p:spPr>
+        <p:txBody>
+          <a:bodyPr/>
+          <a:lstStyle>
+            <a:lvl1pPr algn="l" eaLnBrk="0" hangingPunct="0">
+              <a:spcBef>
+                <a:spcPct val="30000"/>
+              </a:spcBef>
+              <a:defRPr sz="1200">
+                <a:solidFill>
+                  <a:schemeClr val="tx1"/>
+                </a:solidFill>
+                <a:latin typeface="Arial" charset="0"/>
+                <a:ea typeface="宋体" pitchFamily="2" charset="-122"/>
+              </a:defRPr>
+            </a:lvl1pPr>
+            <a:lvl2pPr marL="742950" indent="-285750" algn="l" eaLnBrk="0" hangingPunct="0">
+              <a:spcBef>
+                <a:spcPct val="30000"/>
+              </a:spcBef>
+              <a:defRPr sz="1200">
+                <a:solidFill>
+                  <a:schemeClr val="tx1"/>
+                </a:solidFill>
+                <a:latin typeface="Arial" charset="0"/>
+                <a:ea typeface="宋体" pitchFamily="2" charset="-122"/>
+              </a:defRPr>
+            </a:lvl2pPr>
+            <a:lvl3pPr marL="1143000" indent="-228600" algn="l" eaLnBrk="0" hangingPunct="0">
+              <a:spcBef>
+                <a:spcPct val="30000"/>
+              </a:spcBef>
+              <a:defRPr sz="1200">
+                <a:solidFill>
+                  <a:schemeClr val="tx1"/>
+                </a:solidFill>
+                <a:latin typeface="Arial" charset="0"/>
+                <a:ea typeface="宋体" pitchFamily="2" charset="-122"/>
+              </a:defRPr>
+            </a:lvl3pPr>
+            <a:lvl4pPr marL="1600200" indent="-228600" algn="l" eaLnBrk="0" hangingPunct="0">
+              <a:spcBef>
+                <a:spcPct val="30000"/>
+              </a:spcBef>
+              <a:defRPr sz="1200">
+                <a:solidFill>
+                  <a:schemeClr val="tx1"/>
+                </a:solidFill>
+                <a:latin typeface="Arial" charset="0"/>
+                <a:ea typeface="宋体" pitchFamily="2" charset="-122"/>
+              </a:defRPr>
+            </a:lvl4pPr>
+            <a:lvl5pPr marL="2057400" indent="-228600" algn="l" eaLnBrk="0" hangingPunct="0">
+              <a:spcBef>
+                <a:spcPct val="30000"/>
+              </a:spcBef>
+              <a:defRPr sz="1200">
+                <a:solidFill>
+                  <a:schemeClr val="tx1"/>
+                </a:solidFill>
+                <a:latin typeface="Arial" charset="0"/>
+                <a:ea typeface="宋体" pitchFamily="2" charset="-122"/>
+              </a:defRPr>
+            </a:lvl5pPr>
+            <a:lvl6pPr marL="2514600" indent="-228600" eaLnBrk="0" fontAlgn="base" hangingPunct="0">
+              <a:spcBef>
+                <a:spcPct val="30000"/>
+              </a:spcBef>
+              <a:spcAft>
+                <a:spcPct val="0"/>
+              </a:spcAft>
+              <a:defRPr sz="1200">
+                <a:solidFill>
+                  <a:schemeClr val="tx1"/>
+                </a:solidFill>
+                <a:latin typeface="Arial" charset="0"/>
+                <a:ea typeface="宋体" pitchFamily="2" charset="-122"/>
+              </a:defRPr>
+            </a:lvl6pPr>
+            <a:lvl7pPr marL="2971800" indent="-228600" eaLnBrk="0" fontAlgn="base" hangingPunct="0">
+              <a:spcBef>
+                <a:spcPct val="30000"/>
+              </a:spcBef>
+              <a:spcAft>
+                <a:spcPct val="0"/>
+              </a:spcAft>
+              <a:defRPr sz="1200">
+                <a:solidFill>
+                  <a:schemeClr val="tx1"/>
+                </a:solidFill>
+                <a:latin typeface="Arial" charset="0"/>
+                <a:ea typeface="宋体" pitchFamily="2" charset="-122"/>
+              </a:defRPr>
+            </a:lvl7pPr>
+            <a:lvl8pPr marL="3429000" indent="-228600" eaLnBrk="0" fontAlgn="base" hangingPunct="0">
+              <a:spcBef>
+                <a:spcPct val="30000"/>
+              </a:spcBef>
+              <a:spcAft>
+                <a:spcPct val="0"/>
+              </a:spcAft>
+              <a:defRPr sz="1200">
+                <a:solidFill>
+                  <a:schemeClr val="tx1"/>
+                </a:solidFill>
+                <a:latin typeface="Arial" charset="0"/>
+                <a:ea typeface="宋体" pitchFamily="2" charset="-122"/>
+              </a:defRPr>
+            </a:lvl8pPr>
+            <a:lvl9pPr marL="3886200" indent="-228600" eaLnBrk="0" fontAlgn="base" hangingPunct="0">
+              <a:spcBef>
+                <a:spcPct val="30000"/>
+              </a:spcBef>
+              <a:spcAft>
+                <a:spcPct val="0"/>
+              </a:spcAft>
+              <a:defRPr sz="1200">
+                <a:solidFill>
+                  <a:schemeClr val="tx1"/>
+                </a:solidFill>
+                <a:latin typeface="Arial" charset="0"/>
+                <a:ea typeface="宋体" pitchFamily="2" charset="-122"/>
+              </a:defRPr>
+            </a:lvl9pPr>
+          </a:lstStyle>
+          <a:p>
+            <a:pPr algn="r" eaLnBrk="1" hangingPunct="1">
+              <a:spcBef>
+                <a:spcPct val="0"/>
+              </a:spcBef>
+            </a:pPr>
+            <a:fld id="{D1D67626-0B3B-4D51-9561-B02AFC662C50}" type="slidenum">
+              <a:rPr lang="en-US" altLang="zh-CN" smtClean="0"/>
+              <a:pPr algn="r" eaLnBrk="1" hangingPunct="1">
+                <a:spcBef>
+                  <a:spcPct val="0"/>
+                </a:spcBef>
+              </a:pPr>
+              <a:t>13</a:t>
+            </a:fld>
+            <a:endParaRPr lang="en-US" altLang="zh-CN" smtClean="0"/>
+          </a:p>
+        </p:txBody>
+      </p:sp>
+      <p:sp>
+        <p:nvSpPr>
+          <p:cNvPr id="22531" name="Rectangle 2"/>
+          <p:cNvSpPr>
+            <a:spLocks noGrp="1" noRot="1" noChangeAspect="1" noChangeArrowheads="1" noTextEdit="1"/>
+          </p:cNvSpPr>
+          <p:nvPr>
+            <p:ph type="sldImg"/>
+          </p:nvPr>
+        </p:nvSpPr>
+        <p:spPr>
+          <a:ln/>
+        </p:spPr>
+      </p:sp>
+      <p:sp>
+        <p:nvSpPr>
+          <p:cNvPr id="22532" name="Rectangle 3"/>
+          <p:cNvSpPr>
+            <a:spLocks noGrp="1" noChangeArrowheads="1"/>
+          </p:cNvSpPr>
+          <p:nvPr>
+            <p:ph type="body" idx="1"/>
+          </p:nvPr>
+        </p:nvSpPr>
+        <p:spPr>
+          <a:noFill/>
+          <a:ln/>
+          <a:extLst>
+            <a:ext uri="{909E8E84-426E-40dd-AFC4-6F175D3DCCD1}">
+              <a14:hiddenFill xmlns:a14="http://schemas.microsoft.com/office/drawing/2010/main">
+                <a:solidFill>
+                  <a:srgbClr val="FFFFFF"/>
+                </a:solidFill>
+              </a14:hiddenFill>
+            </a:ext>
+            <a:ext uri="{91240B29-F687-4f45-9708-019B960494DF}">
+              <a14:hiddenLine xmlns:a14="http://schemas.microsoft.com/office/drawing/2010/main" w="9525">
+                <a:solidFill>
+                  <a:srgbClr val="000000"/>
+                </a:solidFill>
+                <a:miter lim="800000"/>
+                <a:headEnd/>
+                <a:tailEnd/>
+              </a14:hiddenLine>
+            </a:ext>
+          </a:extLst>
+        </p:spPr>
+        <p:txBody>
+          <a:bodyPr/>
+          <a:lstStyle/>
+          <a:p>
+            <a:pPr eaLnBrk="1" hangingPunct="1"/>
+            <a:endParaRPr lang="zh-CN" altLang="zh-CN" dirty="0" smtClean="0"/>
+          </a:p>
+        </p:txBody>
+      </p:sp>
+    </p:spTree>
+  </p:cSld>
+  <p:clrMapOvr>
+    <a:masterClrMapping/>
+  </p:clrMapOvr>
+</p:notes>
+</file>
+
+<file path=ppt/notesSlides/notesSlide13.xml><?xml version="1.0" encoding="utf-8"?>
 <p:notes xmlns:a="http://schemas.openxmlformats.org/drawingml/2006/main" xmlns:r="http://schemas.openxmlformats.org/officeDocument/2006/relationships" xmlns:p="http://schemas.openxmlformats.org/presentationml/2006/main">
   <p:cSld>
     <p:spTree>
@@ -2520,14 +2326,14 @@
           <a:noFill/>
           <a:ln/>
           <a:extLst>
-            <a:ext uri="{909E8E84-426E-40DD-AFC4-6F175D3DCCD1}">
+            <a:ext uri="{909E8E84-426E-40dd-AFC4-6F175D3DCCD1}">
               <a14:hiddenFill xmlns:a14="http://schemas.microsoft.com/office/drawing/2010/main">
                 <a:solidFill>
                   <a:srgbClr val="FFFFFF"/>
                 </a:solidFill>
               </a14:hiddenFill>
             </a:ext>
-            <a:ext uri="{91240B29-F687-4F45-9708-019B960494DF}">
+            <a:ext uri="{91240B29-F687-4f45-9708-019B960494DF}">
               <a14:hiddenLine xmlns:a14="http://schemas.microsoft.com/office/drawing/2010/main" w="9525">
                 <a:solidFill>
                   <a:srgbClr val="000000"/>
@@ -2676,7 +2482,7 @@
                   <a:spcPct val="0"/>
                 </a:spcBef>
               </a:pPr>
-              <a:t>13</a:t>
+              <a:t>14</a:t>
             </a:fld>
             <a:endParaRPr lang="en-US" altLang="zh-CN" smtClean="0"/>
           </a:p>
@@ -2710,14 +2516,14 @@
           <a:noFill/>
           <a:ln/>
           <a:extLst>
-            <a:ext uri="{909E8E84-426E-40DD-AFC4-6F175D3DCCD1}">
+            <a:ext uri="{909E8E84-426E-40dd-AFC4-6F175D3DCCD1}">
               <a14:hiddenFill xmlns:a14="http://schemas.microsoft.com/office/drawing/2010/main">
                 <a:solidFill>
                   <a:srgbClr val="FFFFFF"/>
                 </a:solidFill>
               </a14:hiddenFill>
             </a:ext>
-            <a:ext uri="{91240B29-F687-4F45-9708-019B960494DF}">
+            <a:ext uri="{91240B29-F687-4f45-9708-019B960494DF}">
               <a14:hiddenLine xmlns:a14="http://schemas.microsoft.com/office/drawing/2010/main" w="9525">
                 <a:solidFill>
                   <a:srgbClr val="000000"/>
@@ -2746,7 +2552,7 @@
 </p:notes>
 </file>
 
-<file path=ppt/notesSlides/notesSlide13.xml><?xml version="1.0" encoding="utf-8"?>
+<file path=ppt/notesSlides/notesSlide14.xml><?xml version="1.0" encoding="utf-8"?>
 <p:notes xmlns:a="http://schemas.openxmlformats.org/drawingml/2006/main" xmlns:r="http://schemas.openxmlformats.org/officeDocument/2006/relationships" xmlns:p="http://schemas.openxmlformats.org/presentationml/2006/main">
   <p:cSld>
     <p:spTree>
@@ -2777,14 +2583,14 @@
           <a:noFill/>
           <a:ln/>
           <a:extLst>
-            <a:ext uri="{909E8E84-426E-40DD-AFC4-6F175D3DCCD1}">
+            <a:ext uri="{909E8E84-426E-40dd-AFC4-6F175D3DCCD1}">
               <a14:hiddenFill xmlns:a14="http://schemas.microsoft.com/office/drawing/2010/main">
                 <a:solidFill>
                   <a:srgbClr val="FFFFFF"/>
                 </a:solidFill>
               </a14:hiddenFill>
             </a:ext>
-            <a:ext uri="{91240B29-F687-4F45-9708-019B960494DF}">
+            <a:ext uri="{91240B29-F687-4f45-9708-019B960494DF}">
               <a14:hiddenLine xmlns:a14="http://schemas.microsoft.com/office/drawing/2010/main" w="9525">
                 <a:solidFill>
                   <a:srgbClr val="000000"/>
@@ -2933,7 +2739,7 @@
                   <a:spcPct val="0"/>
                 </a:spcBef>
               </a:pPr>
-              <a:t>14</a:t>
+              <a:t>15</a:t>
             </a:fld>
             <a:endParaRPr lang="en-US" altLang="zh-CN" smtClean="0"/>
           </a:p>
@@ -2967,14 +2773,14 @@
           <a:noFill/>
           <a:ln/>
           <a:extLst>
-            <a:ext uri="{909E8E84-426E-40DD-AFC4-6F175D3DCCD1}">
+            <a:ext uri="{909E8E84-426E-40dd-AFC4-6F175D3DCCD1}">
               <a14:hiddenFill xmlns:a14="http://schemas.microsoft.com/office/drawing/2010/main">
                 <a:solidFill>
                   <a:srgbClr val="FFFFFF"/>
                 </a:solidFill>
               </a14:hiddenFill>
             </a:ext>
-            <a:ext uri="{91240B29-F687-4F45-9708-019B960494DF}">
+            <a:ext uri="{91240B29-F687-4f45-9708-019B960494DF}">
               <a14:hiddenLine xmlns:a14="http://schemas.microsoft.com/office/drawing/2010/main" w="9525">
                 <a:solidFill>
                   <a:srgbClr val="000000"/>
@@ -3034,14 +2840,14 @@
           <a:noFill/>
           <a:ln/>
           <a:extLst>
-            <a:ext uri="{909E8E84-426E-40DD-AFC4-6F175D3DCCD1}">
+            <a:ext uri="{909E8E84-426E-40dd-AFC4-6F175D3DCCD1}">
               <a14:hiddenFill xmlns:a14="http://schemas.microsoft.com/office/drawing/2010/main">
                 <a:solidFill>
                   <a:srgbClr val="FFFFFF"/>
                 </a:solidFill>
               </a14:hiddenFill>
             </a:ext>
-            <a:ext uri="{91240B29-F687-4F45-9708-019B960494DF}">
+            <a:ext uri="{91240B29-F687-4f45-9708-019B960494DF}">
               <a14:hiddenLine xmlns:a14="http://schemas.microsoft.com/office/drawing/2010/main" w="9525">
                 <a:solidFill>
                   <a:srgbClr val="000000"/>
@@ -3224,14 +3030,14 @@
           <a:noFill/>
           <a:ln/>
           <a:extLst>
-            <a:ext uri="{909E8E84-426E-40DD-AFC4-6F175D3DCCD1}">
+            <a:ext uri="{909E8E84-426E-40dd-AFC4-6F175D3DCCD1}">
               <a14:hiddenFill xmlns:a14="http://schemas.microsoft.com/office/drawing/2010/main">
                 <a:solidFill>
                   <a:srgbClr val="FFFFFF"/>
                 </a:solidFill>
               </a14:hiddenFill>
             </a:ext>
-            <a:ext uri="{91240B29-F687-4F45-9708-019B960494DF}">
+            <a:ext uri="{91240B29-F687-4f45-9708-019B960494DF}">
               <a14:hiddenLine xmlns:a14="http://schemas.microsoft.com/office/drawing/2010/main" w="9525">
                 <a:solidFill>
                   <a:srgbClr val="000000"/>
@@ -3315,14 +3121,14 @@
           <a:noFill/>
           <a:ln/>
           <a:extLst>
-            <a:ext uri="{909E8E84-426E-40DD-AFC4-6F175D3DCCD1}">
+            <a:ext uri="{909E8E84-426E-40dd-AFC4-6F175D3DCCD1}">
               <a14:hiddenFill xmlns:a14="http://schemas.microsoft.com/office/drawing/2010/main">
                 <a:solidFill>
                   <a:srgbClr val="FFFFFF"/>
                 </a:solidFill>
               </a14:hiddenFill>
             </a:ext>
-            <a:ext uri="{91240B29-F687-4F45-9708-019B960494DF}">
+            <a:ext uri="{91240B29-F687-4f45-9708-019B960494DF}">
               <a14:hiddenLine xmlns:a14="http://schemas.microsoft.com/office/drawing/2010/main" w="9525">
                 <a:solidFill>
                   <a:srgbClr val="000000"/>
@@ -3505,14 +3311,14 @@
           <a:noFill/>
           <a:ln/>
           <a:extLst>
-            <a:ext uri="{909E8E84-426E-40DD-AFC4-6F175D3DCCD1}">
+            <a:ext uri="{909E8E84-426E-40dd-AFC4-6F175D3DCCD1}">
               <a14:hiddenFill xmlns:a14="http://schemas.microsoft.com/office/drawing/2010/main">
                 <a:solidFill>
                   <a:srgbClr val="FFFFFF"/>
                 </a:solidFill>
               </a14:hiddenFill>
             </a:ext>
-            <a:ext uri="{91240B29-F687-4F45-9708-019B960494DF}">
+            <a:ext uri="{91240B29-F687-4f45-9708-019B960494DF}">
               <a14:hiddenLine xmlns:a14="http://schemas.microsoft.com/office/drawing/2010/main" w="9525">
                 <a:solidFill>
                   <a:srgbClr val="000000"/>
@@ -3572,14 +3378,14 @@
           <a:noFill/>
           <a:ln/>
           <a:extLst>
-            <a:ext uri="{909E8E84-426E-40DD-AFC4-6F175D3DCCD1}">
+            <a:ext uri="{909E8E84-426E-40dd-AFC4-6F175D3DCCD1}">
               <a14:hiddenFill xmlns:a14="http://schemas.microsoft.com/office/drawing/2010/main">
                 <a:solidFill>
                   <a:srgbClr val="FFFFFF"/>
                 </a:solidFill>
               </a14:hiddenFill>
             </a:ext>
-            <a:ext uri="{91240B29-F687-4F45-9708-019B960494DF}">
+            <a:ext uri="{91240B29-F687-4f45-9708-019B960494DF}">
               <a14:hiddenLine xmlns:a14="http://schemas.microsoft.com/office/drawing/2010/main" w="9525">
                 <a:solidFill>
                   <a:srgbClr val="000000"/>
@@ -3762,14 +3568,14 @@
           <a:noFill/>
           <a:ln/>
           <a:extLst>
-            <a:ext uri="{909E8E84-426E-40DD-AFC4-6F175D3DCCD1}">
+            <a:ext uri="{909E8E84-426E-40dd-AFC4-6F175D3DCCD1}">
               <a14:hiddenFill xmlns:a14="http://schemas.microsoft.com/office/drawing/2010/main">
                 <a:solidFill>
                   <a:srgbClr val="FFFFFF"/>
                 </a:solidFill>
               </a14:hiddenFill>
             </a:ext>
-            <a:ext uri="{91240B29-F687-4F45-9708-019B960494DF}">
+            <a:ext uri="{91240B29-F687-4f45-9708-019B960494DF}">
               <a14:hiddenLine xmlns:a14="http://schemas.microsoft.com/office/drawing/2010/main" w="9525">
                 <a:solidFill>
                   <a:srgbClr val="000000"/>
@@ -3829,14 +3635,14 @@
           <a:noFill/>
           <a:ln/>
           <a:extLst>
-            <a:ext uri="{909E8E84-426E-40DD-AFC4-6F175D3DCCD1}">
+            <a:ext uri="{909E8E84-426E-40dd-AFC4-6F175D3DCCD1}">
               <a14:hiddenFill xmlns:a14="http://schemas.microsoft.com/office/drawing/2010/main">
                 <a:solidFill>
                   <a:srgbClr val="FFFFFF"/>
                 </a:solidFill>
               </a14:hiddenFill>
             </a:ext>
-            <a:ext uri="{91240B29-F687-4F45-9708-019B960494DF}">
+            <a:ext uri="{91240B29-F687-4f45-9708-019B960494DF}">
               <a14:hiddenLine xmlns:a14="http://schemas.microsoft.com/office/drawing/2010/main" w="9525">
                 <a:solidFill>
                   <a:srgbClr val="000000"/>
@@ -4019,14 +3825,14 @@
           <a:noFill/>
           <a:ln/>
           <a:extLst>
-            <a:ext uri="{909E8E84-426E-40DD-AFC4-6F175D3DCCD1}">
+            <a:ext uri="{909E8E84-426E-40dd-AFC4-6F175D3DCCD1}">
               <a14:hiddenFill xmlns:a14="http://schemas.microsoft.com/office/drawing/2010/main">
                 <a:solidFill>
                   <a:srgbClr val="FFFFFF"/>
                 </a:solidFill>
               </a14:hiddenFill>
             </a:ext>
-            <a:ext uri="{91240B29-F687-4F45-9708-019B960494DF}">
+            <a:ext uri="{91240B29-F687-4f45-9708-019B960494DF}">
               <a14:hiddenLine xmlns:a14="http://schemas.microsoft.com/office/drawing/2010/main" w="9525">
                 <a:solidFill>
                   <a:srgbClr val="000000"/>
@@ -4347,14 +4153,14 @@
           <a:noFill/>
           <a:ln/>
           <a:extLst>
-            <a:ext uri="{909E8E84-426E-40DD-AFC4-6F175D3DCCD1}">
+            <a:ext uri="{909E8E84-426E-40dd-AFC4-6F175D3DCCD1}">
               <a14:hiddenFill xmlns:a14="http://schemas.microsoft.com/office/drawing/2010/main">
                 <a:solidFill>
                   <a:srgbClr val="FFFFFF"/>
                 </a:solidFill>
               </a14:hiddenFill>
             </a:ext>
-            <a:ext uri="{91240B29-F687-4F45-9708-019B960494DF}">
+            <a:ext uri="{91240B29-F687-4f45-9708-019B960494DF}">
               <a14:hiddenLine xmlns:a14="http://schemas.microsoft.com/office/drawing/2010/main" w="9525">
                 <a:solidFill>
                   <a:srgbClr val="000000"/>
@@ -4537,14 +4343,14 @@
           <a:noFill/>
           <a:ln/>
           <a:extLst>
-            <a:ext uri="{909E8E84-426E-40DD-AFC4-6F175D3DCCD1}">
+            <a:ext uri="{909E8E84-426E-40dd-AFC4-6F175D3DCCD1}">
               <a14:hiddenFill xmlns:a14="http://schemas.microsoft.com/office/drawing/2010/main">
                 <a:solidFill>
                   <a:srgbClr val="FFFFFF"/>
                 </a:solidFill>
               </a14:hiddenFill>
             </a:ext>
-            <a:ext uri="{91240B29-F687-4F45-9708-019B960494DF}">
+            <a:ext uri="{91240B29-F687-4f45-9708-019B960494DF}">
               <a14:hiddenLine xmlns:a14="http://schemas.microsoft.com/office/drawing/2010/main" w="9525">
                 <a:solidFill>
                   <a:srgbClr val="000000"/>
@@ -4841,14 +4647,14 @@
           <a:noFill/>
           <a:ln/>
           <a:extLst>
-            <a:ext uri="{909E8E84-426E-40DD-AFC4-6F175D3DCCD1}">
+            <a:ext uri="{909E8E84-426E-40dd-AFC4-6F175D3DCCD1}">
               <a14:hiddenFill xmlns:a14="http://schemas.microsoft.com/office/drawing/2010/main">
                 <a:solidFill>
                   <a:srgbClr val="FFFFFF"/>
                 </a:solidFill>
               </a14:hiddenFill>
             </a:ext>
-            <a:ext uri="{91240B29-F687-4F45-9708-019B960494DF}">
+            <a:ext uri="{91240B29-F687-4f45-9708-019B960494DF}">
               <a14:hiddenLine xmlns:a14="http://schemas.microsoft.com/office/drawing/2010/main" w="9525">
                 <a:solidFill>
                   <a:srgbClr val="000000"/>
@@ -5031,14 +4837,14 @@
           <a:noFill/>
           <a:ln/>
           <a:extLst>
-            <a:ext uri="{909E8E84-426E-40DD-AFC4-6F175D3DCCD1}">
+            <a:ext uri="{909E8E84-426E-40dd-AFC4-6F175D3DCCD1}">
               <a14:hiddenFill xmlns:a14="http://schemas.microsoft.com/office/drawing/2010/main">
                 <a:solidFill>
                   <a:srgbClr val="FFFFFF"/>
                 </a:solidFill>
               </a14:hiddenFill>
             </a:ext>
-            <a:ext uri="{91240B29-F687-4F45-9708-019B960494DF}">
+            <a:ext uri="{91240B29-F687-4f45-9708-019B960494DF}">
               <a14:hiddenLine xmlns:a14="http://schemas.microsoft.com/office/drawing/2010/main" w="9525">
                 <a:solidFill>
                   <a:srgbClr val="000000"/>
@@ -5335,14 +5141,14 @@
           <a:noFill/>
           <a:ln/>
           <a:extLst>
-            <a:ext uri="{909E8E84-426E-40DD-AFC4-6F175D3DCCD1}">
+            <a:ext uri="{909E8E84-426E-40dd-AFC4-6F175D3DCCD1}">
               <a14:hiddenFill xmlns:a14="http://schemas.microsoft.com/office/drawing/2010/main">
                 <a:solidFill>
                   <a:srgbClr val="FFFFFF"/>
                 </a:solidFill>
               </a14:hiddenFill>
             </a:ext>
-            <a:ext uri="{91240B29-F687-4F45-9708-019B960494DF}">
+            <a:ext uri="{91240B29-F687-4f45-9708-019B960494DF}">
               <a14:hiddenLine xmlns:a14="http://schemas.microsoft.com/office/drawing/2010/main" w="9525">
                 <a:solidFill>
                   <a:srgbClr val="000000"/>
@@ -5525,14 +5331,14 @@
           <a:noFill/>
           <a:ln/>
           <a:extLst>
-            <a:ext uri="{909E8E84-426E-40DD-AFC4-6F175D3DCCD1}">
+            <a:ext uri="{909E8E84-426E-40dd-AFC4-6F175D3DCCD1}">
               <a14:hiddenFill xmlns:a14="http://schemas.microsoft.com/office/drawing/2010/main">
                 <a:solidFill>
                   <a:srgbClr val="FFFFFF"/>
                 </a:solidFill>
               </a14:hiddenFill>
             </a:ext>
-            <a:ext uri="{91240B29-F687-4F45-9708-019B960494DF}">
+            <a:ext uri="{91240B29-F687-4f45-9708-019B960494DF}">
               <a14:hiddenLine xmlns:a14="http://schemas.microsoft.com/office/drawing/2010/main" w="9525">
                 <a:solidFill>
                   <a:srgbClr val="000000"/>
@@ -5829,14 +5635,14 @@
           <a:noFill/>
           <a:ln/>
           <a:extLst>
-            <a:ext uri="{909E8E84-426E-40DD-AFC4-6F175D3DCCD1}">
+            <a:ext uri="{909E8E84-426E-40dd-AFC4-6F175D3DCCD1}">
               <a14:hiddenFill xmlns:a14="http://schemas.microsoft.com/office/drawing/2010/main">
                 <a:solidFill>
                   <a:srgbClr val="FFFFFF"/>
                 </a:solidFill>
               </a14:hiddenFill>
             </a:ext>
-            <a:ext uri="{91240B29-F687-4F45-9708-019B960494DF}">
+            <a:ext uri="{91240B29-F687-4f45-9708-019B960494DF}">
               <a14:hiddenLine xmlns:a14="http://schemas.microsoft.com/office/drawing/2010/main" w="9525">
                 <a:solidFill>
                   <a:srgbClr val="000000"/>
@@ -6019,14 +5825,14 @@
           <a:noFill/>
           <a:ln/>
           <a:extLst>
-            <a:ext uri="{909E8E84-426E-40DD-AFC4-6F175D3DCCD1}">
+            <a:ext uri="{909E8E84-426E-40dd-AFC4-6F175D3DCCD1}">
               <a14:hiddenFill xmlns:a14="http://schemas.microsoft.com/office/drawing/2010/main">
                 <a:solidFill>
                   <a:srgbClr val="FFFFFF"/>
                 </a:solidFill>
               </a14:hiddenFill>
             </a:ext>
-            <a:ext uri="{91240B29-F687-4F45-9708-019B960494DF}">
+            <a:ext uri="{91240B29-F687-4f45-9708-019B960494DF}">
               <a14:hiddenLine xmlns:a14="http://schemas.microsoft.com/office/drawing/2010/main" w="9525">
                 <a:solidFill>
                   <a:srgbClr val="000000"/>
@@ -6343,14 +6149,14 @@
             <a:noFill/>
           </a:ln>
           <a:extLst>
-            <a:ext uri="{909E8E84-426E-40DD-AFC4-6F175D3DCCD1}">
+            <a:ext uri="{909E8E84-426E-40dd-AFC4-6F175D3DCCD1}">
               <a14:hiddenFill xmlns:a14="http://schemas.microsoft.com/office/drawing/2010/main">
                 <a:solidFill>
                   <a:srgbClr val="FFFFFF"/>
                 </a:solidFill>
               </a14:hiddenFill>
             </a:ext>
-            <a:ext uri="{91240B29-F687-4F45-9708-019B960494DF}">
+            <a:ext uri="{91240B29-F687-4f45-9708-019B960494DF}">
               <a14:hiddenLine xmlns:a14="http://schemas.microsoft.com/office/drawing/2010/main" w="9525">
                 <a:solidFill>
                   <a:srgbClr val="000000"/>
@@ -6397,14 +6203,14 @@
             <a:noFill/>
           </a:ln>
           <a:extLst>
-            <a:ext uri="{909E8E84-426E-40DD-AFC4-6F175D3DCCD1}">
+            <a:ext uri="{909E8E84-426E-40dd-AFC4-6F175D3DCCD1}">
               <a14:hiddenFill xmlns:a14="http://schemas.microsoft.com/office/drawing/2010/main">
                 <a:solidFill>
                   <a:srgbClr val="FFFFFF"/>
                 </a:solidFill>
               </a14:hiddenFill>
             </a:ext>
-            <a:ext uri="{91240B29-F687-4F45-9708-019B960494DF}">
+            <a:ext uri="{91240B29-F687-4f45-9708-019B960494DF}">
               <a14:hiddenLine xmlns:a14="http://schemas.microsoft.com/office/drawing/2010/main" w="9525">
                 <a:solidFill>
                   <a:srgbClr val="000000"/>
@@ -6451,14 +6257,14 @@
             <a:noFill/>
           </a:ln>
           <a:extLst>
-            <a:ext uri="{909E8E84-426E-40DD-AFC4-6F175D3DCCD1}">
+            <a:ext uri="{909E8E84-426E-40dd-AFC4-6F175D3DCCD1}">
               <a14:hiddenFill xmlns:a14="http://schemas.microsoft.com/office/drawing/2010/main">
                 <a:solidFill>
                   <a:srgbClr val="FFFFFF"/>
                 </a:solidFill>
               </a14:hiddenFill>
             </a:ext>
-            <a:ext uri="{91240B29-F687-4F45-9708-019B960494DF}">
+            <a:ext uri="{91240B29-F687-4f45-9708-019B960494DF}">
               <a14:hiddenLine xmlns:a14="http://schemas.microsoft.com/office/drawing/2010/main" w="9525">
                 <a:solidFill>
                   <a:srgbClr val="000000"/>
@@ -6505,14 +6311,14 @@
             <a:noFill/>
           </a:ln>
           <a:extLst>
-            <a:ext uri="{909E8E84-426E-40DD-AFC4-6F175D3DCCD1}">
+            <a:ext uri="{909E8E84-426E-40dd-AFC4-6F175D3DCCD1}">
               <a14:hiddenFill xmlns:a14="http://schemas.microsoft.com/office/drawing/2010/main">
                 <a:solidFill>
                   <a:srgbClr val="FFFFFF"/>
                 </a:solidFill>
               </a14:hiddenFill>
             </a:ext>
-            <a:ext uri="{91240B29-F687-4F45-9708-019B960494DF}">
+            <a:ext uri="{91240B29-F687-4f45-9708-019B960494DF}">
               <a14:hiddenLine xmlns:a14="http://schemas.microsoft.com/office/drawing/2010/main" w="9525">
                 <a:solidFill>
                   <a:srgbClr val="000000"/>
@@ -6559,14 +6365,14 @@
             <a:noFill/>
           </a:ln>
           <a:extLst>
-            <a:ext uri="{909E8E84-426E-40DD-AFC4-6F175D3DCCD1}">
+            <a:ext uri="{909E8E84-426E-40dd-AFC4-6F175D3DCCD1}">
               <a14:hiddenFill xmlns:a14="http://schemas.microsoft.com/office/drawing/2010/main">
                 <a:solidFill>
                   <a:srgbClr val="FFFFFF"/>
                 </a:solidFill>
               </a14:hiddenFill>
             </a:ext>
-            <a:ext uri="{91240B29-F687-4F45-9708-019B960494DF}">
+            <a:ext uri="{91240B29-F687-4f45-9708-019B960494DF}">
               <a14:hiddenLine xmlns:a14="http://schemas.microsoft.com/office/drawing/2010/main" w="9525">
                 <a:solidFill>
                   <a:srgbClr val="000000"/>
@@ -6613,14 +6419,14 @@
             <a:noFill/>
           </a:ln>
           <a:extLst>
-            <a:ext uri="{909E8E84-426E-40DD-AFC4-6F175D3DCCD1}">
+            <a:ext uri="{909E8E84-426E-40dd-AFC4-6F175D3DCCD1}">
               <a14:hiddenFill xmlns:a14="http://schemas.microsoft.com/office/drawing/2010/main">
                 <a:solidFill>
                   <a:srgbClr val="FFFFFF"/>
                 </a:solidFill>
               </a14:hiddenFill>
             </a:ext>
-            <a:ext uri="{91240B29-F687-4F45-9708-019B960494DF}">
+            <a:ext uri="{91240B29-F687-4f45-9708-019B960494DF}">
               <a14:hiddenLine xmlns:a14="http://schemas.microsoft.com/office/drawing/2010/main" w="9525">
                 <a:solidFill>
                   <a:srgbClr val="000000"/>
@@ -8296,7 +8102,7 @@
             <a:noFill/>
           </a:ln>
           <a:extLst>
-            <a:ext uri="{91240B29-F687-4F45-9708-019B960494DF}">
+            <a:ext uri="{91240B29-F687-4f45-9708-019B960494DF}">
               <a14:hiddenLine xmlns:a14="http://schemas.microsoft.com/office/drawing/2010/main" w="19050" algn="ctr">
                 <a:solidFill>
                   <a:srgbClr val="000000"/>
@@ -8456,7 +8262,7 @@
             <a:noFill/>
           </a:ln>
           <a:extLst>
-            <a:ext uri="{91240B29-F687-4F45-9708-019B960494DF}">
+            <a:ext uri="{91240B29-F687-4f45-9708-019B960494DF}">
               <a14:hiddenLine xmlns:a14="http://schemas.microsoft.com/office/drawing/2010/main" w="19050" algn="ctr">
                 <a:solidFill>
                   <a:srgbClr val="000000"/>
@@ -8608,14 +8414,14 @@
             <a:noFill/>
           </a:ln>
           <a:extLst>
-            <a:ext uri="{909E8E84-426E-40DD-AFC4-6F175D3DCCD1}">
+            <a:ext uri="{909E8E84-426E-40dd-AFC4-6F175D3DCCD1}">
               <a14:hiddenFill xmlns:a14="http://schemas.microsoft.com/office/drawing/2010/main">
                 <a:solidFill>
                   <a:srgbClr val="FFFFFF"/>
                 </a:solidFill>
               </a14:hiddenFill>
             </a:ext>
-            <a:ext uri="{91240B29-F687-4F45-9708-019B960494DF}">
+            <a:ext uri="{91240B29-F687-4f45-9708-019B960494DF}">
               <a14:hiddenLine xmlns:a14="http://schemas.microsoft.com/office/drawing/2010/main" w="9525" algn="ctr">
                 <a:solidFill>
                   <a:srgbClr val="000000"/>
@@ -8666,14 +8472,14 @@
             <a:noFill/>
           </a:ln>
           <a:extLst>
-            <a:ext uri="{909E8E84-426E-40DD-AFC4-6F175D3DCCD1}">
+            <a:ext uri="{909E8E84-426E-40dd-AFC4-6F175D3DCCD1}">
               <a14:hiddenFill xmlns:a14="http://schemas.microsoft.com/office/drawing/2010/main">
                 <a:solidFill>
                   <a:srgbClr val="FFFFFF"/>
                 </a:solidFill>
               </a14:hiddenFill>
             </a:ext>
-            <a:ext uri="{91240B29-F687-4F45-9708-019B960494DF}">
+            <a:ext uri="{91240B29-F687-4f45-9708-019B960494DF}">
               <a14:hiddenLine xmlns:a14="http://schemas.microsoft.com/office/drawing/2010/main" w="9525">
                 <a:solidFill>
                   <a:srgbClr val="000000"/>
@@ -8727,7 +8533,7 @@
   <p:timing>
     <p:tnLst>
       <p:par>
-        <p:cTn id="1" dur="indefinite" restart="never" nodeType="tmRoot"/>
+        <p:cTn xmlns:p14="http://schemas.microsoft.com/office/powerpoint/2010/main" id="1" dur="indefinite" restart="never" nodeType="tmRoot"/>
       </p:par>
     </p:tnLst>
   </p:timing>
@@ -9182,7 +8988,7 @@
         <p:spPr>
           <a:xfrm>
             <a:off x="606425" y="4819650"/>
-            <a:ext cx="5105400" cy="1457325"/>
+            <a:ext cx="5105400" cy="959237"/>
           </a:xfrm>
           <a:prstGeom prst="rect">
             <a:avLst/>
@@ -9241,32 +9047,17 @@
               <a:rPr lang="en-US" altLang="zh-CN" dirty="0">
                 <a:ea typeface="黑体" pitchFamily="2" charset="-122"/>
               </a:rPr>
-              <a:t>: 1120379372</a:t>
+              <a:t>: </a:t>
+            </a:r>
+            <a:r>
+              <a:rPr lang="en-US" altLang="zh-CN" dirty="0" smtClean="0">
+                <a:ea typeface="黑体" pitchFamily="2" charset="-122"/>
+              </a:rPr>
+              <a:t>1120379372</a:t>
             </a:r>
             <a:endParaRPr lang="en-US" altLang="zh-CN" dirty="0">
               <a:latin typeface="+mn-ea"/>
               <a:ea typeface="+mn-ea"/>
-            </a:endParaRPr>
-          </a:p>
-          <a:p>
-            <a:pPr algn="l">
-              <a:spcBef>
-                <a:spcPts val="500"/>
-              </a:spcBef>
-              <a:spcAft>
-                <a:spcPts val="500"/>
-              </a:spcAft>
-              <a:defRPr/>
-            </a:pPr>
-            <a:r>
-              <a:rPr lang="zh-CN" altLang="en-US" dirty="0">
-                <a:latin typeface="+mn-ea"/>
-                <a:ea typeface="+mn-ea"/>
-              </a:rPr>
-              <a:t>指导教师：蔡鸿明</a:t>
-            </a:r>
-            <a:endParaRPr lang="en-US" altLang="zh-CN" dirty="0">
-              <a:ea typeface="黑体" pitchFamily="2" charset="-122"/>
             </a:endParaRPr>
           </a:p>
         </p:txBody>
@@ -9292,14 +9083,14 @@
             <a:noFill/>
           </a:ln>
           <a:extLst>
-            <a:ext uri="{909E8E84-426E-40DD-AFC4-6F175D3DCCD1}">
+            <a:ext uri="{909E8E84-426E-40dd-AFC4-6F175D3DCCD1}">
               <a14:hiddenFill xmlns:a14="http://schemas.microsoft.com/office/drawing/2010/main">
                 <a:solidFill>
                   <a:srgbClr val="FFFFFF"/>
                 </a:solidFill>
               </a14:hiddenFill>
             </a:ext>
-            <a:ext uri="{91240B29-F687-4F45-9708-019B960494DF}">
+            <a:ext uri="{91240B29-F687-4f45-9708-019B960494DF}">
               <a14:hiddenLine xmlns:a14="http://schemas.microsoft.com/office/drawing/2010/main" w="9525">
                 <a:solidFill>
                   <a:srgbClr val="000000"/>
@@ -9464,7 +9255,7 @@
   <p:timing>
     <p:tnLst>
       <p:par>
-        <p:cTn id="1" dur="indefinite" restart="never" nodeType="tmRoot"/>
+        <p:cTn xmlns:p14="http://schemas.microsoft.com/office/powerpoint/2010/main" id="1" dur="indefinite" restart="never" nodeType="tmRoot"/>
       </p:par>
     </p:tnLst>
   </p:timing>
@@ -9536,7 +9327,7 @@
         </p:nvSpPr>
         <p:spPr>
           <a:xfrm>
-            <a:off x="215900" y="1106487"/>
+            <a:off x="215900" y="1066800"/>
             <a:ext cx="8407400" cy="5065713"/>
           </a:xfrm>
         </p:spPr>
@@ -9545,22 +9336,26 @@
           <a:lstStyle/>
           <a:p>
             <a:r>
-              <a:rPr lang="zh-CN" altLang="en-US" sz="2400" dirty="0"/>
-              <a:t>基于图像识别方法，实现了视频资源的自动语义标注。</a:t>
-            </a:r>
-            <a:endParaRPr lang="en-US" altLang="en-US" sz="2400" dirty="0"/>
-          </a:p>
-          <a:p>
-            <a:endParaRPr lang="en-US" altLang="zh-CN" sz="2400" dirty="0"/>
-          </a:p>
-          <a:p>
-            <a:endParaRPr lang="en-US" altLang="en-US" sz="2400" dirty="0"/>
+              <a:rPr lang="zh-CN" altLang="en-US" sz="2400" dirty="0" smtClean="0"/>
+              <a:t>基于图像识别方法，实现了视频资源的自动语义标注</a:t>
+            </a:r>
+            <a:r>
+              <a:rPr lang="zh-CN" altLang="en-US" dirty="0" smtClean="0"/>
+              <a:t>。</a:t>
+            </a:r>
+            <a:endParaRPr lang="en-US" altLang="en-US" dirty="0" smtClean="0"/>
+          </a:p>
+          <a:p>
+            <a:endParaRPr lang="en-US" altLang="zh-CN" dirty="0" smtClean="0"/>
+          </a:p>
+          <a:p>
+            <a:endParaRPr lang="en-US" altLang="en-US" dirty="0" smtClean="0"/>
           </a:p>
         </p:txBody>
       </p:sp>
       <p:pic>
         <p:nvPicPr>
-          <p:cNvPr id="30722" name="Picture 2" descr="C:\Users\donhatquang\Desktop\temp\10-13-2014 11-05-18 AM.jpg"/>
+          <p:cNvPr id="29701" name="Picture 5" descr="C:\Users\donhatquang\Desktop\temp\10-13-2014 11-04-43 AM.jpg"/>
           <p:cNvPicPr>
             <a:picLocks noChangeAspect="1" noChangeArrowheads="1"/>
           </p:cNvPicPr>
@@ -9581,15 +9376,15 @@
         </p:blipFill>
         <p:spPr bwMode="auto">
           <a:xfrm>
-            <a:off x="1752600" y="1810947"/>
-            <a:ext cx="5943600" cy="4818453"/>
+            <a:off x="76200" y="1716087"/>
+            <a:ext cx="9025039" cy="4456113"/>
           </a:xfrm>
           <a:prstGeom prst="rect">
             <a:avLst/>
           </a:prstGeom>
           <a:noFill/>
           <a:extLst>
-            <a:ext uri="{909E8E84-426E-40DD-AFC4-6F175D3DCCD1}">
+            <a:ext uri="{909E8E84-426E-40dd-AFC4-6F175D3DCCD1}">
               <a14:hiddenFill xmlns:a14="http://schemas.microsoft.com/office/drawing/2010/main">
                 <a:solidFill>
                   <a:srgbClr val="FFFFFF"/>
@@ -9599,10 +9394,99 @@
           </a:extLst>
         </p:spPr>
       </p:pic>
+      <p:sp>
+        <p:nvSpPr>
+          <p:cNvPr id="6" name="TextBox 5"/>
+          <p:cNvSpPr txBox="1"/>
+          <p:nvPr/>
+        </p:nvSpPr>
+        <p:spPr>
+          <a:xfrm>
+            <a:off x="3048000" y="1752600"/>
+            <a:ext cx="3638368" cy="461665"/>
+          </a:xfrm>
+          <a:prstGeom prst="rect">
+            <a:avLst/>
+          </a:prstGeom>
+        </p:spPr>
+        <p:style>
+          <a:lnRef idx="3">
+            <a:schemeClr val="lt1"/>
+          </a:lnRef>
+          <a:fillRef idx="1">
+            <a:schemeClr val="accent2"/>
+          </a:fillRef>
+          <a:effectRef idx="1">
+            <a:schemeClr val="accent2"/>
+          </a:effectRef>
+          <a:fontRef idx="minor">
+            <a:schemeClr val="lt1"/>
+          </a:fontRef>
+        </p:style>
+        <p:txBody>
+          <a:bodyPr wrap="none" rtlCol="0">
+            <a:spAutoFit/>
+          </a:bodyPr>
+          <a:lstStyle/>
+          <a:p>
+            <a:r>
+              <a:rPr lang="en-US" dirty="0" smtClean="0"/>
+              <a:t>Video Semantic Manager</a:t>
+            </a:r>
+            <a:endParaRPr lang="en-US" dirty="0"/>
+          </a:p>
+        </p:txBody>
+      </p:sp>
+      <p:sp>
+        <p:nvSpPr>
+          <p:cNvPr id="8" name="TextBox 7"/>
+          <p:cNvSpPr txBox="1"/>
+          <p:nvPr/>
+        </p:nvSpPr>
+        <p:spPr>
+          <a:xfrm>
+            <a:off x="3544612" y="5562600"/>
+            <a:ext cx="2645148" cy="461665"/>
+          </a:xfrm>
+          <a:prstGeom prst="rect">
+            <a:avLst/>
+          </a:prstGeom>
+        </p:spPr>
+        <p:style>
+          <a:lnRef idx="3">
+            <a:schemeClr val="lt1"/>
+          </a:lnRef>
+          <a:fillRef idx="1">
+            <a:schemeClr val="accent2"/>
+          </a:fillRef>
+          <a:effectRef idx="1">
+            <a:schemeClr val="accent2"/>
+          </a:effectRef>
+          <a:fontRef idx="minor">
+            <a:schemeClr val="lt1"/>
+          </a:fontRef>
+        </p:style>
+        <p:txBody>
+          <a:bodyPr wrap="none" rtlCol="0">
+            <a:spAutoFit/>
+          </a:bodyPr>
+          <a:lstStyle>
+            <a:defPPr>
+              <a:defRPr lang="zh-CN"/>
+            </a:defPPr>
+          </a:lstStyle>
+          <a:p>
+            <a:r>
+              <a:rPr lang="en-US" dirty="0"/>
+              <a:t>Video Player Area</a:t>
+            </a:r>
+          </a:p>
+        </p:txBody>
+      </p:sp>
     </p:spTree>
     <p:extLst>
       <p:ext uri="{BB962C8B-B14F-4D97-AF65-F5344CB8AC3E}">
-        <p14:creationId xmlns:p14="http://schemas.microsoft.com/office/powerpoint/2010/main" val="1829568179"/>
+        <p14:creationId xmlns:p14="http://schemas.microsoft.com/office/powerpoint/2010/main" val="3385674644"/>
       </p:ext>
     </p:extLst>
   </p:cSld>
@@ -9612,9 +9496,142 @@
   <p:timing>
     <p:tnLst>
       <p:par>
-        <p:cTn id="1" dur="indefinite" restart="never" nodeType="tmRoot"/>
+        <p:cTn xmlns:p14="http://schemas.microsoft.com/office/powerpoint/2010/main" id="1" dur="indefinite" restart="never" nodeType="tmRoot">
+          <p:childTnLst>
+            <p:seq concurrent="1" nextAc="seek">
+              <p:cTn id="2" dur="indefinite" nodeType="mainSeq">
+                <p:childTnLst>
+                  <p:par>
+                    <p:cTn id="3" fill="hold">
+                      <p:stCondLst>
+                        <p:cond delay="indefinite"/>
+                      </p:stCondLst>
+                      <p:childTnLst>
+                        <p:par>
+                          <p:cTn id="4" fill="hold">
+                            <p:stCondLst>
+                              <p:cond delay="0"/>
+                            </p:stCondLst>
+                            <p:childTnLst>
+                              <p:par>
+                                <p:cTn id="5" presetID="10" presetClass="entr" presetSubtype="0" fill="hold" grpId="0" nodeType="clickEffect">
+                                  <p:stCondLst>
+                                    <p:cond delay="0"/>
+                                  </p:stCondLst>
+                                  <p:childTnLst>
+                                    <p:set>
+                                      <p:cBhvr>
+                                        <p:cTn id="6" dur="1" fill="hold">
+                                          <p:stCondLst>
+                                            <p:cond delay="0"/>
+                                          </p:stCondLst>
+                                        </p:cTn>
+                                        <p:tgtEl>
+                                          <p:spTgt spid="6"/>
+                                        </p:tgtEl>
+                                        <p:attrNameLst>
+                                          <p:attrName>style.visibility</p:attrName>
+                                        </p:attrNameLst>
+                                      </p:cBhvr>
+                                      <p:to>
+                                        <p:strVal val="visible"/>
+                                      </p:to>
+                                    </p:set>
+                                    <p:animEffect transition="in" filter="fade">
+                                      <p:cBhvr>
+                                        <p:cTn id="7" dur="500"/>
+                                        <p:tgtEl>
+                                          <p:spTgt spid="6"/>
+                                        </p:tgtEl>
+                                      </p:cBhvr>
+                                    </p:animEffect>
+                                  </p:childTnLst>
+                                </p:cTn>
+                              </p:par>
+                            </p:childTnLst>
+                          </p:cTn>
+                        </p:par>
+                      </p:childTnLst>
+                    </p:cTn>
+                  </p:par>
+                  <p:par>
+                    <p:cTn id="8" fill="hold">
+                      <p:stCondLst>
+                        <p:cond delay="indefinite"/>
+                      </p:stCondLst>
+                      <p:childTnLst>
+                        <p:par>
+                          <p:cTn id="9" fill="hold">
+                            <p:stCondLst>
+                              <p:cond delay="0"/>
+                            </p:stCondLst>
+                            <p:childTnLst>
+                              <p:par>
+                                <p:cTn id="10" presetID="10" presetClass="entr" presetSubtype="0" fill="hold" grpId="0" nodeType="clickEffect">
+                                  <p:stCondLst>
+                                    <p:cond delay="0"/>
+                                  </p:stCondLst>
+                                  <p:childTnLst>
+                                    <p:set>
+                                      <p:cBhvr>
+                                        <p:cTn id="11" dur="1" fill="hold">
+                                          <p:stCondLst>
+                                            <p:cond delay="0"/>
+                                          </p:stCondLst>
+                                        </p:cTn>
+                                        <p:tgtEl>
+                                          <p:spTgt spid="8"/>
+                                        </p:tgtEl>
+                                        <p:attrNameLst>
+                                          <p:attrName>style.visibility</p:attrName>
+                                        </p:attrNameLst>
+                                      </p:cBhvr>
+                                      <p:to>
+                                        <p:strVal val="visible"/>
+                                      </p:to>
+                                    </p:set>
+                                    <p:animEffect transition="in" filter="fade">
+                                      <p:cBhvr>
+                                        <p:cTn id="12" dur="500"/>
+                                        <p:tgtEl>
+                                          <p:spTgt spid="8"/>
+                                        </p:tgtEl>
+                                      </p:cBhvr>
+                                    </p:animEffect>
+                                  </p:childTnLst>
+                                </p:cTn>
+                              </p:par>
+                            </p:childTnLst>
+                          </p:cTn>
+                        </p:par>
+                      </p:childTnLst>
+                    </p:cTn>
+                  </p:par>
+                </p:childTnLst>
+              </p:cTn>
+              <p:prevCondLst>
+                <p:cond evt="onPrev" delay="0">
+                  <p:tgtEl>
+                    <p:sldTgt/>
+                  </p:tgtEl>
+                </p:cond>
+              </p:prevCondLst>
+              <p:nextCondLst>
+                <p:cond evt="onNext" delay="0">
+                  <p:tgtEl>
+                    <p:sldTgt/>
+                  </p:tgtEl>
+                </p:cond>
+              </p:nextCondLst>
+            </p:seq>
+          </p:childTnLst>
+        </p:cTn>
       </p:par>
     </p:tnLst>
+    <p:bldLst>
+      <p:bldP spid="6" grpId="0" animBg="1"/>
+      <p:bldP spid="8" grpId="0" animBg="1"/>
+    </p:bldLst>
   </p:timing>
 </p:sld>
 </file>
@@ -9662,6 +9679,490 @@
                   <a:srgbClr val="FF0000"/>
                 </a:solidFill>
               </a:rPr>
+              <a:t>工作进度</a:t>
+            </a:r>
+            <a:endParaRPr lang="en-US" altLang="en-US" sz="4000" dirty="0" smtClean="0">
+              <a:solidFill>
+                <a:srgbClr val="FF0000"/>
+              </a:solidFill>
+            </a:endParaRPr>
+          </a:p>
+        </p:txBody>
+      </p:sp>
+      <p:sp>
+        <p:nvSpPr>
+          <p:cNvPr id="10243" name="Rectangle 59"/>
+          <p:cNvSpPr>
+            <a:spLocks noGrp="1" noChangeArrowheads="1"/>
+          </p:cNvSpPr>
+          <p:nvPr>
+            <p:ph type="body" idx="1"/>
+          </p:nvPr>
+        </p:nvSpPr>
+        <p:spPr>
+          <a:xfrm>
+            <a:off x="215900" y="1106487"/>
+            <a:ext cx="8407400" cy="5065713"/>
+          </a:xfrm>
+        </p:spPr>
+        <p:txBody>
+          <a:bodyPr/>
+          <a:lstStyle/>
+          <a:p>
+            <a:r>
+              <a:rPr lang="zh-CN" altLang="en-US" sz="2400" dirty="0"/>
+              <a:t>基于图像识别方法，实现了视频资源的自动语义标注。</a:t>
+            </a:r>
+            <a:endParaRPr lang="en-US" altLang="en-US" sz="2400" dirty="0"/>
+          </a:p>
+          <a:p>
+            <a:endParaRPr lang="en-US" altLang="zh-CN" sz="2400" dirty="0"/>
+          </a:p>
+          <a:p>
+            <a:endParaRPr lang="en-US" altLang="en-US" sz="2400" dirty="0"/>
+          </a:p>
+        </p:txBody>
+      </p:sp>
+      <p:pic>
+        <p:nvPicPr>
+          <p:cNvPr id="30722" name="Picture 2" descr="C:\Users\donhatquang\Desktop\temp\10-13-2014 11-05-18 AM.jpg"/>
+          <p:cNvPicPr>
+            <a:picLocks noChangeAspect="1" noChangeArrowheads="1"/>
+          </p:cNvPicPr>
+          <p:nvPr/>
+        </p:nvPicPr>
+        <p:blipFill>
+          <a:blip r:embed="rId3">
+            <a:extLst>
+              <a:ext uri="{28A0092B-C50C-407E-A947-70E740481C1C}">
+                <a14:useLocalDpi xmlns:a14="http://schemas.microsoft.com/office/drawing/2010/main" val="0"/>
+              </a:ext>
+            </a:extLst>
+          </a:blip>
+          <a:srcRect/>
+          <a:stretch>
+            <a:fillRect/>
+          </a:stretch>
+        </p:blipFill>
+        <p:spPr bwMode="auto">
+          <a:xfrm>
+            <a:off x="1752600" y="1810947"/>
+            <a:ext cx="5943600" cy="4818453"/>
+          </a:xfrm>
+          <a:prstGeom prst="rect">
+            <a:avLst/>
+          </a:prstGeom>
+          <a:solidFill>
+            <a:srgbClr val="FFFFFF">
+              <a:shade val="85000"/>
+            </a:srgbClr>
+          </a:solidFill>
+          <a:ln w="88900" cap="sq">
+            <a:solidFill>
+              <a:srgbClr val="FFFFFF"/>
+            </a:solidFill>
+            <a:miter lim="800000"/>
+          </a:ln>
+          <a:effectLst>
+            <a:outerShdw blurRad="55000" dist="18000" dir="5400000" algn="tl" rotWithShape="0">
+              <a:srgbClr val="000000">
+                <a:alpha val="40000"/>
+              </a:srgbClr>
+            </a:outerShdw>
+          </a:effectLst>
+          <a:scene3d>
+            <a:camera prst="orthographicFront"/>
+            <a:lightRig rig="twoPt" dir="t">
+              <a:rot lat="0" lon="0" rev="7200000"/>
+            </a:lightRig>
+          </a:scene3d>
+          <a:sp3d>
+            <a:bevelT w="25400" h="19050"/>
+            <a:contourClr>
+              <a:srgbClr val="FFFFFF"/>
+            </a:contourClr>
+          </a:sp3d>
+          <a:extLst>
+            <a:ext uri="{909E8E84-426E-40dd-AFC4-6F175D3DCCD1}">
+              <a14:hiddenFill xmlns:a14="http://schemas.microsoft.com/office/drawing/2010/main">
+                <a:solidFill>
+                  <a:srgbClr val="FFFFFF"/>
+                </a:solidFill>
+              </a14:hiddenFill>
+            </a:ext>
+          </a:extLst>
+        </p:spPr>
+      </p:pic>
+      <p:sp>
+        <p:nvSpPr>
+          <p:cNvPr id="5" name="TextBox 4"/>
+          <p:cNvSpPr txBox="1"/>
+          <p:nvPr/>
+        </p:nvSpPr>
+        <p:spPr>
+          <a:xfrm>
+            <a:off x="3081858" y="2495490"/>
+            <a:ext cx="3570657" cy="400110"/>
+          </a:xfrm>
+          <a:prstGeom prst="rect">
+            <a:avLst/>
+          </a:prstGeom>
+        </p:spPr>
+        <p:style>
+          <a:lnRef idx="3">
+            <a:schemeClr val="lt1"/>
+          </a:lnRef>
+          <a:fillRef idx="1">
+            <a:schemeClr val="accent2"/>
+          </a:fillRef>
+          <a:effectRef idx="1">
+            <a:schemeClr val="accent2"/>
+          </a:effectRef>
+          <a:fontRef idx="minor">
+            <a:schemeClr val="lt1"/>
+          </a:fontRef>
+        </p:style>
+        <p:txBody>
+          <a:bodyPr wrap="none" rtlCol="0">
+            <a:spAutoFit/>
+          </a:bodyPr>
+          <a:lstStyle/>
+          <a:p>
+            <a:r>
+              <a:rPr lang="en-US" sz="2000" dirty="0" smtClean="0"/>
+              <a:t>Video Image Auto Screenshot</a:t>
+            </a:r>
+            <a:endParaRPr lang="en-US" sz="2000" dirty="0"/>
+          </a:p>
+        </p:txBody>
+      </p:sp>
+      <p:grpSp>
+        <p:nvGrpSpPr>
+          <p:cNvPr id="7" name="Group 6"/>
+          <p:cNvGrpSpPr/>
+          <p:nvPr/>
+        </p:nvGrpSpPr>
+        <p:grpSpPr>
+          <a:xfrm>
+            <a:off x="6096000" y="5695950"/>
+            <a:ext cx="2895600" cy="461665"/>
+            <a:chOff x="4876800" y="2286000"/>
+            <a:chExt cx="2895600" cy="461665"/>
+          </a:xfrm>
+        </p:grpSpPr>
+        <p:sp>
+          <p:nvSpPr>
+            <p:cNvPr id="8" name="TextBox 7"/>
+            <p:cNvSpPr txBox="1"/>
+            <p:nvPr/>
+          </p:nvSpPr>
+          <p:spPr>
+            <a:xfrm>
+              <a:off x="5636879" y="2286000"/>
+              <a:ext cx="2135521" cy="461665"/>
+            </a:xfrm>
+            <a:prstGeom prst="rect">
+              <a:avLst/>
+            </a:prstGeom>
+          </p:spPr>
+          <p:style>
+            <a:lnRef idx="3">
+              <a:schemeClr val="lt1"/>
+            </a:lnRef>
+            <a:fillRef idx="1">
+              <a:schemeClr val="accent2"/>
+            </a:fillRef>
+            <a:effectRef idx="1">
+              <a:schemeClr val="accent2"/>
+            </a:effectRef>
+            <a:fontRef idx="minor">
+              <a:schemeClr val="lt1"/>
+            </a:fontRef>
+          </p:style>
+          <p:txBody>
+            <a:bodyPr wrap="none" rtlCol="0">
+              <a:spAutoFit/>
+            </a:bodyPr>
+            <a:lstStyle/>
+            <a:p>
+              <a:r>
+                <a:rPr lang="en-US" dirty="0" smtClean="0"/>
+                <a:t>Semantic tags</a:t>
+              </a:r>
+              <a:endParaRPr lang="en-US" dirty="0"/>
+            </a:p>
+          </p:txBody>
+        </p:sp>
+        <p:sp>
+          <p:nvSpPr>
+            <p:cNvPr id="9" name="Left Arrow 8"/>
+            <p:cNvSpPr/>
+            <p:nvPr/>
+          </p:nvSpPr>
+          <p:spPr bwMode="auto">
+            <a:xfrm>
+              <a:off x="4876800" y="2286000"/>
+              <a:ext cx="685800" cy="457200"/>
+            </a:xfrm>
+            <a:prstGeom prst="leftArrow">
+              <a:avLst/>
+            </a:prstGeom>
+            <a:ln>
+              <a:headEnd type="none" w="med" len="med"/>
+              <a:tailEnd type="none" w="med" len="med"/>
+            </a:ln>
+          </p:spPr>
+          <p:style>
+            <a:lnRef idx="2">
+              <a:schemeClr val="accent2">
+                <a:shade val="50000"/>
+              </a:schemeClr>
+            </a:lnRef>
+            <a:fillRef idx="1">
+              <a:schemeClr val="accent2"/>
+            </a:fillRef>
+            <a:effectRef idx="0">
+              <a:schemeClr val="accent2"/>
+            </a:effectRef>
+            <a:fontRef idx="minor">
+              <a:schemeClr val="lt1"/>
+            </a:fontRef>
+          </p:style>
+          <p:txBody>
+            <a:bodyPr vert="horz" wrap="square" lIns="90000" tIns="46800" rIns="90000" bIns="46800" numCol="1" rtlCol="0" anchor="ctr" anchorCtr="0" compatLnSpc="1">
+              <a:prstTxWarp prst="textNoShape">
+                <a:avLst/>
+              </a:prstTxWarp>
+              <a:spAutoFit/>
+            </a:bodyPr>
+            <a:lstStyle/>
+            <a:p>
+              <a:pPr marL="0" marR="0" indent="0" algn="ctr" defTabSz="914400" rtl="0" eaLnBrk="1" fontAlgn="base" latinLnBrk="0" hangingPunct="1">
+                <a:lnSpc>
+                  <a:spcPct val="100000"/>
+                </a:lnSpc>
+                <a:spcBef>
+                  <a:spcPct val="0"/>
+                </a:spcBef>
+                <a:spcAft>
+                  <a:spcPct val="0"/>
+                </a:spcAft>
+                <a:buClrTx/>
+                <a:buSzTx/>
+                <a:buFontTx/>
+                <a:buNone/>
+                <a:tabLst/>
+              </a:pPr>
+              <a:endParaRPr kumimoji="0" lang="en-US" sz="2400" b="0" i="0" u="none" strike="noStrike" cap="none" normalizeH="0" baseline="0" smtClean="0">
+                <a:ln>
+                  <a:noFill/>
+                </a:ln>
+                <a:solidFill>
+                  <a:schemeClr val="tx1"/>
+                </a:solidFill>
+                <a:effectLst/>
+                <a:latin typeface="Arial" charset="0"/>
+                <a:ea typeface="黑体" pitchFamily="2" charset="-122"/>
+              </a:endParaRPr>
+            </a:p>
+          </p:txBody>
+        </p:sp>
+      </p:grpSp>
+    </p:spTree>
+    <p:extLst>
+      <p:ext uri="{BB962C8B-B14F-4D97-AF65-F5344CB8AC3E}">
+        <p14:creationId xmlns:p14="http://schemas.microsoft.com/office/powerpoint/2010/main" val="1829568179"/>
+      </p:ext>
+    </p:extLst>
+  </p:cSld>
+  <p:clrMapOvr>
+    <a:masterClrMapping/>
+  </p:clrMapOvr>
+  <p:timing>
+    <p:tnLst>
+      <p:par>
+        <p:cTn xmlns:p14="http://schemas.microsoft.com/office/powerpoint/2010/main" id="1" dur="indefinite" restart="never" nodeType="tmRoot">
+          <p:childTnLst>
+            <p:seq concurrent="1" nextAc="seek">
+              <p:cTn id="2" dur="indefinite" nodeType="mainSeq">
+                <p:childTnLst>
+                  <p:par>
+                    <p:cTn id="3" fill="hold">
+                      <p:stCondLst>
+                        <p:cond delay="indefinite"/>
+                      </p:stCondLst>
+                      <p:childTnLst>
+                        <p:par>
+                          <p:cTn id="4" fill="hold">
+                            <p:stCondLst>
+                              <p:cond delay="0"/>
+                            </p:stCondLst>
+                            <p:childTnLst>
+                              <p:par>
+                                <p:cTn id="5" presetID="10" presetClass="entr" presetSubtype="0" fill="hold" grpId="0" nodeType="clickEffect">
+                                  <p:stCondLst>
+                                    <p:cond delay="0"/>
+                                  </p:stCondLst>
+                                  <p:childTnLst>
+                                    <p:set>
+                                      <p:cBhvr>
+                                        <p:cTn id="6" dur="1" fill="hold">
+                                          <p:stCondLst>
+                                            <p:cond delay="0"/>
+                                          </p:stCondLst>
+                                        </p:cTn>
+                                        <p:tgtEl>
+                                          <p:spTgt spid="5"/>
+                                        </p:tgtEl>
+                                        <p:attrNameLst>
+                                          <p:attrName>style.visibility</p:attrName>
+                                        </p:attrNameLst>
+                                      </p:cBhvr>
+                                      <p:to>
+                                        <p:strVal val="visible"/>
+                                      </p:to>
+                                    </p:set>
+                                    <p:animEffect transition="in" filter="fade">
+                                      <p:cBhvr>
+                                        <p:cTn id="7" dur="500"/>
+                                        <p:tgtEl>
+                                          <p:spTgt spid="5"/>
+                                        </p:tgtEl>
+                                      </p:cBhvr>
+                                    </p:animEffect>
+                                  </p:childTnLst>
+                                </p:cTn>
+                              </p:par>
+                            </p:childTnLst>
+                          </p:cTn>
+                        </p:par>
+                      </p:childTnLst>
+                    </p:cTn>
+                  </p:par>
+                  <p:par>
+                    <p:cTn id="8" fill="hold">
+                      <p:stCondLst>
+                        <p:cond delay="indefinite"/>
+                      </p:stCondLst>
+                      <p:childTnLst>
+                        <p:par>
+                          <p:cTn id="9" fill="hold">
+                            <p:stCondLst>
+                              <p:cond delay="0"/>
+                            </p:stCondLst>
+                            <p:childTnLst>
+                              <p:par>
+                                <p:cTn id="10" presetID="10" presetClass="entr" presetSubtype="0" fill="hold" nodeType="clickEffect">
+                                  <p:stCondLst>
+                                    <p:cond delay="0"/>
+                                  </p:stCondLst>
+                                  <p:childTnLst>
+                                    <p:set>
+                                      <p:cBhvr>
+                                        <p:cTn id="11" dur="1" fill="hold">
+                                          <p:stCondLst>
+                                            <p:cond delay="0"/>
+                                          </p:stCondLst>
+                                        </p:cTn>
+                                        <p:tgtEl>
+                                          <p:spTgt spid="7"/>
+                                        </p:tgtEl>
+                                        <p:attrNameLst>
+                                          <p:attrName>style.visibility</p:attrName>
+                                        </p:attrNameLst>
+                                      </p:cBhvr>
+                                      <p:to>
+                                        <p:strVal val="visible"/>
+                                      </p:to>
+                                    </p:set>
+                                    <p:animEffect transition="in" filter="fade">
+                                      <p:cBhvr>
+                                        <p:cTn id="12" dur="500"/>
+                                        <p:tgtEl>
+                                          <p:spTgt spid="7"/>
+                                        </p:tgtEl>
+                                      </p:cBhvr>
+                                    </p:animEffect>
+                                  </p:childTnLst>
+                                </p:cTn>
+                              </p:par>
+                            </p:childTnLst>
+                          </p:cTn>
+                        </p:par>
+                      </p:childTnLst>
+                    </p:cTn>
+                  </p:par>
+                </p:childTnLst>
+              </p:cTn>
+              <p:prevCondLst>
+                <p:cond evt="onPrev" delay="0">
+                  <p:tgtEl>
+                    <p:sldTgt/>
+                  </p:tgtEl>
+                </p:cond>
+              </p:prevCondLst>
+              <p:nextCondLst>
+                <p:cond evt="onNext" delay="0">
+                  <p:tgtEl>
+                    <p:sldTgt/>
+                  </p:tgtEl>
+                </p:cond>
+              </p:nextCondLst>
+            </p:seq>
+          </p:childTnLst>
+        </p:cTn>
+      </p:par>
+    </p:tnLst>
+    <p:bldLst>
+      <p:bldP spid="5" grpId="0" animBg="1"/>
+    </p:bldLst>
+  </p:timing>
+</p:sld>
+</file>
+
+<file path=ppt/slides/slide12.xml><?xml version="1.0" encoding="utf-8"?>
+<p:sld xmlns:a="http://schemas.openxmlformats.org/drawingml/2006/main" xmlns:r="http://schemas.openxmlformats.org/officeDocument/2006/relationships" xmlns:p="http://schemas.openxmlformats.org/presentationml/2006/main">
+  <p:cSld>
+    <p:spTree>
+      <p:nvGrpSpPr>
+        <p:cNvPr id="1" name=""/>
+        <p:cNvGrpSpPr/>
+        <p:nvPr/>
+      </p:nvGrpSpPr>
+      <p:grpSpPr>
+        <a:xfrm>
+          <a:off x="0" y="0"/>
+          <a:ext cx="0" cy="0"/>
+          <a:chOff x="0" y="0"/>
+          <a:chExt cx="0" cy="0"/>
+        </a:xfrm>
+      </p:grpSpPr>
+      <p:sp>
+        <p:nvSpPr>
+          <p:cNvPr id="10242" name="Rectangle 16"/>
+          <p:cNvSpPr>
+            <a:spLocks noGrp="1" noChangeArrowheads="1"/>
+          </p:cNvSpPr>
+          <p:nvPr>
+            <p:ph type="title"/>
+          </p:nvPr>
+        </p:nvSpPr>
+        <p:spPr>
+          <a:xfrm>
+            <a:off x="4419600" y="125413"/>
+            <a:ext cx="4724400" cy="688975"/>
+          </a:xfrm>
+        </p:spPr>
+        <p:txBody>
+          <a:bodyPr/>
+          <a:lstStyle/>
+          <a:p>
+            <a:r>
+              <a:rPr lang="zh-CN" altLang="en-US" sz="4000" dirty="0" smtClean="0">
+                <a:solidFill>
+                  <a:srgbClr val="FF0000"/>
+                </a:solidFill>
+              </a:rPr>
               <a:t>实验结果</a:t>
             </a:r>
             <a:endParaRPr lang="en-US" altLang="en-US" sz="4000" dirty="0" smtClean="0">
@@ -9708,7 +10209,7 @@
           <p:nvPr>
             <p:extLst>
               <p:ext uri="{D42A27DB-BD31-4B8C-83A1-F6EECF244321}">
-                <p14:modId xmlns:p14="http://schemas.microsoft.com/office/powerpoint/2010/main" val="2632724954"/>
+                <p14:modId xmlns:p14="http://schemas.microsoft.com/office/powerpoint/2010/main" val="2178601903"/>
               </p:ext>
             </p:extLst>
           </p:nvPr>
@@ -9782,14 +10283,14 @@
   <p:timing>
     <p:tnLst>
       <p:par>
-        <p:cTn id="1" dur="indefinite" restart="never" nodeType="tmRoot"/>
+        <p:cTn xmlns:p14="http://schemas.microsoft.com/office/powerpoint/2010/main" id="1" dur="indefinite" restart="never" nodeType="tmRoot"/>
       </p:par>
     </p:tnLst>
   </p:timing>
 </p:sld>
 </file>
 
-<file path=ppt/slides/slide12.xml><?xml version="1.0" encoding="utf-8"?>
+<file path=ppt/slides/slide13.xml><?xml version="1.0" encoding="utf-8"?>
 <p:sld xmlns:a="http://schemas.openxmlformats.org/drawingml/2006/main" xmlns:r="http://schemas.openxmlformats.org/officeDocument/2006/relationships" xmlns:p="http://schemas.openxmlformats.org/presentationml/2006/main">
   <p:cSld>
     <p:spTree>
@@ -9929,11 +10430,7 @@
             </a:r>
             <a:r>
               <a:rPr lang="zh-CN" altLang="en-US" sz="1800" dirty="0" smtClean="0"/>
-              <a:t>语义标注获</a:t>
-            </a:r>
-            <a:r>
-              <a:rPr lang="zh-CN" altLang="en-US" sz="1800" dirty="0" smtClean="0"/>
-              <a:t>取效率</a:t>
+              <a:t>语义标注获取效率</a:t>
             </a:r>
             <a:endParaRPr lang="en-US" sz="1800" dirty="0"/>
           </a:p>
@@ -9994,18 +10491,18 @@
   <p:clrMapOvr>
     <a:masterClrMapping/>
   </p:clrMapOvr>
-  <mc:AlternateContent xmlns:mc="http://schemas.openxmlformats.org/markup-compatibility/2006">
-    <mc:Choice xmlns:p14="http://schemas.microsoft.com/office/powerpoint/2010/main" Requires="p14">
+  <mc:AlternateContent xmlns:mc="http://schemas.openxmlformats.org/markup-compatibility/2006" xmlns:p14="http://schemas.microsoft.com/office/powerpoint/2010/main">
+    <mc:Choice Requires="p14">
       <p:transition p14:dur="0"/>
     </mc:Choice>
-    <mc:Fallback>
+    <mc:Fallback xmlns="">
       <p:transition/>
     </mc:Fallback>
   </mc:AlternateContent>
   <p:timing>
     <p:tnLst>
       <p:par>
-        <p:cTn id="1" dur="indefinite" restart="never" nodeType="tmRoot">
+        <p:cTn xmlns:p14="http://schemas.microsoft.com/office/powerpoint/2010/main" id="1" dur="indefinite" restart="never" nodeType="tmRoot">
           <p:childTnLst>
             <p:seq concurrent="1" nextAc="seek">
               <p:cTn id="2" dur="indefinite" nodeType="mainSeq">
@@ -10091,7 +10588,7 @@
 </p:sld>
 </file>
 
-<file path=ppt/slides/slide13.xml><?xml version="1.0" encoding="utf-8"?>
+<file path=ppt/slides/slide14.xml><?xml version="1.0" encoding="utf-8"?>
 <p:sld xmlns:a="http://schemas.openxmlformats.org/drawingml/2006/main" xmlns:r="http://schemas.openxmlformats.org/officeDocument/2006/relationships" xmlns:p="http://schemas.openxmlformats.org/presentationml/2006/main">
   <p:cSld>
     <p:spTree>
@@ -10169,74 +10666,38 @@
               <a:buAutoNum type="arabicPeriod"/>
             </a:pPr>
             <a:r>
-              <a:rPr lang="en-US" altLang="en-US" sz="2400" dirty="0" smtClean="0">
-                <a:solidFill>
-                  <a:srgbClr val="00B050"/>
-                </a:solidFill>
-              </a:rPr>
+              <a:rPr lang="en-US" altLang="en-US" sz="2400" dirty="0" smtClean="0"/>
               <a:t>2014</a:t>
             </a:r>
             <a:r>
-              <a:rPr lang="zh-CN" altLang="en-US" sz="2400" dirty="0" smtClean="0">
-                <a:solidFill>
-                  <a:srgbClr val="00B050"/>
-                </a:solidFill>
-              </a:rPr>
+              <a:rPr lang="zh-CN" altLang="en-US" sz="2400" dirty="0" smtClean="0"/>
               <a:t>年</a:t>
             </a:r>
             <a:r>
-              <a:rPr lang="en-US" altLang="en-US" sz="2400" dirty="0" smtClean="0">
-                <a:solidFill>
-                  <a:srgbClr val="00B050"/>
-                </a:solidFill>
-              </a:rPr>
+              <a:rPr lang="en-US" altLang="en-US" sz="2400" dirty="0" smtClean="0"/>
               <a:t>3</a:t>
             </a:r>
             <a:r>
-              <a:rPr lang="zh-CN" altLang="en-US" sz="2400" dirty="0" smtClean="0">
-                <a:solidFill>
-                  <a:srgbClr val="00B050"/>
-                </a:solidFill>
-              </a:rPr>
+              <a:rPr lang="zh-CN" altLang="en-US" sz="2400" dirty="0" smtClean="0"/>
               <a:t>月至</a:t>
             </a:r>
             <a:r>
-              <a:rPr lang="en-US" altLang="en-US" sz="2400" dirty="0" smtClean="0">
-                <a:solidFill>
-                  <a:srgbClr val="00B050"/>
-                </a:solidFill>
-              </a:rPr>
+              <a:rPr lang="en-US" altLang="en-US" sz="2400" dirty="0" smtClean="0"/>
               <a:t>2014</a:t>
             </a:r>
             <a:r>
-              <a:rPr lang="zh-CN" altLang="en-US" sz="2400" dirty="0" smtClean="0">
-                <a:solidFill>
-                  <a:srgbClr val="00B050"/>
-                </a:solidFill>
-              </a:rPr>
+              <a:rPr lang="zh-CN" altLang="en-US" sz="2400" dirty="0" smtClean="0"/>
               <a:t>年</a:t>
             </a:r>
             <a:r>
-              <a:rPr lang="en-US" altLang="en-US" sz="2400" dirty="0" smtClean="0">
-                <a:solidFill>
-                  <a:srgbClr val="00B050"/>
-                </a:solidFill>
-              </a:rPr>
+              <a:rPr lang="en-US" altLang="en-US" sz="2400" dirty="0" smtClean="0"/>
               <a:t>4</a:t>
             </a:r>
             <a:r>
-              <a:rPr lang="zh-CN" altLang="en-US" sz="2400" dirty="0" smtClean="0">
-                <a:solidFill>
-                  <a:srgbClr val="00B050"/>
-                </a:solidFill>
-              </a:rPr>
+              <a:rPr lang="zh-CN" altLang="en-US" sz="2400" dirty="0" smtClean="0"/>
               <a:t>月：学习研究相关论文以及相关该领域知识。</a:t>
             </a:r>
-            <a:endParaRPr lang="en-US" altLang="zh-CN" sz="2400" dirty="0" smtClean="0">
-              <a:solidFill>
-                <a:srgbClr val="00B050"/>
-              </a:solidFill>
-            </a:endParaRPr>
+            <a:endParaRPr lang="en-US" altLang="zh-CN" sz="2400" dirty="0" smtClean="0"/>
           </a:p>
           <a:p>
             <a:pPr marL="514350" indent="-514350">
@@ -10244,90 +10705,46 @@
               <a:buAutoNum type="arabicPeriod"/>
             </a:pPr>
             <a:r>
-              <a:rPr lang="en-US" altLang="en-US" sz="2400" dirty="0" smtClean="0">
-                <a:solidFill>
-                  <a:srgbClr val="00B050"/>
-                </a:solidFill>
-              </a:rPr>
+              <a:rPr lang="en-US" altLang="en-US" sz="2400" dirty="0" smtClean="0"/>
               <a:t>2014</a:t>
             </a:r>
             <a:r>
-              <a:rPr lang="zh-CN" altLang="en-US" sz="2400" dirty="0" smtClean="0">
-                <a:solidFill>
-                  <a:srgbClr val="00B050"/>
-                </a:solidFill>
-              </a:rPr>
+              <a:rPr lang="zh-CN" altLang="en-US" sz="2400" dirty="0" smtClean="0"/>
               <a:t>年</a:t>
             </a:r>
             <a:r>
-              <a:rPr lang="en-US" altLang="en-US" sz="2400" dirty="0" smtClean="0">
-                <a:solidFill>
-                  <a:srgbClr val="00B050"/>
-                </a:solidFill>
-              </a:rPr>
+              <a:rPr lang="en-US" altLang="en-US" sz="2400" dirty="0" smtClean="0"/>
               <a:t>5</a:t>
             </a:r>
             <a:r>
-              <a:rPr lang="zh-CN" altLang="en-US" sz="2400" dirty="0" smtClean="0">
-                <a:solidFill>
-                  <a:srgbClr val="00B050"/>
-                </a:solidFill>
-              </a:rPr>
+              <a:rPr lang="zh-CN" altLang="en-US" sz="2400" dirty="0" smtClean="0"/>
               <a:t>月至</a:t>
             </a:r>
             <a:r>
-              <a:rPr lang="en-US" altLang="en-US" sz="2400" dirty="0" smtClean="0">
-                <a:solidFill>
-                  <a:srgbClr val="00B050"/>
-                </a:solidFill>
-              </a:rPr>
+              <a:rPr lang="en-US" altLang="en-US" sz="2400" dirty="0" smtClean="0"/>
               <a:t>2014</a:t>
             </a:r>
             <a:r>
-              <a:rPr lang="zh-CN" altLang="en-US" sz="2400" dirty="0" smtClean="0">
-                <a:solidFill>
-                  <a:srgbClr val="00B050"/>
-                </a:solidFill>
-              </a:rPr>
+              <a:rPr lang="zh-CN" altLang="en-US" sz="2400" dirty="0" smtClean="0"/>
               <a:t>年</a:t>
             </a:r>
             <a:r>
-              <a:rPr lang="en-US" altLang="en-US" sz="2400" dirty="0" smtClean="0">
-                <a:solidFill>
-                  <a:srgbClr val="00B050"/>
-                </a:solidFill>
-              </a:rPr>
+              <a:rPr lang="en-US" altLang="en-US" sz="2400" dirty="0" smtClean="0"/>
               <a:t>6</a:t>
             </a:r>
             <a:r>
-              <a:rPr lang="zh-CN" altLang="en-US" sz="2400" dirty="0" smtClean="0">
-                <a:solidFill>
-                  <a:srgbClr val="00B050"/>
-                </a:solidFill>
-              </a:rPr>
+              <a:rPr lang="zh-CN" altLang="en-US" sz="2400" dirty="0" smtClean="0"/>
               <a:t>月：研究有关</a:t>
             </a:r>
             <a:r>
-              <a:rPr lang="en-US" altLang="en-US" sz="2400" dirty="0" smtClean="0">
-                <a:solidFill>
-                  <a:srgbClr val="00B050"/>
-                </a:solidFill>
-              </a:rPr>
+              <a:rPr lang="en-US" altLang="en-US" sz="2400" dirty="0" smtClean="0"/>
               <a:t>WebGL</a:t>
             </a:r>
             <a:r>
-              <a:rPr lang="zh-CN" altLang="en-US" sz="2400" dirty="0" smtClean="0">
-                <a:solidFill>
-                  <a:srgbClr val="00B050"/>
-                </a:solidFill>
-              </a:rPr>
+              <a:rPr lang="zh-CN" altLang="en-US" sz="2400" dirty="0" smtClean="0"/>
               <a:t>三维模型的比较算法，找出模型之间的异同点。开发环境搭建和技术研究，以及实现该系统原型。</a:t>
             </a:r>
-            <a:endParaRPr lang="en-US" altLang="zh-CN" sz="2400" dirty="0" smtClean="0">
-              <a:solidFill>
-                <a:srgbClr val="00B050"/>
-              </a:solidFill>
-            </a:endParaRPr>
+            <a:endParaRPr lang="en-US" altLang="zh-CN" sz="2400" dirty="0" smtClean="0"/>
           </a:p>
           <a:p>
             <a:pPr marL="514350" indent="-514350">
@@ -10335,74 +10752,38 @@
               <a:buAutoNum type="arabicPeriod"/>
             </a:pPr>
             <a:r>
-              <a:rPr lang="en-US" altLang="en-US" sz="2400" dirty="0" smtClean="0">
-                <a:solidFill>
-                  <a:srgbClr val="00B050"/>
-                </a:solidFill>
-              </a:rPr>
+              <a:rPr lang="en-US" altLang="en-US" sz="2400" dirty="0" smtClean="0"/>
               <a:t>2014</a:t>
             </a:r>
             <a:r>
-              <a:rPr lang="zh-CN" altLang="en-US" sz="2400" dirty="0" smtClean="0">
-                <a:solidFill>
-                  <a:srgbClr val="00B050"/>
-                </a:solidFill>
-              </a:rPr>
+              <a:rPr lang="zh-CN" altLang="en-US" sz="2400" dirty="0" smtClean="0"/>
               <a:t>年</a:t>
             </a:r>
             <a:r>
-              <a:rPr lang="en-US" altLang="en-US" sz="2400" dirty="0" smtClean="0">
-                <a:solidFill>
-                  <a:srgbClr val="00B050"/>
-                </a:solidFill>
-              </a:rPr>
+              <a:rPr lang="en-US" altLang="en-US" sz="2400" dirty="0" smtClean="0"/>
               <a:t>7</a:t>
             </a:r>
             <a:r>
-              <a:rPr lang="zh-CN" altLang="en-US" sz="2400" dirty="0" smtClean="0">
-                <a:solidFill>
-                  <a:srgbClr val="00B050"/>
-                </a:solidFill>
-              </a:rPr>
+              <a:rPr lang="zh-CN" altLang="en-US" sz="2400" dirty="0" smtClean="0"/>
               <a:t>月至</a:t>
             </a:r>
             <a:r>
-              <a:rPr lang="en-US" altLang="en-US" sz="2400" dirty="0" smtClean="0">
-                <a:solidFill>
-                  <a:srgbClr val="00B050"/>
-                </a:solidFill>
-              </a:rPr>
+              <a:rPr lang="en-US" altLang="en-US" sz="2400" dirty="0" smtClean="0"/>
               <a:t>2014</a:t>
             </a:r>
             <a:r>
-              <a:rPr lang="zh-CN" altLang="en-US" sz="2400" dirty="0" smtClean="0">
-                <a:solidFill>
-                  <a:srgbClr val="00B050"/>
-                </a:solidFill>
-              </a:rPr>
+              <a:rPr lang="zh-CN" altLang="en-US" sz="2400" dirty="0" smtClean="0"/>
               <a:t>年</a:t>
             </a:r>
             <a:r>
-              <a:rPr lang="en-US" altLang="en-US" sz="2400" dirty="0" smtClean="0">
-                <a:solidFill>
-                  <a:srgbClr val="00B050"/>
-                </a:solidFill>
-              </a:rPr>
+              <a:rPr lang="en-US" altLang="en-US" sz="2400" dirty="0" smtClean="0"/>
               <a:t>8</a:t>
             </a:r>
             <a:r>
-              <a:rPr lang="zh-CN" altLang="en-US" sz="2400" dirty="0" smtClean="0">
-                <a:solidFill>
-                  <a:srgbClr val="00B050"/>
-                </a:solidFill>
-              </a:rPr>
+              <a:rPr lang="zh-CN" altLang="en-US" sz="2400" dirty="0" smtClean="0"/>
               <a:t>月：开始展开论文编写。继续展开应用系统和框架。</a:t>
             </a:r>
-            <a:endParaRPr lang="en-US" altLang="en-US" sz="2400" dirty="0" smtClean="0">
-              <a:solidFill>
-                <a:srgbClr val="00B050"/>
-              </a:solidFill>
-            </a:endParaRPr>
+            <a:endParaRPr lang="en-US" altLang="en-US" sz="2400" dirty="0" smtClean="0"/>
           </a:p>
           <a:p>
             <a:pPr marL="514350" indent="-514350">
@@ -10410,74 +10791,38 @@
               <a:buAutoNum type="arabicPeriod"/>
             </a:pPr>
             <a:r>
-              <a:rPr lang="en-US" altLang="en-US" sz="2400" dirty="0" smtClean="0">
-                <a:solidFill>
-                  <a:srgbClr val="00B050"/>
-                </a:solidFill>
-              </a:rPr>
+              <a:rPr lang="en-US" altLang="en-US" sz="2400" dirty="0" smtClean="0"/>
               <a:t>2014</a:t>
             </a:r>
             <a:r>
-              <a:rPr lang="zh-CN" altLang="en-US" sz="2400" dirty="0" smtClean="0">
-                <a:solidFill>
-                  <a:srgbClr val="00B050"/>
-                </a:solidFill>
-              </a:rPr>
+              <a:rPr lang="zh-CN" altLang="en-US" sz="2400" dirty="0" smtClean="0"/>
               <a:t>年</a:t>
             </a:r>
             <a:r>
-              <a:rPr lang="en-US" altLang="en-US" sz="2400" dirty="0" smtClean="0">
-                <a:solidFill>
-                  <a:srgbClr val="00B050"/>
-                </a:solidFill>
-              </a:rPr>
+              <a:rPr lang="en-US" altLang="en-US" sz="2400" dirty="0" smtClean="0"/>
               <a:t>9</a:t>
             </a:r>
             <a:r>
-              <a:rPr lang="zh-CN" altLang="en-US" sz="2400" dirty="0" smtClean="0">
-                <a:solidFill>
-                  <a:srgbClr val="00B050"/>
-                </a:solidFill>
-              </a:rPr>
+              <a:rPr lang="zh-CN" altLang="en-US" sz="2400" dirty="0" smtClean="0"/>
               <a:t>月至</a:t>
             </a:r>
             <a:r>
-              <a:rPr lang="en-US" altLang="en-US" sz="2400" dirty="0" smtClean="0">
-                <a:solidFill>
-                  <a:srgbClr val="00B050"/>
-                </a:solidFill>
-              </a:rPr>
+              <a:rPr lang="en-US" altLang="en-US" sz="2400" dirty="0" smtClean="0"/>
               <a:t>2014</a:t>
             </a:r>
             <a:r>
-              <a:rPr lang="zh-CN" altLang="en-US" sz="2400" dirty="0" smtClean="0">
-                <a:solidFill>
-                  <a:srgbClr val="00B050"/>
-                </a:solidFill>
-              </a:rPr>
+              <a:rPr lang="zh-CN" altLang="en-US" sz="2400" dirty="0" smtClean="0"/>
               <a:t>年</a:t>
             </a:r>
             <a:r>
-              <a:rPr lang="en-US" altLang="en-US" sz="2400" dirty="0" smtClean="0">
-                <a:solidFill>
-                  <a:srgbClr val="00B050"/>
-                </a:solidFill>
-              </a:rPr>
+              <a:rPr lang="en-US" altLang="en-US" sz="2400" dirty="0" smtClean="0"/>
               <a:t>10</a:t>
             </a:r>
             <a:r>
-              <a:rPr lang="zh-CN" altLang="en-US" sz="2400" dirty="0" smtClean="0">
-                <a:solidFill>
-                  <a:srgbClr val="00B050"/>
-                </a:solidFill>
-              </a:rPr>
+              <a:rPr lang="zh-CN" altLang="en-US" sz="2400" dirty="0" smtClean="0"/>
               <a:t>月：进行试验，实现并完善系统。</a:t>
             </a:r>
-            <a:endParaRPr lang="en-US" altLang="en-US" sz="2400" dirty="0" smtClean="0">
-              <a:solidFill>
-                <a:srgbClr val="00B050"/>
-              </a:solidFill>
-            </a:endParaRPr>
+            <a:endParaRPr lang="en-US" altLang="en-US" sz="2400" dirty="0" smtClean="0"/>
           </a:p>
           <a:p>
             <a:pPr marL="514350" indent="-514350">
@@ -10546,7 +10891,7 @@
                   <a:srgbClr val="C00000"/>
                 </a:solidFill>
               </a:rPr>
-              <a:t>月：整理论文。</a:t>
+              <a:t>月：整理论文，维护完善系统。</a:t>
             </a:r>
             <a:endParaRPr lang="en-US" altLang="en-US" dirty="0" smtClean="0">
               <a:solidFill>
@@ -10570,7 +10915,7 @@
   <p:timing>
     <p:tnLst>
       <p:par>
-        <p:cTn id="1" dur="indefinite" restart="never" nodeType="tmRoot">
+        <p:cTn xmlns:p14="http://schemas.microsoft.com/office/powerpoint/2010/main" id="1" dur="indefinite" restart="never" nodeType="tmRoot">
           <p:childTnLst>
             <p:seq concurrent="1" nextAc="seek">
               <p:cTn id="2" dur="indefinite" nodeType="mainSeq">
@@ -10649,7 +10994,7 @@
 </p:sld>
 </file>
 
-<file path=ppt/slides/slide14.xml><?xml version="1.0" encoding="utf-8"?>
+<file path=ppt/slides/slide15.xml><?xml version="1.0" encoding="utf-8"?>
 <p:sld xmlns:a="http://schemas.openxmlformats.org/drawingml/2006/main" xmlns:r="http://schemas.openxmlformats.org/officeDocument/2006/relationships" xmlns:p="http://schemas.openxmlformats.org/presentationml/2006/main">
   <p:cSld>
     <p:spTree>
@@ -10729,12 +11074,16 @@
               <a:rPr lang="zh-CN" altLang="en-US" dirty="0" smtClean="0"/>
               <a:t>针对开题的研究内容，已经实现了整个三维模型自动语义标注的系统架构和系统原形。</a:t>
             </a:r>
-            <a:endParaRPr lang="en-US" altLang="zh-CN" dirty="0" smtClean="0"/>
+            <a:endParaRPr lang="en-US" dirty="0" smtClean="0"/>
           </a:p>
           <a:p>
             <a:pPr>
               <a:defRPr/>
             </a:pPr>
+            <a:r>
+              <a:rPr lang="zh-CN" altLang="en-US" dirty="0" smtClean="0"/>
+              <a:t>基于原需求的三维模型语义标注，展开针对视频的自动语义标注。应用更加广泛。</a:t>
+            </a:r>
             <a:endParaRPr lang="en-US" dirty="0" smtClean="0"/>
           </a:p>
           <a:p>
@@ -10743,7 +11092,23 @@
             </a:pPr>
             <a:r>
               <a:rPr lang="zh-CN" altLang="en-US" dirty="0" smtClean="0"/>
-              <a:t>基于原需求的三维模型语义标注，展开针对视频的自动语义标注。应用更加广泛。</a:t>
+              <a:t>本文其中的图像识别语义标注方法已封装</a:t>
+            </a:r>
+            <a:r>
+              <a:rPr lang="en-US" altLang="zh-CN" dirty="0" smtClean="0"/>
+              <a:t>API</a:t>
+            </a:r>
+            <a:r>
+              <a:rPr lang="zh-CN" altLang="en-US" dirty="0" smtClean="0"/>
+              <a:t>，可通过</a:t>
+            </a:r>
+            <a:r>
+              <a:rPr lang="en-US" altLang="zh-CN" dirty="0" smtClean="0"/>
+              <a:t>HTTP</a:t>
+            </a:r>
+            <a:r>
+              <a:rPr lang="zh-CN" altLang="en-US" dirty="0" smtClean="0"/>
+              <a:t>协议在第三方平台开发使用。</a:t>
             </a:r>
             <a:endParaRPr lang="en-US" altLang="zh-CN" dirty="0" smtClean="0"/>
           </a:p>
@@ -10751,33 +11116,10 @@
             <a:pPr>
               <a:defRPr/>
             </a:pPr>
-            <a:endParaRPr lang="en-US" dirty="0" smtClean="0"/>
-          </a:p>
-          <a:p>
-            <a:pPr>
-              <a:defRPr/>
-            </a:pPr>
-            <a:r>
-              <a:rPr lang="zh-CN" altLang="en-US" dirty="0" smtClean="0"/>
-              <a:t>本文其中的图像识别语义标注方法已封装</a:t>
-            </a:r>
-            <a:r>
-              <a:rPr lang="en-US" altLang="zh-CN" dirty="0" smtClean="0"/>
-              <a:t>API</a:t>
-            </a:r>
-            <a:r>
-              <a:rPr lang="zh-CN" altLang="en-US" dirty="0" smtClean="0"/>
-              <a:t>，可通过</a:t>
-            </a:r>
-            <a:r>
-              <a:rPr lang="en-US" altLang="zh-CN" dirty="0" smtClean="0"/>
-              <a:t>HTTP</a:t>
-            </a:r>
-            <a:r>
-              <a:rPr lang="zh-CN" altLang="en-US" dirty="0" smtClean="0"/>
-              <a:t>协议在第三方平台开发使用。</a:t>
-            </a:r>
-            <a:endParaRPr lang="en-US" dirty="0" smtClean="0"/>
+            <a:r>
+              <a:rPr lang="en-US" dirty="0" smtClean="0"/>
+              <a:t>未来展望将该自动语义标注系统整合到三维模型建模的平台。</a:t>
+            </a:r>
           </a:p>
           <a:p>
             <a:pPr marL="628650" lvl="1" indent="0" eaLnBrk="1" hangingPunct="1">
@@ -10818,7 +11160,7 @@
   <p:timing>
     <p:tnLst>
       <p:par>
-        <p:cTn id="1" dur="indefinite" restart="never" nodeType="tmRoot">
+        <p:cTn xmlns:p14="http://schemas.microsoft.com/office/powerpoint/2010/main" id="1" dur="indefinite" restart="never" nodeType="tmRoot">
           <p:childTnLst>
             <p:seq concurrent="1" nextAc="seek">
               <p:cTn id="2" dur="indefinite" nodeType="mainSeq">
@@ -10852,6 +11194,830 @@
                                           <p:spTgt spid="4099">
                                             <p:txEl>
                                               <p:pRg st="0" end="0"/>
+                                            </p:txEl>
+                                          </p:spTgt>
+                                        </p:tgtEl>
+                                        <p:attrNameLst>
+                                          <p:attrName>style.visibility</p:attrName>
+                                        </p:attrNameLst>
+                                      </p:cBhvr>
+                                      <p:to>
+                                        <p:strVal val="visible"/>
+                                      </p:to>
+                                    </p:set>
+                                  </p:childTnLst>
+                                </p:cTn>
+                              </p:par>
+                            </p:childTnLst>
+                          </p:cTn>
+                        </p:par>
+                      </p:childTnLst>
+                    </p:cTn>
+                  </p:par>
+                  <p:par>
+                    <p:cTn id="7" fill="hold">
+                      <p:stCondLst>
+                        <p:cond delay="indefinite"/>
+                      </p:stCondLst>
+                      <p:childTnLst>
+                        <p:par>
+                          <p:cTn id="8" fill="hold">
+                            <p:stCondLst>
+                              <p:cond delay="0"/>
+                            </p:stCondLst>
+                            <p:childTnLst>
+                              <p:par>
+                                <p:cTn id="9" presetID="1" presetClass="entr" presetSubtype="0" fill="hold" nodeType="clickEffect">
+                                  <p:stCondLst>
+                                    <p:cond delay="0"/>
+                                  </p:stCondLst>
+                                  <p:childTnLst>
+                                    <p:set>
+                                      <p:cBhvr>
+                                        <p:cTn id="10" dur="1" fill="hold">
+                                          <p:stCondLst>
+                                            <p:cond delay="0"/>
+                                          </p:stCondLst>
+                                        </p:cTn>
+                                        <p:tgtEl>
+                                          <p:spTgt spid="4099">
+                                            <p:txEl>
+                                              <p:pRg st="1" end="1"/>
+                                            </p:txEl>
+                                          </p:spTgt>
+                                        </p:tgtEl>
+                                        <p:attrNameLst>
+                                          <p:attrName>style.visibility</p:attrName>
+                                        </p:attrNameLst>
+                                      </p:cBhvr>
+                                      <p:to>
+                                        <p:strVal val="visible"/>
+                                      </p:to>
+                                    </p:set>
+                                  </p:childTnLst>
+                                </p:cTn>
+                              </p:par>
+                            </p:childTnLst>
+                          </p:cTn>
+                        </p:par>
+                      </p:childTnLst>
+                    </p:cTn>
+                  </p:par>
+                  <p:par>
+                    <p:cTn id="11" fill="hold">
+                      <p:stCondLst>
+                        <p:cond delay="indefinite"/>
+                      </p:stCondLst>
+                      <p:childTnLst>
+                        <p:par>
+                          <p:cTn id="12" fill="hold">
+                            <p:stCondLst>
+                              <p:cond delay="0"/>
+                            </p:stCondLst>
+                            <p:childTnLst>
+                              <p:par>
+                                <p:cTn id="13" presetID="1" presetClass="entr" presetSubtype="0" fill="hold" nodeType="clickEffect">
+                                  <p:stCondLst>
+                                    <p:cond delay="0"/>
+                                  </p:stCondLst>
+                                  <p:childTnLst>
+                                    <p:set>
+                                      <p:cBhvr>
+                                        <p:cTn id="14" dur="1" fill="hold">
+                                          <p:stCondLst>
+                                            <p:cond delay="0"/>
+                                          </p:stCondLst>
+                                        </p:cTn>
+                                        <p:tgtEl>
+                                          <p:spTgt spid="4099">
+                                            <p:txEl>
+                                              <p:pRg st="2" end="2"/>
+                                            </p:txEl>
+                                          </p:spTgt>
+                                        </p:tgtEl>
+                                        <p:attrNameLst>
+                                          <p:attrName>style.visibility</p:attrName>
+                                        </p:attrNameLst>
+                                      </p:cBhvr>
+                                      <p:to>
+                                        <p:strVal val="visible"/>
+                                      </p:to>
+                                    </p:set>
+                                  </p:childTnLst>
+                                </p:cTn>
+                              </p:par>
+                            </p:childTnLst>
+                          </p:cTn>
+                        </p:par>
+                      </p:childTnLst>
+                    </p:cTn>
+                  </p:par>
+                  <p:par>
+                    <p:cTn id="15" fill="hold">
+                      <p:stCondLst>
+                        <p:cond delay="indefinite"/>
+                      </p:stCondLst>
+                      <p:childTnLst>
+                        <p:par>
+                          <p:cTn id="16" fill="hold">
+                            <p:stCondLst>
+                              <p:cond delay="0"/>
+                            </p:stCondLst>
+                            <p:childTnLst>
+                              <p:par>
+                                <p:cTn id="17" presetID="1" presetClass="entr" presetSubtype="0" fill="hold" nodeType="clickEffect">
+                                  <p:stCondLst>
+                                    <p:cond delay="0"/>
+                                  </p:stCondLst>
+                                  <p:childTnLst>
+                                    <p:set>
+                                      <p:cBhvr>
+                                        <p:cTn id="18" dur="1" fill="hold">
+                                          <p:stCondLst>
+                                            <p:cond delay="0"/>
+                                          </p:stCondLst>
+                                        </p:cTn>
+                                        <p:tgtEl>
+                                          <p:spTgt spid="4099">
+                                            <p:txEl>
+                                              <p:pRg st="3" end="3"/>
+                                            </p:txEl>
+                                          </p:spTgt>
+                                        </p:tgtEl>
+                                        <p:attrNameLst>
+                                          <p:attrName>style.visibility</p:attrName>
+                                        </p:attrNameLst>
+                                      </p:cBhvr>
+                                      <p:to>
+                                        <p:strVal val="visible"/>
+                                      </p:to>
+                                    </p:set>
+                                  </p:childTnLst>
+                                </p:cTn>
+                              </p:par>
+                            </p:childTnLst>
+                          </p:cTn>
+                        </p:par>
+                      </p:childTnLst>
+                    </p:cTn>
+                  </p:par>
+                </p:childTnLst>
+              </p:cTn>
+              <p:prevCondLst>
+                <p:cond evt="onPrev" delay="0">
+                  <p:tgtEl>
+                    <p:sldTgt/>
+                  </p:tgtEl>
+                </p:cond>
+              </p:prevCondLst>
+              <p:nextCondLst>
+                <p:cond evt="onNext" delay="0">
+                  <p:tgtEl>
+                    <p:sldTgt/>
+                  </p:tgtEl>
+                </p:cond>
+              </p:nextCondLst>
+            </p:seq>
+          </p:childTnLst>
+        </p:cTn>
+      </p:par>
+    </p:tnLst>
+  </p:timing>
+</p:sld>
+</file>
+
+<file path=ppt/slides/slide16.xml><?xml version="1.0" encoding="utf-8"?>
+<p:sld xmlns:a="http://schemas.openxmlformats.org/drawingml/2006/main" xmlns:r="http://schemas.openxmlformats.org/officeDocument/2006/relationships" xmlns:p="http://schemas.openxmlformats.org/presentationml/2006/main">
+  <p:cSld>
+    <p:spTree>
+      <p:nvGrpSpPr>
+        <p:cNvPr id="1" name=""/>
+        <p:cNvGrpSpPr/>
+        <p:nvPr/>
+      </p:nvGrpSpPr>
+      <p:grpSpPr>
+        <a:xfrm>
+          <a:off x="0" y="0"/>
+          <a:ext cx="0" cy="0"/>
+          <a:chOff x="0" y="0"/>
+          <a:chExt cx="0" cy="0"/>
+        </a:xfrm>
+      </p:grpSpPr>
+      <p:sp>
+        <p:nvSpPr>
+          <p:cNvPr id="13314" name="Rectangle 2"/>
+          <p:cNvSpPr>
+            <a:spLocks noGrp="1" noChangeArrowheads="1"/>
+          </p:cNvSpPr>
+          <p:nvPr>
+            <p:ph type="ctrTitle"/>
+          </p:nvPr>
+        </p:nvSpPr>
+        <p:spPr>
+          <a:xfrm>
+            <a:off x="685800" y="2209800"/>
+            <a:ext cx="7772400" cy="1470025"/>
+          </a:xfrm>
+        </p:spPr>
+        <p:txBody>
+          <a:bodyPr/>
+          <a:lstStyle/>
+          <a:p>
+            <a:pPr eaLnBrk="1" hangingPunct="1"/>
+            <a:r>
+              <a:rPr lang="zh-CN" altLang="en-US" smtClean="0"/>
+              <a:t>谢	谢！</a:t>
+            </a:r>
+          </a:p>
+        </p:txBody>
+      </p:sp>
+    </p:spTree>
+  </p:cSld>
+  <p:clrMapOvr>
+    <a:masterClrMapping/>
+  </p:clrMapOvr>
+  <p:timing>
+    <p:tnLst>
+      <p:par>
+        <p:cTn xmlns:p14="http://schemas.microsoft.com/office/powerpoint/2010/main" id="1" dur="indefinite" restart="never" nodeType="tmRoot"/>
+      </p:par>
+    </p:tnLst>
+  </p:timing>
+</p:sld>
+</file>
+
+<file path=ppt/slides/slide2.xml><?xml version="1.0" encoding="utf-8"?>
+<p:sld xmlns:a="http://schemas.openxmlformats.org/drawingml/2006/main" xmlns:r="http://schemas.openxmlformats.org/officeDocument/2006/relationships" xmlns:p="http://schemas.openxmlformats.org/presentationml/2006/main">
+  <p:cSld>
+    <p:spTree>
+      <p:nvGrpSpPr>
+        <p:cNvPr id="1" name=""/>
+        <p:cNvGrpSpPr/>
+        <p:nvPr/>
+      </p:nvGrpSpPr>
+      <p:grpSpPr>
+        <a:xfrm>
+          <a:off x="0" y="0"/>
+          <a:ext cx="0" cy="0"/>
+          <a:chOff x="0" y="0"/>
+          <a:chExt cx="0" cy="0"/>
+        </a:xfrm>
+      </p:grpSpPr>
+      <p:sp>
+        <p:nvSpPr>
+          <p:cNvPr id="3" name="Content Placeholder 2"/>
+          <p:cNvSpPr>
+            <a:spLocks noGrp="1"/>
+          </p:cNvSpPr>
+          <p:nvPr>
+            <p:ph idx="1"/>
+          </p:nvPr>
+        </p:nvSpPr>
+        <p:spPr/>
+        <p:txBody>
+          <a:bodyPr/>
+          <a:lstStyle/>
+          <a:p>
+            <a:r>
+              <a:rPr lang="zh-CN" altLang="en-US" dirty="0" smtClean="0"/>
+              <a:t>研究背景 </a:t>
+            </a:r>
+            <a:r>
+              <a:rPr lang="en-US" altLang="zh-CN" dirty="0" smtClean="0"/>
+              <a:t>– </a:t>
+            </a:r>
+            <a:r>
+              <a:rPr lang="zh-CN" altLang="en-US" dirty="0" smtClean="0"/>
+              <a:t>问题来源</a:t>
+            </a:r>
+            <a:endParaRPr lang="en-US" altLang="zh-CN" dirty="0" smtClean="0"/>
+          </a:p>
+          <a:p>
+            <a:r>
+              <a:rPr lang="zh-CN" altLang="en-US" dirty="0" smtClean="0"/>
+              <a:t>工作进度</a:t>
+            </a:r>
+            <a:endParaRPr lang="en-US" altLang="zh-CN" dirty="0" smtClean="0"/>
+          </a:p>
+          <a:p>
+            <a:r>
+              <a:rPr lang="zh-CN" altLang="en-US" dirty="0"/>
+              <a:t>实</a:t>
+            </a:r>
+            <a:r>
+              <a:rPr lang="zh-CN" altLang="en-US" dirty="0" smtClean="0"/>
+              <a:t>验结果</a:t>
+            </a:r>
+            <a:endParaRPr lang="en-US" altLang="zh-CN" dirty="0" smtClean="0"/>
+          </a:p>
+          <a:p>
+            <a:r>
+              <a:rPr lang="zh-CN" altLang="en-US" dirty="0" smtClean="0"/>
+              <a:t>结论</a:t>
+            </a:r>
+            <a:endParaRPr lang="en-US" altLang="zh-CN" dirty="0" smtClean="0"/>
+          </a:p>
+          <a:p>
+            <a:pPr marL="0" indent="0">
+              <a:buNone/>
+            </a:pPr>
+            <a:endParaRPr lang="en-US" altLang="zh-CN" dirty="0" smtClean="0"/>
+          </a:p>
+          <a:p>
+            <a:endParaRPr lang="en-US" dirty="0"/>
+          </a:p>
+        </p:txBody>
+      </p:sp>
+      <p:sp>
+        <p:nvSpPr>
+          <p:cNvPr id="5" name="Rectangle 16"/>
+          <p:cNvSpPr txBox="1">
+            <a:spLocks noChangeArrowheads="1"/>
+          </p:cNvSpPr>
+          <p:nvPr/>
+        </p:nvSpPr>
+        <p:spPr bwMode="auto">
+          <a:xfrm>
+            <a:off x="4419600" y="125413"/>
+            <a:ext cx="4724400" cy="688975"/>
+          </a:xfrm>
+          <a:prstGeom prst="rect">
+            <a:avLst/>
+          </a:prstGeom>
+          <a:noFill/>
+          <a:ln>
+            <a:noFill/>
+          </a:ln>
+          <a:extLst>
+            <a:ext uri="{909E8E84-426E-40dd-AFC4-6F175D3DCCD1}">
+              <a14:hiddenFill xmlns:a14="http://schemas.microsoft.com/office/drawing/2010/main">
+                <a:solidFill>
+                  <a:srgbClr val="FFFFFF"/>
+                </a:solidFill>
+              </a14:hiddenFill>
+            </a:ext>
+            <a:ext uri="{91240B29-F687-4f45-9708-019B960494DF}">
+              <a14:hiddenLine xmlns:a14="http://schemas.microsoft.com/office/drawing/2010/main" w="9525" algn="ctr">
+                <a:solidFill>
+                  <a:srgbClr val="000000"/>
+                </a:solidFill>
+                <a:miter lim="800000"/>
+                <a:headEnd/>
+                <a:tailEnd/>
+              </a14:hiddenLine>
+            </a:ext>
+          </a:extLst>
+        </p:spPr>
+        <p:txBody>
+          <a:bodyPr vert="horz" wrap="square" lIns="91440" tIns="54000" rIns="91440" bIns="45720" numCol="1" anchor="t" anchorCtr="1" compatLnSpc="1">
+            <a:prstTxWarp prst="textNoShape">
+              <a:avLst/>
+            </a:prstTxWarp>
+          </a:bodyPr>
+          <a:lstStyle>
+            <a:lvl1pPr algn="ctr" rtl="0" eaLnBrk="0" fontAlgn="base" hangingPunct="0">
+              <a:spcBef>
+                <a:spcPct val="0"/>
+              </a:spcBef>
+              <a:spcAft>
+                <a:spcPct val="0"/>
+              </a:spcAft>
+              <a:defRPr sz="2800" b="1">
+                <a:solidFill>
+                  <a:srgbClr val="133984"/>
+                </a:solidFill>
+                <a:latin typeface="+mj-lt"/>
+                <a:ea typeface="+mj-ea"/>
+                <a:cs typeface="+mj-cs"/>
+              </a:defRPr>
+            </a:lvl1pPr>
+            <a:lvl2pPr algn="ctr" rtl="0" eaLnBrk="0" fontAlgn="base" hangingPunct="0">
+              <a:spcBef>
+                <a:spcPct val="0"/>
+              </a:spcBef>
+              <a:spcAft>
+                <a:spcPct val="0"/>
+              </a:spcAft>
+              <a:defRPr sz="2800" b="1">
+                <a:solidFill>
+                  <a:srgbClr val="133984"/>
+                </a:solidFill>
+                <a:latin typeface="Arial" charset="0"/>
+                <a:ea typeface="华文新魏" pitchFamily="2" charset="-122"/>
+              </a:defRPr>
+            </a:lvl2pPr>
+            <a:lvl3pPr algn="ctr" rtl="0" eaLnBrk="0" fontAlgn="base" hangingPunct="0">
+              <a:spcBef>
+                <a:spcPct val="0"/>
+              </a:spcBef>
+              <a:spcAft>
+                <a:spcPct val="0"/>
+              </a:spcAft>
+              <a:defRPr sz="2800" b="1">
+                <a:solidFill>
+                  <a:srgbClr val="133984"/>
+                </a:solidFill>
+                <a:latin typeface="Arial" charset="0"/>
+                <a:ea typeface="华文新魏" pitchFamily="2" charset="-122"/>
+              </a:defRPr>
+            </a:lvl3pPr>
+            <a:lvl4pPr algn="ctr" rtl="0" eaLnBrk="0" fontAlgn="base" hangingPunct="0">
+              <a:spcBef>
+                <a:spcPct val="0"/>
+              </a:spcBef>
+              <a:spcAft>
+                <a:spcPct val="0"/>
+              </a:spcAft>
+              <a:defRPr sz="2800" b="1">
+                <a:solidFill>
+                  <a:srgbClr val="133984"/>
+                </a:solidFill>
+                <a:latin typeface="Arial" charset="0"/>
+                <a:ea typeface="华文新魏" pitchFamily="2" charset="-122"/>
+              </a:defRPr>
+            </a:lvl4pPr>
+            <a:lvl5pPr algn="ctr" rtl="0" eaLnBrk="0" fontAlgn="base" hangingPunct="0">
+              <a:spcBef>
+                <a:spcPct val="0"/>
+              </a:spcBef>
+              <a:spcAft>
+                <a:spcPct val="0"/>
+              </a:spcAft>
+              <a:defRPr sz="2800" b="1">
+                <a:solidFill>
+                  <a:srgbClr val="133984"/>
+                </a:solidFill>
+                <a:latin typeface="Arial" charset="0"/>
+                <a:ea typeface="华文新魏" pitchFamily="2" charset="-122"/>
+              </a:defRPr>
+            </a:lvl5pPr>
+            <a:lvl6pPr marL="457200" algn="ctr" rtl="0" fontAlgn="base">
+              <a:spcBef>
+                <a:spcPct val="0"/>
+              </a:spcBef>
+              <a:spcAft>
+                <a:spcPct val="0"/>
+              </a:spcAft>
+              <a:defRPr sz="2800" b="1">
+                <a:solidFill>
+                  <a:srgbClr val="133984"/>
+                </a:solidFill>
+                <a:latin typeface="Arial" charset="0"/>
+                <a:ea typeface="华文新魏" pitchFamily="2" charset="-122"/>
+              </a:defRPr>
+            </a:lvl6pPr>
+            <a:lvl7pPr marL="914400" algn="ctr" rtl="0" fontAlgn="base">
+              <a:spcBef>
+                <a:spcPct val="0"/>
+              </a:spcBef>
+              <a:spcAft>
+                <a:spcPct val="0"/>
+              </a:spcAft>
+              <a:defRPr sz="2800" b="1">
+                <a:solidFill>
+                  <a:srgbClr val="133984"/>
+                </a:solidFill>
+                <a:latin typeface="Arial" charset="0"/>
+                <a:ea typeface="华文新魏" pitchFamily="2" charset="-122"/>
+              </a:defRPr>
+            </a:lvl7pPr>
+            <a:lvl8pPr marL="1371600" algn="ctr" rtl="0" fontAlgn="base">
+              <a:spcBef>
+                <a:spcPct val="0"/>
+              </a:spcBef>
+              <a:spcAft>
+                <a:spcPct val="0"/>
+              </a:spcAft>
+              <a:defRPr sz="2800" b="1">
+                <a:solidFill>
+                  <a:srgbClr val="133984"/>
+                </a:solidFill>
+                <a:latin typeface="Arial" charset="0"/>
+                <a:ea typeface="华文新魏" pitchFamily="2" charset="-122"/>
+              </a:defRPr>
+            </a:lvl8pPr>
+            <a:lvl9pPr marL="1828800" algn="ctr" rtl="0" fontAlgn="base">
+              <a:spcBef>
+                <a:spcPct val="0"/>
+              </a:spcBef>
+              <a:spcAft>
+                <a:spcPct val="0"/>
+              </a:spcAft>
+              <a:defRPr sz="2800" b="1">
+                <a:solidFill>
+                  <a:srgbClr val="133984"/>
+                </a:solidFill>
+                <a:latin typeface="Arial" charset="0"/>
+                <a:ea typeface="华文新魏" pitchFamily="2" charset="-122"/>
+              </a:defRPr>
+            </a:lvl9pPr>
+          </a:lstStyle>
+          <a:p>
+            <a:r>
+              <a:rPr lang="en-US" altLang="en-US" sz="4000" dirty="0" smtClean="0">
+                <a:solidFill>
+                  <a:srgbClr val="FF0000"/>
+                </a:solidFill>
+              </a:rPr>
+              <a:t>目录</a:t>
+            </a:r>
+          </a:p>
+        </p:txBody>
+      </p:sp>
+    </p:spTree>
+    <p:extLst>
+      <p:ext uri="{BB962C8B-B14F-4D97-AF65-F5344CB8AC3E}">
+        <p14:creationId xmlns:p14="http://schemas.microsoft.com/office/powerpoint/2010/main" val="1657805108"/>
+      </p:ext>
+    </p:extLst>
+  </p:cSld>
+  <p:clrMapOvr>
+    <a:masterClrMapping/>
+  </p:clrMapOvr>
+  <p:timing>
+    <p:tnLst>
+      <p:par>
+        <p:cTn xmlns:p14="http://schemas.microsoft.com/office/powerpoint/2010/main" id="1" dur="indefinite" restart="never" nodeType="tmRoot"/>
+      </p:par>
+    </p:tnLst>
+  </p:timing>
+</p:sld>
+</file>
+
+<file path=ppt/slides/slide3.xml><?xml version="1.0" encoding="utf-8"?>
+<p:sld xmlns:a="http://schemas.openxmlformats.org/drawingml/2006/main" xmlns:r="http://schemas.openxmlformats.org/officeDocument/2006/relationships" xmlns:p="http://schemas.openxmlformats.org/presentationml/2006/main">
+  <p:cSld>
+    <p:spTree>
+      <p:nvGrpSpPr>
+        <p:cNvPr id="1" name=""/>
+        <p:cNvGrpSpPr/>
+        <p:nvPr/>
+      </p:nvGrpSpPr>
+      <p:grpSpPr>
+        <a:xfrm>
+          <a:off x="0" y="0"/>
+          <a:ext cx="0" cy="0"/>
+          <a:chOff x="0" y="0"/>
+          <a:chExt cx="0" cy="0"/>
+        </a:xfrm>
+      </p:grpSpPr>
+      <p:sp>
+        <p:nvSpPr>
+          <p:cNvPr id="4098" name="Rectangle 16"/>
+          <p:cNvSpPr>
+            <a:spLocks noGrp="1" noChangeArrowheads="1"/>
+          </p:cNvSpPr>
+          <p:nvPr>
+            <p:ph type="title"/>
+          </p:nvPr>
+        </p:nvSpPr>
+        <p:spPr>
+          <a:xfrm>
+            <a:off x="4419600" y="125413"/>
+            <a:ext cx="4724400" cy="688975"/>
+          </a:xfrm>
+        </p:spPr>
+        <p:txBody>
+          <a:bodyPr/>
+          <a:lstStyle/>
+          <a:p>
+            <a:r>
+              <a:rPr lang="zh-CN" altLang="en-US" sz="4000" dirty="0" smtClean="0">
+                <a:solidFill>
+                  <a:srgbClr val="FF0000"/>
+                </a:solidFill>
+              </a:rPr>
+              <a:t>研究背景和意义</a:t>
+            </a:r>
+            <a:endParaRPr lang="en-US" altLang="en-US" sz="4000" dirty="0" smtClean="0">
+              <a:solidFill>
+                <a:srgbClr val="FF0000"/>
+              </a:solidFill>
+            </a:endParaRPr>
+          </a:p>
+        </p:txBody>
+      </p:sp>
+      <p:sp>
+        <p:nvSpPr>
+          <p:cNvPr id="4099" name="Rectangle 59"/>
+          <p:cNvSpPr>
+            <a:spLocks noGrp="1" noChangeArrowheads="1"/>
+          </p:cNvSpPr>
+          <p:nvPr>
+            <p:ph type="body" idx="1"/>
+          </p:nvPr>
+        </p:nvSpPr>
+        <p:spPr>
+          <a:xfrm>
+            <a:off x="431800" y="1423988"/>
+            <a:ext cx="8229600" cy="5065712"/>
+          </a:xfrm>
+        </p:spPr>
+        <p:txBody>
+          <a:bodyPr/>
+          <a:lstStyle/>
+          <a:p>
+            <a:pPr>
+              <a:defRPr/>
+            </a:pPr>
+            <a:r>
+              <a:rPr lang="zh-CN" altLang="en-US" b="1" dirty="0" smtClean="0"/>
+              <a:t>背景 </a:t>
+            </a:r>
+            <a:r>
+              <a:rPr lang="en-US" altLang="zh-CN" b="1" dirty="0" smtClean="0"/>
+              <a:t>– </a:t>
+            </a:r>
+            <a:r>
+              <a:rPr lang="zh-CN" altLang="en-US" b="1" dirty="0" smtClean="0"/>
+              <a:t>问题来源</a:t>
+            </a:r>
+            <a:endParaRPr lang="en-US" b="1" dirty="0"/>
+          </a:p>
+          <a:p>
+            <a:pPr lvl="1">
+              <a:defRPr/>
+            </a:pPr>
+            <a:r>
+              <a:rPr lang="zh-CN" altLang="en-US" dirty="0" smtClean="0"/>
+              <a:t>伴</a:t>
+            </a:r>
+            <a:r>
+              <a:rPr lang="zh-CN" altLang="en-US" dirty="0"/>
+              <a:t>随</a:t>
+            </a:r>
+            <a:r>
+              <a:rPr lang="zh-CN" altLang="en-US" dirty="0" smtClean="0"/>
+              <a:t>着计算机视觉领域的</a:t>
+            </a:r>
+            <a:r>
+              <a:rPr lang="zh-CN" altLang="en-US" dirty="0"/>
+              <a:t>发展 。</a:t>
+            </a:r>
+            <a:r>
+              <a:rPr lang="en-US" dirty="0"/>
+              <a:t>3D</a:t>
+            </a:r>
+            <a:r>
+              <a:rPr lang="zh-CN" altLang="en-US" dirty="0"/>
+              <a:t>计算机图形技术已</a:t>
+            </a:r>
+            <a:r>
+              <a:rPr lang="zh-CN" altLang="en-US" dirty="0" smtClean="0"/>
+              <a:t>经被广</a:t>
+            </a:r>
+            <a:r>
+              <a:rPr lang="zh-CN" altLang="en-US" dirty="0"/>
+              <a:t>泛的应用到各个领域</a:t>
+            </a:r>
+            <a:r>
+              <a:rPr lang="zh-CN" altLang="en-US" dirty="0" smtClean="0"/>
+              <a:t>；</a:t>
+            </a:r>
+            <a:endParaRPr lang="en-US" dirty="0"/>
+          </a:p>
+          <a:p>
+            <a:pPr lvl="1">
+              <a:defRPr/>
+            </a:pPr>
+            <a:r>
+              <a:rPr lang="zh-CN" altLang="en-US" dirty="0"/>
+              <a:t>三</a:t>
+            </a:r>
+            <a:r>
+              <a:rPr lang="zh-CN" altLang="en-US" dirty="0" smtClean="0"/>
+              <a:t>维模型和视频的</a:t>
+            </a:r>
+            <a:r>
+              <a:rPr lang="zh-CN" altLang="en-US" dirty="0"/>
+              <a:t>数量</a:t>
+            </a:r>
+            <a:r>
+              <a:rPr lang="zh-CN" altLang="en-US" dirty="0" smtClean="0"/>
+              <a:t>也快</a:t>
+            </a:r>
+            <a:r>
+              <a:rPr lang="zh-CN" altLang="en-US" dirty="0"/>
+              <a:t>速增长</a:t>
+            </a:r>
+            <a:r>
+              <a:rPr lang="zh-CN" altLang="en-US" dirty="0" smtClean="0"/>
+              <a:t>；</a:t>
+            </a:r>
+            <a:endParaRPr lang="en-US" dirty="0"/>
+          </a:p>
+          <a:p>
+            <a:pPr lvl="1">
+              <a:defRPr/>
+            </a:pPr>
+            <a:r>
+              <a:rPr lang="zh-CN" altLang="en-US" dirty="0"/>
+              <a:t>需要有一种高效率的方法和技术对它们进行定义和管</a:t>
+            </a:r>
+            <a:r>
+              <a:rPr lang="zh-CN" altLang="en-US" dirty="0" smtClean="0"/>
+              <a:t>理。</a:t>
+            </a:r>
+            <a:endParaRPr lang="en-US" altLang="zh-CN" dirty="0" smtClean="0"/>
+          </a:p>
+          <a:p>
+            <a:pPr>
+              <a:defRPr/>
+            </a:pPr>
+            <a:r>
+              <a:rPr lang="zh-CN" altLang="en-US" b="1" dirty="0" smtClean="0"/>
+              <a:t>解决问题</a:t>
+            </a:r>
+            <a:endParaRPr lang="en-US" b="1" dirty="0"/>
+          </a:p>
+          <a:p>
+            <a:pPr lvl="1">
+              <a:defRPr/>
+            </a:pPr>
+            <a:r>
+              <a:rPr lang="zh-CN" altLang="en-US" dirty="0" smtClean="0"/>
+              <a:t>上述问题引</a:t>
+            </a:r>
+            <a:r>
+              <a:rPr lang="zh-CN" altLang="en-US" dirty="0"/>
+              <a:t>发了对三维模型进行语义标注的想法</a:t>
+            </a:r>
+            <a:r>
+              <a:rPr lang="zh-CN" altLang="en-US" dirty="0" smtClean="0"/>
+              <a:t>；通过语义标注来优化三维模型的管理。</a:t>
+            </a:r>
+            <a:endParaRPr lang="en-US" dirty="0"/>
+          </a:p>
+          <a:p>
+            <a:pPr lvl="1">
+              <a:defRPr/>
+            </a:pPr>
+            <a:r>
+              <a:rPr lang="zh-CN" altLang="en-US" dirty="0" smtClean="0"/>
+              <a:t>通过自动语义标注方法来减少标注信息的工作量，实现面向大量三维模型的语义标注。</a:t>
+            </a:r>
+            <a:endParaRPr lang="en-US" dirty="0"/>
+          </a:p>
+          <a:p>
+            <a:pPr marL="628650" lvl="1" indent="0" eaLnBrk="1" hangingPunct="1">
+              <a:buFontTx/>
+              <a:buNone/>
+              <a:defRPr/>
+            </a:pPr>
+            <a:endParaRPr lang="en-US" altLang="zh-CN" dirty="0" smtClean="0"/>
+          </a:p>
+          <a:p>
+            <a:pPr marL="0" indent="0" eaLnBrk="1" hangingPunct="1">
+              <a:buFontTx/>
+              <a:buNone/>
+              <a:defRPr/>
+            </a:pPr>
+            <a:endParaRPr lang="zh-CN" altLang="zh-CN" dirty="0" smtClean="0"/>
+          </a:p>
+        </p:txBody>
+      </p:sp>
+    </p:spTree>
+  </p:cSld>
+  <p:clrMapOvr>
+    <a:masterClrMapping/>
+  </p:clrMapOvr>
+  <p:timing>
+    <p:tnLst>
+      <p:par>
+        <p:cTn xmlns:p14="http://schemas.microsoft.com/office/powerpoint/2010/main" id="1" dur="indefinite" restart="never" nodeType="tmRoot">
+          <p:childTnLst>
+            <p:seq concurrent="1" nextAc="seek">
+              <p:cTn id="2" dur="indefinite" nodeType="mainSeq">
+                <p:childTnLst>
+                  <p:par>
+                    <p:cTn id="3" fill="hold">
+                      <p:stCondLst>
+                        <p:cond delay="indefinite"/>
+                      </p:stCondLst>
+                      <p:childTnLst>
+                        <p:par>
+                          <p:cTn id="4" fill="hold">
+                            <p:stCondLst>
+                              <p:cond delay="0"/>
+                            </p:stCondLst>
+                            <p:childTnLst>
+                              <p:par>
+                                <p:cTn id="5" presetID="1" presetClass="entr" presetSubtype="0" fill="hold" nodeType="clickEffect">
+                                  <p:stCondLst>
+                                    <p:cond delay="0"/>
+                                  </p:stCondLst>
+                                  <p:childTnLst>
+                                    <p:set>
+                                      <p:cBhvr>
+                                        <p:cTn id="6" dur="1" fill="hold">
+                                          <p:stCondLst>
+                                            <p:cond delay="0"/>
+                                          </p:stCondLst>
+                                        </p:cTn>
+                                        <p:tgtEl>
+                                          <p:spTgt spid="4099">
+                                            <p:txEl>
+                                              <p:pRg st="1" end="1"/>
                                             </p:txEl>
                                           </p:spTgt>
                                         </p:tgtEl>
@@ -10949,7 +12115,105 @@
                                         <p:tgtEl>
                                           <p:spTgt spid="4099">
                                             <p:txEl>
-                                              <p:pRg st="4" end="4"/>
+                                              <p:pRg st="3" end="3"/>
+                                            </p:txEl>
+                                          </p:spTgt>
+                                        </p:tgtEl>
+                                        <p:attrNameLst>
+                                          <p:attrName>style.visibility</p:attrName>
+                                        </p:attrNameLst>
+                                      </p:cBhvr>
+                                      <p:to>
+                                        <p:strVal val="visible"/>
+                                      </p:to>
+                                    </p:set>
+                                  </p:childTnLst>
+                                </p:cTn>
+                              </p:par>
+                            </p:childTnLst>
+                          </p:cTn>
+                        </p:par>
+                      </p:childTnLst>
+                    </p:cTn>
+                  </p:par>
+                  <p:par>
+                    <p:cTn id="15" fill="hold">
+                      <p:stCondLst>
+                        <p:cond delay="indefinite"/>
+                      </p:stCondLst>
+                      <p:childTnLst>
+                        <p:par>
+                          <p:cTn id="16" fill="hold">
+                            <p:stCondLst>
+                              <p:cond delay="0"/>
+                            </p:stCondLst>
+                            <p:childTnLst>
+                              <p:par>
+                                <p:cTn id="17" presetID="1" presetClass="entr" presetSubtype="0" fill="hold" nodeType="clickEffect">
+                                  <p:stCondLst>
+                                    <p:cond delay="0"/>
+                                  </p:stCondLst>
+                                  <p:childTnLst>
+                                    <p:set>
+                                      <p:cBhvr>
+                                        <p:cTn id="18" dur="1" fill="hold">
+                                          <p:stCondLst>
+                                            <p:cond delay="0"/>
+                                          </p:stCondLst>
+                                        </p:cTn>
+                                        <p:tgtEl>
+                                          <p:spTgt spid="4099">
+                                            <p:txEl>
+                                              <p:pRg st="5" end="5"/>
+                                            </p:txEl>
+                                          </p:spTgt>
+                                        </p:tgtEl>
+                                        <p:attrNameLst>
+                                          <p:attrName>style.visibility</p:attrName>
+                                        </p:attrNameLst>
+                                      </p:cBhvr>
+                                      <p:to>
+                                        <p:strVal val="visible"/>
+                                      </p:to>
+                                    </p:set>
+                                  </p:childTnLst>
+                                </p:cTn>
+                              </p:par>
+                            </p:childTnLst>
+                          </p:cTn>
+                        </p:par>
+                      </p:childTnLst>
+                    </p:cTn>
+                  </p:par>
+                  <p:par>
+                    <p:cTn id="19" fill="hold">
+                      <p:stCondLst>
+                        <p:cond delay="indefinite"/>
+                      </p:stCondLst>
+                      <p:childTnLst>
+                        <p:par>
+                          <p:cTn id="20" fill="hold">
+                            <p:stCondLst>
+                              <p:cond delay="0"/>
+                            </p:stCondLst>
+                            <p:childTnLst>
+                              <p:par>
+                                <p:cTn id="21" presetID="1" presetClass="entr" presetSubtype="0" fill="hold" nodeType="clickEffect">
+                                  <p:stCondLst>
+                                    <p:cond delay="0"/>
+                                  </p:stCondLst>
+                                  <p:childTnLst>
+                                    <p:set>
+                                      <p:cBhvr>
+                                        <p:cTn id="22" dur="1" fill="hold">
+                                          <p:stCondLst>
+                                            <p:cond delay="0"/>
+                                          </p:stCondLst>
+                                        </p:cTn>
+                                        <p:tgtEl>
+                                          <p:spTgt spid="4099">
+                                            <p:txEl>
+                                              <p:pRg st="6" end="6"/>
                                             </p:txEl>
                                           </p:spTgt>
                                         </p:tgtEl>
@@ -10995,449 +12259,6 @@
 </p:sld>
 </file>
 
-<file path=ppt/slides/slide15.xml><?xml version="1.0" encoding="utf-8"?>
-<p:sld xmlns:a="http://schemas.openxmlformats.org/drawingml/2006/main" xmlns:r="http://schemas.openxmlformats.org/officeDocument/2006/relationships" xmlns:p="http://schemas.openxmlformats.org/presentationml/2006/main">
-  <p:cSld>
-    <p:spTree>
-      <p:nvGrpSpPr>
-        <p:cNvPr id="1" name=""/>
-        <p:cNvGrpSpPr/>
-        <p:nvPr/>
-      </p:nvGrpSpPr>
-      <p:grpSpPr>
-        <a:xfrm>
-          <a:off x="0" y="0"/>
-          <a:ext cx="0" cy="0"/>
-          <a:chOff x="0" y="0"/>
-          <a:chExt cx="0" cy="0"/>
-        </a:xfrm>
-      </p:grpSpPr>
-      <p:sp>
-        <p:nvSpPr>
-          <p:cNvPr id="13314" name="Rectangle 2"/>
-          <p:cNvSpPr>
-            <a:spLocks noGrp="1" noChangeArrowheads="1"/>
-          </p:cNvSpPr>
-          <p:nvPr>
-            <p:ph type="ctrTitle"/>
-          </p:nvPr>
-        </p:nvSpPr>
-        <p:spPr>
-          <a:xfrm>
-            <a:off x="685800" y="2209800"/>
-            <a:ext cx="7772400" cy="1470025"/>
-          </a:xfrm>
-        </p:spPr>
-        <p:txBody>
-          <a:bodyPr/>
-          <a:lstStyle/>
-          <a:p>
-            <a:pPr eaLnBrk="1" hangingPunct="1"/>
-            <a:r>
-              <a:rPr lang="zh-CN" altLang="en-US" smtClean="0"/>
-              <a:t>谢	谢！</a:t>
-            </a:r>
-          </a:p>
-        </p:txBody>
-      </p:sp>
-    </p:spTree>
-  </p:cSld>
-  <p:clrMapOvr>
-    <a:masterClrMapping/>
-  </p:clrMapOvr>
-  <p:timing>
-    <p:tnLst>
-      <p:par>
-        <p:cTn id="1" dur="indefinite" restart="never" nodeType="tmRoot"/>
-      </p:par>
-    </p:tnLst>
-  </p:timing>
-</p:sld>
-</file>
-
-<file path=ppt/slides/slide2.xml><?xml version="1.0" encoding="utf-8"?>
-<p:sld xmlns:a="http://schemas.openxmlformats.org/drawingml/2006/main" xmlns:r="http://schemas.openxmlformats.org/officeDocument/2006/relationships" xmlns:p="http://schemas.openxmlformats.org/presentationml/2006/main">
-  <p:cSld>
-    <p:spTree>
-      <p:nvGrpSpPr>
-        <p:cNvPr id="1" name=""/>
-        <p:cNvGrpSpPr/>
-        <p:nvPr/>
-      </p:nvGrpSpPr>
-      <p:grpSpPr>
-        <a:xfrm>
-          <a:off x="0" y="0"/>
-          <a:ext cx="0" cy="0"/>
-          <a:chOff x="0" y="0"/>
-          <a:chExt cx="0" cy="0"/>
-        </a:xfrm>
-      </p:grpSpPr>
-      <p:sp>
-        <p:nvSpPr>
-          <p:cNvPr id="2" name="Title 1"/>
-          <p:cNvSpPr>
-            <a:spLocks noGrp="1"/>
-          </p:cNvSpPr>
-          <p:nvPr>
-            <p:ph type="title"/>
-          </p:nvPr>
-        </p:nvSpPr>
-        <p:spPr/>
-        <p:txBody>
-          <a:bodyPr/>
-          <a:lstStyle/>
-          <a:p>
-            <a:r>
-              <a:rPr lang="zh-CN" altLang="en-US" dirty="0" smtClean="0"/>
-              <a:t>目录</a:t>
-            </a:r>
-            <a:endParaRPr lang="en-US" dirty="0"/>
-          </a:p>
-        </p:txBody>
-      </p:sp>
-      <p:sp>
-        <p:nvSpPr>
-          <p:cNvPr id="3" name="Content Placeholder 2"/>
-          <p:cNvSpPr>
-            <a:spLocks noGrp="1"/>
-          </p:cNvSpPr>
-          <p:nvPr>
-            <p:ph idx="1"/>
-          </p:nvPr>
-        </p:nvSpPr>
-        <p:spPr/>
-        <p:txBody>
-          <a:bodyPr/>
-          <a:lstStyle/>
-          <a:p>
-            <a:r>
-              <a:rPr lang="zh-CN" altLang="en-US" dirty="0" smtClean="0"/>
-              <a:t>研究背景 </a:t>
-            </a:r>
-            <a:r>
-              <a:rPr lang="en-US" altLang="zh-CN" dirty="0" smtClean="0"/>
-              <a:t>– </a:t>
-            </a:r>
-            <a:r>
-              <a:rPr lang="zh-CN" altLang="en-US" dirty="0" smtClean="0"/>
-              <a:t>问题来源</a:t>
-            </a:r>
-            <a:endParaRPr lang="en-US" altLang="zh-CN" dirty="0" smtClean="0"/>
-          </a:p>
-          <a:p>
-            <a:r>
-              <a:rPr lang="zh-CN" altLang="en-US" dirty="0" smtClean="0"/>
-              <a:t>工作进度</a:t>
-            </a:r>
-            <a:endParaRPr lang="en-US" altLang="zh-CN" dirty="0" smtClean="0"/>
-          </a:p>
-          <a:p>
-            <a:r>
-              <a:rPr lang="zh-CN" altLang="en-US" dirty="0"/>
-              <a:t>实</a:t>
-            </a:r>
-            <a:r>
-              <a:rPr lang="zh-CN" altLang="en-US" dirty="0" smtClean="0"/>
-              <a:t>验结果</a:t>
-            </a:r>
-            <a:endParaRPr lang="en-US" altLang="zh-CN" dirty="0" smtClean="0"/>
-          </a:p>
-          <a:p>
-            <a:r>
-              <a:rPr lang="zh-CN" altLang="en-US" dirty="0"/>
-              <a:t>系</a:t>
-            </a:r>
-            <a:r>
-              <a:rPr lang="zh-CN" altLang="en-US" dirty="0" smtClean="0"/>
-              <a:t>统演示</a:t>
-            </a:r>
-            <a:endParaRPr lang="en-US" altLang="zh-CN" dirty="0" smtClean="0"/>
-          </a:p>
-          <a:p>
-            <a:r>
-              <a:rPr lang="zh-CN" altLang="en-US" dirty="0"/>
-              <a:t>结论</a:t>
-            </a:r>
-            <a:endParaRPr lang="en-US" altLang="zh-CN" dirty="0" smtClean="0"/>
-          </a:p>
-          <a:p>
-            <a:pPr marL="0" indent="0">
-              <a:buNone/>
-            </a:pPr>
-            <a:endParaRPr lang="en-US" altLang="zh-CN" dirty="0" smtClean="0"/>
-          </a:p>
-          <a:p>
-            <a:endParaRPr lang="en-US" dirty="0"/>
-          </a:p>
-        </p:txBody>
-      </p:sp>
-    </p:spTree>
-    <p:extLst>
-      <p:ext uri="{BB962C8B-B14F-4D97-AF65-F5344CB8AC3E}">
-        <p14:creationId xmlns:p14="http://schemas.microsoft.com/office/powerpoint/2010/main" val="1657805108"/>
-      </p:ext>
-    </p:extLst>
-  </p:cSld>
-  <p:clrMapOvr>
-    <a:masterClrMapping/>
-  </p:clrMapOvr>
-  <p:timing>
-    <p:tnLst>
-      <p:par>
-        <p:cTn id="1" dur="indefinite" restart="never" nodeType="tmRoot"/>
-      </p:par>
-    </p:tnLst>
-  </p:timing>
-</p:sld>
-</file>
-
-<file path=ppt/slides/slide3.xml><?xml version="1.0" encoding="utf-8"?>
-<p:sld xmlns:a="http://schemas.openxmlformats.org/drawingml/2006/main" xmlns:r="http://schemas.openxmlformats.org/officeDocument/2006/relationships" xmlns:p="http://schemas.openxmlformats.org/presentationml/2006/main">
-  <p:cSld>
-    <p:spTree>
-      <p:nvGrpSpPr>
-        <p:cNvPr id="1" name=""/>
-        <p:cNvGrpSpPr/>
-        <p:nvPr/>
-      </p:nvGrpSpPr>
-      <p:grpSpPr>
-        <a:xfrm>
-          <a:off x="0" y="0"/>
-          <a:ext cx="0" cy="0"/>
-          <a:chOff x="0" y="0"/>
-          <a:chExt cx="0" cy="0"/>
-        </a:xfrm>
-      </p:grpSpPr>
-      <p:sp>
-        <p:nvSpPr>
-          <p:cNvPr id="4098" name="Rectangle 16"/>
-          <p:cNvSpPr>
-            <a:spLocks noGrp="1" noChangeArrowheads="1"/>
-          </p:cNvSpPr>
-          <p:nvPr>
-            <p:ph type="title"/>
-          </p:nvPr>
-        </p:nvSpPr>
-        <p:spPr>
-          <a:xfrm>
-            <a:off x="4419600" y="125413"/>
-            <a:ext cx="4724400" cy="688975"/>
-          </a:xfrm>
-        </p:spPr>
-        <p:txBody>
-          <a:bodyPr/>
-          <a:lstStyle/>
-          <a:p>
-            <a:r>
-              <a:rPr lang="zh-CN" altLang="en-US" sz="4000" smtClean="0">
-                <a:solidFill>
-                  <a:srgbClr val="FF0000"/>
-                </a:solidFill>
-              </a:rPr>
-              <a:t>研究背景和意义</a:t>
-            </a:r>
-            <a:endParaRPr lang="en-US" altLang="en-US" sz="4000" smtClean="0">
-              <a:solidFill>
-                <a:srgbClr val="FF0000"/>
-              </a:solidFill>
-            </a:endParaRPr>
-          </a:p>
-        </p:txBody>
-      </p:sp>
-      <p:sp>
-        <p:nvSpPr>
-          <p:cNvPr id="4099" name="Rectangle 59"/>
-          <p:cNvSpPr>
-            <a:spLocks noGrp="1" noChangeArrowheads="1"/>
-          </p:cNvSpPr>
-          <p:nvPr>
-            <p:ph type="body" idx="1"/>
-          </p:nvPr>
-        </p:nvSpPr>
-        <p:spPr>
-          <a:xfrm>
-            <a:off x="431800" y="1423988"/>
-            <a:ext cx="8229600" cy="5065712"/>
-          </a:xfrm>
-        </p:spPr>
-        <p:txBody>
-          <a:bodyPr/>
-          <a:lstStyle/>
-          <a:p>
-            <a:pPr>
-              <a:defRPr/>
-            </a:pPr>
-            <a:r>
-              <a:rPr lang="zh-CN" altLang="en-US" b="1" dirty="0" smtClean="0"/>
-              <a:t>背景 </a:t>
-            </a:r>
-            <a:r>
-              <a:rPr lang="en-US" altLang="zh-CN" b="1" dirty="0" smtClean="0"/>
-              <a:t>– </a:t>
-            </a:r>
-            <a:r>
-              <a:rPr lang="zh-CN" altLang="en-US" b="1" dirty="0" smtClean="0"/>
-              <a:t>问题来源</a:t>
-            </a:r>
-            <a:endParaRPr lang="en-US" b="1" dirty="0"/>
-          </a:p>
-          <a:p>
-            <a:pPr lvl="1">
-              <a:defRPr/>
-            </a:pPr>
-            <a:r>
-              <a:rPr lang="zh-CN" altLang="en-US" dirty="0" smtClean="0"/>
-              <a:t>伴</a:t>
-            </a:r>
-            <a:r>
-              <a:rPr lang="zh-CN" altLang="en-US" dirty="0"/>
-              <a:t>随</a:t>
-            </a:r>
-            <a:r>
-              <a:rPr lang="zh-CN" altLang="en-US" dirty="0" smtClean="0"/>
-              <a:t>着计算机视觉领域的</a:t>
-            </a:r>
-            <a:r>
-              <a:rPr lang="zh-CN" altLang="en-US" dirty="0"/>
-              <a:t>发展 。</a:t>
-            </a:r>
-            <a:r>
-              <a:rPr lang="en-US" dirty="0"/>
-              <a:t>3D</a:t>
-            </a:r>
-            <a:r>
-              <a:rPr lang="zh-CN" altLang="en-US" dirty="0"/>
-              <a:t>计算机图形技术已</a:t>
-            </a:r>
-            <a:r>
-              <a:rPr lang="zh-CN" altLang="en-US" dirty="0" smtClean="0"/>
-              <a:t>经被广</a:t>
-            </a:r>
-            <a:r>
-              <a:rPr lang="zh-CN" altLang="en-US" dirty="0"/>
-              <a:t>泛的应用到各个领域</a:t>
-            </a:r>
-            <a:r>
-              <a:rPr lang="zh-CN" altLang="en-US" dirty="0" smtClean="0"/>
-              <a:t>；</a:t>
-            </a:r>
-            <a:endParaRPr lang="en-US" dirty="0"/>
-          </a:p>
-          <a:p>
-            <a:pPr lvl="1">
-              <a:defRPr/>
-            </a:pPr>
-            <a:r>
-              <a:rPr lang="zh-CN" altLang="en-US" dirty="0"/>
-              <a:t>三</a:t>
-            </a:r>
-            <a:r>
-              <a:rPr lang="zh-CN" altLang="en-US" dirty="0" smtClean="0"/>
-              <a:t>维模型和视频的</a:t>
-            </a:r>
-            <a:r>
-              <a:rPr lang="zh-CN" altLang="en-US" dirty="0"/>
-              <a:t>数量</a:t>
-            </a:r>
-            <a:r>
-              <a:rPr lang="zh-CN" altLang="en-US" dirty="0" smtClean="0"/>
-              <a:t>也快</a:t>
-            </a:r>
-            <a:r>
-              <a:rPr lang="zh-CN" altLang="en-US" dirty="0"/>
-              <a:t>速增长</a:t>
-            </a:r>
-            <a:r>
-              <a:rPr lang="zh-CN" altLang="en-US" dirty="0" smtClean="0"/>
-              <a:t>；</a:t>
-            </a:r>
-            <a:endParaRPr lang="en-US" dirty="0"/>
-          </a:p>
-          <a:p>
-            <a:pPr lvl="1">
-              <a:defRPr/>
-            </a:pPr>
-            <a:r>
-              <a:rPr lang="zh-CN" altLang="en-US" dirty="0"/>
-              <a:t>需要有一种高效率的方法和技术对它们进行定义和管</a:t>
-            </a:r>
-            <a:r>
-              <a:rPr lang="zh-CN" altLang="en-US" dirty="0" smtClean="0"/>
-              <a:t>理。</a:t>
-            </a:r>
-            <a:endParaRPr lang="en-US" altLang="zh-CN" dirty="0" smtClean="0"/>
-          </a:p>
-          <a:p>
-            <a:pPr>
-              <a:defRPr/>
-            </a:pPr>
-            <a:r>
-              <a:rPr lang="zh-CN" altLang="en-US" b="1" dirty="0" smtClean="0"/>
-              <a:t>解决问题</a:t>
-            </a:r>
-            <a:endParaRPr lang="en-US" b="1" dirty="0"/>
-          </a:p>
-          <a:p>
-            <a:pPr lvl="1">
-              <a:defRPr/>
-            </a:pPr>
-            <a:r>
-              <a:rPr lang="zh-CN" altLang="en-US" dirty="0" smtClean="0"/>
-              <a:t>上述问题引</a:t>
-            </a:r>
-            <a:r>
-              <a:rPr lang="zh-CN" altLang="en-US" dirty="0"/>
-              <a:t>发了对三维模型进行语义标注的想法</a:t>
-            </a:r>
-            <a:r>
-              <a:rPr lang="zh-CN" altLang="en-US" dirty="0" smtClean="0"/>
-              <a:t>；通过语义标注来优化三维模型的管理。</a:t>
-            </a:r>
-            <a:endParaRPr lang="en-US" dirty="0"/>
-          </a:p>
-          <a:p>
-            <a:pPr lvl="1">
-              <a:defRPr/>
-            </a:pPr>
-            <a:r>
-              <a:rPr lang="zh-CN" altLang="en-US" dirty="0" smtClean="0"/>
-              <a:t>通过自动语义标注方法来减少标注信息的工作量，实现面向大量三维模型的语义标注。</a:t>
-            </a:r>
-            <a:endParaRPr lang="en-US" dirty="0"/>
-          </a:p>
-          <a:p>
-            <a:pPr marL="628650" lvl="1" indent="0" eaLnBrk="1" hangingPunct="1">
-              <a:buFontTx/>
-              <a:buNone/>
-              <a:defRPr/>
-            </a:pPr>
-            <a:endParaRPr lang="en-US" altLang="zh-CN" dirty="0" smtClean="0"/>
-          </a:p>
-          <a:p>
-            <a:pPr marL="0" indent="0" eaLnBrk="1" hangingPunct="1">
-              <a:buFontTx/>
-              <a:buNone/>
-              <a:defRPr/>
-            </a:pPr>
-            <a:endParaRPr lang="zh-CN" altLang="zh-CN" dirty="0" smtClean="0"/>
-          </a:p>
-        </p:txBody>
-      </p:sp>
-    </p:spTree>
-  </p:cSld>
-  <p:clrMapOvr>
-    <a:masterClrMapping/>
-  </p:clrMapOvr>
-  <p:timing>
-    <p:tnLst>
-      <p:par>
-        <p:cTn id="1" dur="indefinite" restart="never" nodeType="tmRoot"/>
-      </p:par>
-    </p:tnLst>
-  </p:timing>
-</p:sld>
-</file>
-
 <file path=ppt/slides/slide4.xml><?xml version="1.0" encoding="utf-8"?>
 <p:sld xmlns:a="http://schemas.openxmlformats.org/drawingml/2006/main" xmlns:r="http://schemas.openxmlformats.org/officeDocument/2006/relationships" xmlns:p="http://schemas.openxmlformats.org/presentationml/2006/main" show="0">
   <p:cSld>
@@ -11579,18 +12400,18 @@
   <p:clrMapOvr>
     <a:masterClrMapping/>
   </p:clrMapOvr>
-  <mc:AlternateContent xmlns:mc="http://schemas.openxmlformats.org/markup-compatibility/2006" xmlns:p14="http://schemas.microsoft.com/office/powerpoint/2010/main">
-    <mc:Choice Requires="p14">
+  <mc:AlternateContent xmlns:mc="http://schemas.openxmlformats.org/markup-compatibility/2006">
+    <mc:Choice xmlns:p14="http://schemas.microsoft.com/office/powerpoint/2010/main" Requires="p14">
       <p:transition spd="slow" p14:dur="2000"/>
     </mc:Choice>
-    <mc:Fallback xmlns="">
-      <p:transition spd="slow"/>
+    <mc:Fallback>
+      <p:transition xmlns:p14="http://schemas.microsoft.com/office/powerpoint/2010/main" spd="slow"/>
     </mc:Fallback>
   </mc:AlternateContent>
   <p:timing>
     <p:tnLst>
       <p:par>
-        <p:cTn id="1" dur="indefinite" restart="never" nodeType="tmRoot"/>
+        <p:cTn xmlns:p14="http://schemas.microsoft.com/office/powerpoint/2010/main" id="1" dur="indefinite" restart="never" nodeType="tmRoot"/>
       </p:par>
     </p:tnLst>
   </p:timing>
@@ -11846,16 +12667,16 @@
           </p:spPr>
           <p:style>
             <a:lnRef idx="1">
-              <a:schemeClr val="dk1"/>
+              <a:schemeClr val="accent6"/>
             </a:lnRef>
-            <a:fillRef idx="2">
-              <a:schemeClr val="dk1"/>
+            <a:fillRef idx="3">
+              <a:schemeClr val="accent6"/>
             </a:fillRef>
-            <a:effectRef idx="1">
-              <a:schemeClr val="dk1"/>
+            <a:effectRef idx="2">
+              <a:schemeClr val="accent6"/>
             </a:effectRef>
             <a:fontRef idx="minor">
-              <a:schemeClr val="dk1"/>
+              <a:schemeClr val="lt1"/>
             </a:fontRef>
           </p:style>
           <p:txBody>
@@ -11918,16 +12739,16 @@
           </p:spPr>
           <p:style>
             <a:lnRef idx="1">
-              <a:schemeClr val="dk1"/>
+              <a:schemeClr val="accent6"/>
             </a:lnRef>
-            <a:fillRef idx="2">
-              <a:schemeClr val="dk1"/>
+            <a:fillRef idx="3">
+              <a:schemeClr val="accent6"/>
             </a:fillRef>
-            <a:effectRef idx="1">
-              <a:schemeClr val="dk1"/>
+            <a:effectRef idx="2">
+              <a:schemeClr val="accent6"/>
             </a:effectRef>
             <a:fontRef idx="minor">
-              <a:schemeClr val="dk1"/>
+              <a:schemeClr val="lt1"/>
             </a:fontRef>
           </p:style>
           <p:txBody>
@@ -11978,7 +12799,7 @@
   <p:timing>
     <p:tnLst>
       <p:par>
-        <p:cTn id="1" dur="indefinite" restart="never" nodeType="tmRoot">
+        <p:cTn xmlns:p14="http://schemas.microsoft.com/office/powerpoint/2010/main" id="1" dur="indefinite" restart="never" nodeType="tmRoot">
           <p:childTnLst>
             <p:seq concurrent="1" nextAc="seek">
               <p:cTn id="2" dur="indefinite" nodeType="mainSeq">
@@ -12296,7 +13117,7 @@
         </p:nvGrpSpPr>
         <p:grpSpPr>
           <a:xfrm>
-            <a:off x="2680547" y="1566348"/>
+            <a:off x="2680547" y="1604155"/>
             <a:ext cx="3720253" cy="1824845"/>
             <a:chOff x="2680547" y="1828800"/>
             <a:chExt cx="3827490" cy="2245372"/>
@@ -12402,25 +13223,51 @@
         </p:blipFill>
         <p:spPr bwMode="auto">
           <a:xfrm>
-            <a:off x="742669" y="4267200"/>
+            <a:off x="742669" y="4343400"/>
             <a:ext cx="4591331" cy="2385400"/>
           </a:xfrm>
           <a:prstGeom prst="rect">
             <a:avLst/>
           </a:prstGeom>
-          <a:noFill/>
-          <a:ln>
-            <a:noFill/>
+          <a:solidFill>
+            <a:srgbClr val="FFFFFF">
+              <a:shade val="85000"/>
+            </a:srgbClr>
+          </a:solidFill>
+          <a:ln w="88900" cap="sq">
+            <a:solidFill>
+              <a:srgbClr val="FFFFFF"/>
+            </a:solidFill>
+            <a:miter lim="800000"/>
           </a:ln>
+          <a:effectLst>
+            <a:outerShdw blurRad="55000" dist="18000" dir="5400000" algn="tl" rotWithShape="0">
+              <a:srgbClr val="000000">
+                <a:alpha val="40000"/>
+              </a:srgbClr>
+            </a:outerShdw>
+          </a:effectLst>
+          <a:scene3d>
+            <a:camera prst="orthographicFront"/>
+            <a:lightRig rig="twoPt" dir="t">
+              <a:rot lat="0" lon="0" rev="7200000"/>
+            </a:lightRig>
+          </a:scene3d>
+          <a:sp3d>
+            <a:bevelT w="25400" h="19050"/>
+            <a:contourClr>
+              <a:srgbClr val="FFFFFF"/>
+            </a:contourClr>
+          </a:sp3d>
           <a:extLst>
-            <a:ext uri="{909E8E84-426E-40DD-AFC4-6F175D3DCCD1}">
+            <a:ext uri="{909E8E84-426E-40dd-AFC4-6F175D3DCCD1}">
               <a14:hiddenFill xmlns:a14="http://schemas.microsoft.com/office/drawing/2010/main">
                 <a:solidFill>
                   <a:schemeClr val="accent1"/>
                 </a:solidFill>
               </a14:hiddenFill>
             </a:ext>
-            <a:ext uri="{91240B29-F687-4F45-9708-019B960494DF}">
+            <a:ext uri="{91240B29-F687-4f45-9708-019B960494DF}">
               <a14:hiddenLine xmlns:a14="http://schemas.microsoft.com/office/drawing/2010/main" w="28575" cap="flat" cmpd="sng" algn="ctr">
                 <a:solidFill>
                   <a:schemeClr val="tx1"/>
@@ -12442,7 +13289,218 @@
   <p:timing>
     <p:tnLst>
       <p:par>
-        <p:cTn id="1" dur="indefinite" restart="never" nodeType="tmRoot"/>
+        <p:cTn xmlns:p14="http://schemas.microsoft.com/office/powerpoint/2010/main" id="1" dur="indefinite" restart="never" nodeType="tmRoot">
+          <p:childTnLst>
+            <p:seq concurrent="1" nextAc="seek">
+              <p:cTn id="2" dur="indefinite" nodeType="mainSeq">
+                <p:childTnLst>
+                  <p:par>
+                    <p:cTn id="3" fill="hold">
+                      <p:stCondLst>
+                        <p:cond delay="indefinite"/>
+                      </p:stCondLst>
+                      <p:childTnLst>
+                        <p:par>
+                          <p:cTn id="4" fill="hold">
+                            <p:stCondLst>
+                              <p:cond delay="0"/>
+                            </p:stCondLst>
+                            <p:childTnLst>
+                              <p:par>
+                                <p:cTn id="5" presetID="1" presetClass="entr" presetSubtype="0" fill="hold" nodeType="clickEffect">
+                                  <p:stCondLst>
+                                    <p:cond delay="0"/>
+                                  </p:stCondLst>
+                                  <p:childTnLst>
+                                    <p:set>
+                                      <p:cBhvr>
+                                        <p:cTn id="6" dur="1" fill="hold">
+                                          <p:stCondLst>
+                                            <p:cond delay="0"/>
+                                          </p:stCondLst>
+                                        </p:cTn>
+                                        <p:tgtEl>
+                                          <p:spTgt spid="10243">
+                                            <p:txEl>
+                                              <p:pRg st="0" end="0"/>
+                                            </p:txEl>
+                                          </p:spTgt>
+                                        </p:tgtEl>
+                                        <p:attrNameLst>
+                                          <p:attrName>style.visibility</p:attrName>
+                                        </p:attrNameLst>
+                                      </p:cBhvr>
+                                      <p:to>
+                                        <p:strVal val="visible"/>
+                                      </p:to>
+                                    </p:set>
+                                  </p:childTnLst>
+                                </p:cTn>
+                              </p:par>
+                            </p:childTnLst>
+                          </p:cTn>
+                        </p:par>
+                      </p:childTnLst>
+                    </p:cTn>
+                  </p:par>
+                  <p:par>
+                    <p:cTn id="7" fill="hold">
+                      <p:stCondLst>
+                        <p:cond delay="indefinite"/>
+                      </p:stCondLst>
+                      <p:childTnLst>
+                        <p:par>
+                          <p:cTn id="8" fill="hold">
+                            <p:stCondLst>
+                              <p:cond delay="0"/>
+                            </p:stCondLst>
+                            <p:childTnLst>
+                              <p:par>
+                                <p:cTn id="9" presetID="1" presetClass="entr" presetSubtype="0" fill="hold" nodeType="clickEffect">
+                                  <p:stCondLst>
+                                    <p:cond delay="0"/>
+                                  </p:stCondLst>
+                                  <p:childTnLst>
+                                    <p:set>
+                                      <p:cBhvr>
+                                        <p:cTn id="10" dur="1" fill="hold">
+                                          <p:stCondLst>
+                                            <p:cond delay="0"/>
+                                          </p:stCondLst>
+                                        </p:cTn>
+                                        <p:tgtEl>
+                                          <p:spTgt spid="3"/>
+                                        </p:tgtEl>
+                                        <p:attrNameLst>
+                                          <p:attrName>style.visibility</p:attrName>
+                                        </p:attrNameLst>
+                                      </p:cBhvr>
+                                      <p:to>
+                                        <p:strVal val="visible"/>
+                                      </p:to>
+                                    </p:set>
+                                  </p:childTnLst>
+                                </p:cTn>
+                              </p:par>
+                            </p:childTnLst>
+                          </p:cTn>
+                        </p:par>
+                      </p:childTnLst>
+                    </p:cTn>
+                  </p:par>
+                  <p:par>
+                    <p:cTn id="11" fill="hold">
+                      <p:stCondLst>
+                        <p:cond delay="indefinite"/>
+                      </p:stCondLst>
+                      <p:childTnLst>
+                        <p:par>
+                          <p:cTn id="12" fill="hold">
+                            <p:stCondLst>
+                              <p:cond delay="0"/>
+                            </p:stCondLst>
+                            <p:childTnLst>
+                              <p:par>
+                                <p:cTn id="13" presetID="1" presetClass="entr" presetSubtype="0" fill="hold" nodeType="clickEffect">
+                                  <p:stCondLst>
+                                    <p:cond delay="0"/>
+                                  </p:stCondLst>
+                                  <p:childTnLst>
+                                    <p:set>
+                                      <p:cBhvr>
+                                        <p:cTn id="14" dur="1" fill="hold">
+                                          <p:stCondLst>
+                                            <p:cond delay="0"/>
+                                          </p:stCondLst>
+                                        </p:cTn>
+                                        <p:tgtEl>
+                                          <p:spTgt spid="10243">
+                                            <p:txEl>
+                                              <p:pRg st="4" end="4"/>
+                                            </p:txEl>
+                                          </p:spTgt>
+                                        </p:tgtEl>
+                                        <p:attrNameLst>
+                                          <p:attrName>style.visibility</p:attrName>
+                                        </p:attrNameLst>
+                                      </p:cBhvr>
+                                      <p:to>
+                                        <p:strVal val="visible"/>
+                                      </p:to>
+                                    </p:set>
+                                  </p:childTnLst>
+                                </p:cTn>
+                              </p:par>
+                            </p:childTnLst>
+                          </p:cTn>
+                        </p:par>
+                      </p:childTnLst>
+                    </p:cTn>
+                  </p:par>
+                  <p:par>
+                    <p:cTn id="15" fill="hold">
+                      <p:stCondLst>
+                        <p:cond delay="indefinite"/>
+                      </p:stCondLst>
+                      <p:childTnLst>
+                        <p:par>
+                          <p:cTn id="16" fill="hold">
+                            <p:stCondLst>
+                              <p:cond delay="0"/>
+                            </p:stCondLst>
+                            <p:childTnLst>
+                              <p:par>
+                                <p:cTn id="17" presetID="1" presetClass="entr" presetSubtype="0" fill="hold" nodeType="clickEffect">
+                                  <p:stCondLst>
+                                    <p:cond delay="0"/>
+                                  </p:stCondLst>
+                                  <p:childTnLst>
+                                    <p:set>
+                                      <p:cBhvr>
+                                        <p:cTn id="18" dur="1" fill="hold">
+                                          <p:stCondLst>
+                                            <p:cond delay="0"/>
+                                          </p:stCondLst>
+                                        </p:cTn>
+                                        <p:tgtEl>
+                                          <p:spTgt spid="10244"/>
+                                        </p:tgtEl>
+                                        <p:attrNameLst>
+                                          <p:attrName>style.visibility</p:attrName>
+                                        </p:attrNameLst>
+                                      </p:cBhvr>
+                                      <p:to>
+                                        <p:strVal val="visible"/>
+                                      </p:to>
+                                    </p:set>
+                                  </p:childTnLst>
+                                </p:cTn>
+                              </p:par>
+                            </p:childTnLst>
+                          </p:cTn>
+                        </p:par>
+                      </p:childTnLst>
+                    </p:cTn>
+                  </p:par>
+                </p:childTnLst>
+              </p:cTn>
+              <p:prevCondLst>
+                <p:cond evt="onPrev" delay="0">
+                  <p:tgtEl>
+                    <p:sldTgt/>
+                  </p:tgtEl>
+                </p:cond>
+              </p:prevCondLst>
+              <p:nextCondLst>
+                <p:cond evt="onNext" delay="0">
+                  <p:tgtEl>
+                    <p:sldTgt/>
+                  </p:tgtEl>
+                </p:cond>
+              </p:nextCondLst>
+            </p:seq>
+          </p:childTnLst>
+        </p:cTn>
       </p:par>
     </p:tnLst>
   </p:timing>
@@ -12544,10 +13602,10 @@
         </p:nvGrpSpPr>
         <p:grpSpPr>
           <a:xfrm>
-            <a:off x="1447801" y="1752600"/>
-            <a:ext cx="5715000" cy="2415034"/>
+            <a:off x="1447801" y="1852166"/>
+            <a:ext cx="5715000" cy="2491234"/>
             <a:chOff x="1447800" y="1752600"/>
-            <a:chExt cx="6173433" cy="2608758"/>
+            <a:chExt cx="6173433" cy="2691070"/>
           </a:xfrm>
         </p:grpSpPr>
         <p:pic>
@@ -12577,10 +13635,36 @@
             <a:prstGeom prst="rect">
               <a:avLst/>
             </a:prstGeom>
-            <a:noFill/>
-            <a:ln>
-              <a:noFill/>
+            <a:solidFill>
+              <a:srgbClr val="FFFFFF">
+                <a:shade val="85000"/>
+              </a:srgbClr>
+            </a:solidFill>
+            <a:ln w="88900" cap="sq">
+              <a:solidFill>
+                <a:srgbClr val="FFFFFF"/>
+              </a:solidFill>
+              <a:miter lim="800000"/>
             </a:ln>
+            <a:effectLst>
+              <a:outerShdw blurRad="55000" dist="18000" dir="5400000" algn="tl" rotWithShape="0">
+                <a:srgbClr val="000000">
+                  <a:alpha val="40000"/>
+                </a:srgbClr>
+              </a:outerShdw>
+            </a:effectLst>
+            <a:scene3d>
+              <a:camera prst="orthographicFront"/>
+              <a:lightRig rig="twoPt" dir="t">
+                <a:rot lat="0" lon="0" rev="7200000"/>
+              </a:lightRig>
+            </a:scene3d>
+            <a:sp3d>
+              <a:bevelT w="25400" h="19050"/>
+              <a:contourClr>
+                <a:srgbClr val="FFFFFF"/>
+              </a:contourClr>
+            </a:sp3d>
           </p:spPr>
         </p:pic>
         <p:sp>
@@ -12591,7 +13675,7 @@
           </p:nvSpPr>
           <p:spPr>
             <a:xfrm>
-              <a:off x="3048001" y="3962400"/>
+              <a:off x="3048001" y="4044712"/>
               <a:ext cx="3832419" cy="398958"/>
             </a:xfrm>
             <a:prstGeom prst="rect">
@@ -12630,10 +13714,10 @@
         </p:nvGrpSpPr>
         <p:grpSpPr>
           <a:xfrm>
-            <a:off x="1143000" y="4495800"/>
-            <a:ext cx="6528680" cy="2046258"/>
+            <a:off x="1143000" y="4648200"/>
+            <a:ext cx="6528680" cy="2133600"/>
             <a:chOff x="1204595" y="4191000"/>
-            <a:chExt cx="6528680" cy="2046258"/>
+            <a:chExt cx="6528680" cy="2133600"/>
           </a:xfrm>
         </p:grpSpPr>
         <p:pic>
@@ -12663,10 +13747,36 @@
             <a:prstGeom prst="rect">
               <a:avLst/>
             </a:prstGeom>
-            <a:noFill/>
-            <a:ln>
-              <a:noFill/>
+            <a:solidFill>
+              <a:srgbClr val="FFFFFF">
+                <a:shade val="85000"/>
+              </a:srgbClr>
+            </a:solidFill>
+            <a:ln w="88900" cap="sq">
+              <a:solidFill>
+                <a:srgbClr val="FFFFFF"/>
+              </a:solidFill>
+              <a:miter lim="800000"/>
             </a:ln>
+            <a:effectLst>
+              <a:outerShdw blurRad="55000" dist="18000" dir="5400000" algn="tl" rotWithShape="0">
+                <a:srgbClr val="000000">
+                  <a:alpha val="40000"/>
+                </a:srgbClr>
+              </a:outerShdw>
+            </a:effectLst>
+            <a:scene3d>
+              <a:camera prst="orthographicFront"/>
+              <a:lightRig rig="twoPt" dir="t">
+                <a:rot lat="0" lon="0" rev="7200000"/>
+              </a:lightRig>
+            </a:scene3d>
+            <a:sp3d>
+              <a:bevelT w="25400" h="19050"/>
+              <a:contourClr>
+                <a:srgbClr val="FFFFFF"/>
+              </a:contourClr>
+            </a:sp3d>
           </p:spPr>
         </p:pic>
         <p:sp>
@@ -12677,7 +13787,7 @@
           </p:nvSpPr>
           <p:spPr>
             <a:xfrm>
-              <a:off x="2763179" y="5867926"/>
+              <a:off x="2763179" y="5955268"/>
               <a:ext cx="4171021" cy="369332"/>
             </a:xfrm>
             <a:prstGeom prst="rect">
@@ -12733,7 +13843,7 @@
   <p:timing>
     <p:tnLst>
       <p:par>
-        <p:cTn id="1" dur="indefinite" restart="never" nodeType="tmRoot">
+        <p:cTn xmlns:p14="http://schemas.microsoft.com/office/powerpoint/2010/main" id="1" dur="indefinite" restart="never" nodeType="tmRoot">
           <p:childTnLst>
             <p:seq concurrent="1" nextAc="seek">
               <p:cTn id="2" dur="indefinite" nodeType="mainSeq">
@@ -12934,7 +14044,7 @@
         </p:nvSpPr>
         <p:spPr>
           <a:xfrm>
-            <a:off x="215900" y="1066800"/>
+            <a:off x="146049" y="685799"/>
             <a:ext cx="8407400" cy="5065713"/>
           </a:xfrm>
         </p:spPr>
@@ -12942,13 +14052,6 @@
           <a:bodyPr/>
           <a:lstStyle/>
           <a:p>
-            <a:r>
-              <a:rPr lang="zh-CN" altLang="en-US" dirty="0" smtClean="0"/>
-              <a:t>实现了三维模型图像识别的自动语义标注方法。</a:t>
-            </a:r>
-            <a:endParaRPr lang="en-US" altLang="en-US" dirty="0" smtClean="0"/>
-          </a:p>
-          <a:p>
             <a:endParaRPr lang="en-US" altLang="zh-CN" dirty="0" smtClean="0"/>
           </a:p>
           <a:p>
@@ -12958,9 +14061,9 @@
       </p:sp>
       <p:pic>
         <p:nvPicPr>
-          <p:cNvPr id="28676" name="Picture 4"/>
+          <p:cNvPr id="5" name="Picture 4" descr="Screen Shot 2014-10-14 at 13.15.41.png"/>
           <p:cNvPicPr>
-            <a:picLocks noChangeAspect="1" noChangeArrowheads="1"/>
+            <a:picLocks noChangeAspect="1"/>
           </p:cNvPicPr>
           <p:nvPr/>
         </p:nvPicPr>
@@ -12972,45 +14075,88 @@
               </a:ext>
             </a:extLst>
           </a:blip>
-          <a:srcRect/>
           <a:stretch>
             <a:fillRect/>
           </a:stretch>
         </p:blipFill>
-        <p:spPr bwMode="auto">
+        <p:spPr>
           <a:xfrm>
-            <a:off x="1295400" y="1600200"/>
-            <a:ext cx="5019743" cy="5208588"/>
+            <a:off x="603251" y="1219200"/>
+            <a:ext cx="7626350" cy="4251314"/>
+          </a:xfrm>
+          <a:prstGeom prst="rect">
+            <a:avLst/>
+          </a:prstGeom>
+          <a:solidFill>
+            <a:srgbClr val="FFFFFF">
+              <a:shade val="85000"/>
+            </a:srgbClr>
+          </a:solidFill>
+          <a:ln w="88900" cap="sq">
+            <a:solidFill>
+              <a:srgbClr val="FFFFFF"/>
+            </a:solidFill>
+            <a:miter lim="800000"/>
+          </a:ln>
+          <a:effectLst>
+            <a:outerShdw blurRad="55000" dist="18000" dir="5400000" algn="tl" rotWithShape="0">
+              <a:srgbClr val="000000">
+                <a:alpha val="40000"/>
+              </a:srgbClr>
+            </a:outerShdw>
+          </a:effectLst>
+          <a:scene3d>
+            <a:camera prst="orthographicFront"/>
+            <a:lightRig rig="twoPt" dir="t">
+              <a:rot lat="0" lon="0" rev="7200000"/>
+            </a:lightRig>
+          </a:scene3d>
+          <a:sp3d>
+            <a:bevelT w="25400" h="19050"/>
+            <a:contourClr>
+              <a:srgbClr val="FFFFFF"/>
+            </a:contourClr>
+          </a:sp3d>
+        </p:spPr>
+      </p:pic>
+      <p:sp>
+        <p:nvSpPr>
+          <p:cNvPr id="19" name="TextBox 18"/>
+          <p:cNvSpPr txBox="1"/>
+          <p:nvPr/>
+        </p:nvSpPr>
+        <p:spPr>
+          <a:xfrm>
+            <a:off x="2701584" y="5839480"/>
+            <a:ext cx="4171021" cy="369332"/>
           </a:xfrm>
           <a:prstGeom prst="rect">
             <a:avLst/>
           </a:prstGeom>
           <a:noFill/>
-          <a:ln>
-            <a:noFill/>
-          </a:ln>
-          <a:extLst>
-            <a:ext uri="{909E8E84-426E-40DD-AFC4-6F175D3DCCD1}">
-              <a14:hiddenFill xmlns:a14="http://schemas.microsoft.com/office/drawing/2010/main">
-                <a:solidFill>
-                  <a:schemeClr val="accent1"/>
-                </a:solidFill>
-              </a14:hiddenFill>
-            </a:ext>
-            <a:ext uri="{91240B29-F687-4F45-9708-019B960494DF}">
-              <a14:hiddenLine xmlns:a14="http://schemas.microsoft.com/office/drawing/2010/main" w="28575" cap="flat" cmpd="sng" algn="ctr">
-                <a:solidFill>
-                  <a:schemeClr val="tx1"/>
-                </a:solidFill>
-                <a:prstDash val="solid"/>
-                <a:miter lim="800000"/>
-                <a:headEnd type="none" w="med" len="med"/>
-                <a:tailEnd type="none" w="med" len="med"/>
-              </a14:hiddenLine>
-            </a:ext>
-          </a:extLst>
         </p:spPr>
-      </p:pic>
+        <p:txBody>
+          <a:bodyPr wrap="square" rtlCol="0">
+            <a:spAutoFit/>
+          </a:bodyPr>
+          <a:lstStyle/>
+          <a:p>
+            <a:r>
+              <a:rPr lang="zh-CN" altLang="en-US" sz="1800" dirty="0" smtClean="0"/>
+              <a:t>图</a:t>
+            </a:r>
+            <a:r>
+              <a:rPr lang="en-US" sz="1800" dirty="0" smtClean="0"/>
+              <a:t>4. </a:t>
+            </a:r>
+            <a:r>
+              <a:rPr lang="en-US" sz="1800" dirty="0" smtClean="0"/>
+              <a:t>3D模型预览和自动截图效果</a:t>
+            </a:r>
+            <a:endParaRPr lang="en-US" sz="1800" dirty="0"/>
+          </a:p>
+        </p:txBody>
+      </p:sp>
     </p:spTree>
     <p:extLst>
       <p:ext uri="{BB962C8B-B14F-4D97-AF65-F5344CB8AC3E}">
@@ -13024,7 +14170,7 @@
   <p:timing>
     <p:tnLst>
       <p:par>
-        <p:cTn id="1" dur="indefinite" restart="never" nodeType="tmRoot"/>
+        <p:cTn xmlns:p14="http://schemas.microsoft.com/office/powerpoint/2010/main" id="1" dur="indefinite" restart="never" nodeType="tmRoot"/>
       </p:par>
     </p:tnLst>
   </p:timing>
@@ -13105,12 +14251,8 @@
           <a:lstStyle/>
           <a:p>
             <a:r>
-              <a:rPr lang="zh-CN" altLang="en-US" sz="2400" dirty="0" smtClean="0"/>
-              <a:t>基于图像识别方法，实现了视频资源的自动语义标注</a:t>
-            </a:r>
-            <a:r>
               <a:rPr lang="zh-CN" altLang="en-US" dirty="0" smtClean="0"/>
-              <a:t>。</a:t>
+              <a:t>实现了三维模型图像识别的自动语义标注方法。</a:t>
             </a:r>
             <a:endParaRPr lang="en-US" altLang="en-US" dirty="0" smtClean="0"/>
           </a:p>
@@ -13124,7 +14266,7 @@
       </p:sp>
       <p:pic>
         <p:nvPicPr>
-          <p:cNvPr id="29701" name="Picture 5" descr="C:\Users\donhatquang\Desktop\temp\10-13-2014 11-04-43 AM.jpg"/>
+          <p:cNvPr id="28676" name="Picture 4"/>
           <p:cNvPicPr>
             <a:picLocks noChangeAspect="1" noChangeArrowheads="1"/>
           </p:cNvPicPr>
@@ -13145,28 +14287,614 @@
         </p:blipFill>
         <p:spPr bwMode="auto">
           <a:xfrm>
-            <a:off x="76200" y="1716087"/>
-            <a:ext cx="9025039" cy="4456113"/>
+            <a:off x="685800" y="1648199"/>
+            <a:ext cx="4800600" cy="4981201"/>
           </a:xfrm>
           <a:prstGeom prst="rect">
             <a:avLst/>
           </a:prstGeom>
-          <a:noFill/>
+          <a:solidFill>
+            <a:srgbClr val="FFFFFF">
+              <a:shade val="85000"/>
+            </a:srgbClr>
+          </a:solidFill>
+          <a:ln w="88900" cap="sq">
+            <a:solidFill>
+              <a:srgbClr val="FFFFFF"/>
+            </a:solidFill>
+            <a:miter lim="800000"/>
+          </a:ln>
+          <a:effectLst>
+            <a:outerShdw blurRad="55000" dist="18000" dir="5400000" algn="tl" rotWithShape="0">
+              <a:srgbClr val="000000">
+                <a:alpha val="40000"/>
+              </a:srgbClr>
+            </a:outerShdw>
+          </a:effectLst>
+          <a:scene3d>
+            <a:camera prst="orthographicFront"/>
+            <a:lightRig rig="twoPt" dir="t">
+              <a:rot lat="0" lon="0" rev="7200000"/>
+            </a:lightRig>
+          </a:scene3d>
+          <a:sp3d>
+            <a:bevelT w="25400" h="19050"/>
+            <a:contourClr>
+              <a:srgbClr val="FFFFFF"/>
+            </a:contourClr>
+          </a:sp3d>
           <a:extLst>
-            <a:ext uri="{909E8E84-426E-40DD-AFC4-6F175D3DCCD1}">
+            <a:ext uri="{909E8E84-426E-40dd-AFC4-6F175D3DCCD1}">
               <a14:hiddenFill xmlns:a14="http://schemas.microsoft.com/office/drawing/2010/main">
                 <a:solidFill>
-                  <a:srgbClr val="FFFFFF"/>
+                  <a:schemeClr val="accent1"/>
                 </a:solidFill>
               </a14:hiddenFill>
+            </a:ext>
+            <a:ext uri="{91240B29-F687-4f45-9708-019B960494DF}">
+              <a14:hiddenLine xmlns:a14="http://schemas.microsoft.com/office/drawing/2010/main" w="28575" cap="flat" cmpd="sng" algn="ctr">
+                <a:solidFill>
+                  <a:schemeClr val="tx1"/>
+                </a:solidFill>
+                <a:prstDash val="solid"/>
+                <a:miter lim="800000"/>
+                <a:headEnd type="none" w="med" len="med"/>
+                <a:tailEnd type="none" w="med" len="med"/>
+              </a14:hiddenLine>
             </a:ext>
           </a:extLst>
         </p:spPr>
       </p:pic>
+      <p:grpSp>
+        <p:nvGrpSpPr>
+          <p:cNvPr id="4" name="Group 3"/>
+          <p:cNvGrpSpPr/>
+          <p:nvPr/>
+        </p:nvGrpSpPr>
+        <p:grpSpPr>
+          <a:xfrm>
+            <a:off x="4876800" y="2133600"/>
+            <a:ext cx="2895600" cy="461665"/>
+            <a:chOff x="4876800" y="2286000"/>
+            <a:chExt cx="2895600" cy="461665"/>
+          </a:xfrm>
+        </p:grpSpPr>
+        <p:sp>
+          <p:nvSpPr>
+            <p:cNvPr id="6" name="TextBox 5"/>
+            <p:cNvSpPr txBox="1"/>
+            <p:nvPr/>
+          </p:nvSpPr>
+          <p:spPr>
+            <a:xfrm>
+              <a:off x="5636879" y="2286000"/>
+              <a:ext cx="2135521" cy="461665"/>
+            </a:xfrm>
+            <a:prstGeom prst="rect">
+              <a:avLst/>
+            </a:prstGeom>
+          </p:spPr>
+          <p:style>
+            <a:lnRef idx="3">
+              <a:schemeClr val="lt1"/>
+            </a:lnRef>
+            <a:fillRef idx="1">
+              <a:schemeClr val="accent2"/>
+            </a:fillRef>
+            <a:effectRef idx="1">
+              <a:schemeClr val="accent2"/>
+            </a:effectRef>
+            <a:fontRef idx="minor">
+              <a:schemeClr val="lt1"/>
+            </a:fontRef>
+          </p:style>
+          <p:txBody>
+            <a:bodyPr wrap="none" rtlCol="0">
+              <a:spAutoFit/>
+            </a:bodyPr>
+            <a:lstStyle/>
+            <a:p>
+              <a:r>
+                <a:rPr lang="en-US" dirty="0" smtClean="0"/>
+                <a:t>Semantic tags</a:t>
+              </a:r>
+              <a:endParaRPr lang="en-US" dirty="0"/>
+            </a:p>
+          </p:txBody>
+        </p:sp>
+        <p:sp>
+          <p:nvSpPr>
+            <p:cNvPr id="3" name="Left Arrow 2"/>
+            <p:cNvSpPr/>
+            <p:nvPr/>
+          </p:nvSpPr>
+          <p:spPr bwMode="auto">
+            <a:xfrm>
+              <a:off x="4876800" y="2286000"/>
+              <a:ext cx="685800" cy="457200"/>
+            </a:xfrm>
+            <a:prstGeom prst="leftArrow">
+              <a:avLst/>
+            </a:prstGeom>
+            <a:ln>
+              <a:headEnd type="none" w="med" len="med"/>
+              <a:tailEnd type="none" w="med" len="med"/>
+            </a:ln>
+          </p:spPr>
+          <p:style>
+            <a:lnRef idx="2">
+              <a:schemeClr val="accent2">
+                <a:shade val="50000"/>
+              </a:schemeClr>
+            </a:lnRef>
+            <a:fillRef idx="1">
+              <a:schemeClr val="accent2"/>
+            </a:fillRef>
+            <a:effectRef idx="0">
+              <a:schemeClr val="accent2"/>
+            </a:effectRef>
+            <a:fontRef idx="minor">
+              <a:schemeClr val="lt1"/>
+            </a:fontRef>
+          </p:style>
+          <p:txBody>
+            <a:bodyPr vert="horz" wrap="square" lIns="90000" tIns="46800" rIns="90000" bIns="46800" numCol="1" rtlCol="0" anchor="ctr" anchorCtr="0" compatLnSpc="1">
+              <a:prstTxWarp prst="textNoShape">
+                <a:avLst/>
+              </a:prstTxWarp>
+              <a:spAutoFit/>
+            </a:bodyPr>
+            <a:lstStyle/>
+            <a:p>
+              <a:pPr marL="0" marR="0" indent="0" algn="ctr" defTabSz="914400" rtl="0" eaLnBrk="1" fontAlgn="base" latinLnBrk="0" hangingPunct="1">
+                <a:lnSpc>
+                  <a:spcPct val="100000"/>
+                </a:lnSpc>
+                <a:spcBef>
+                  <a:spcPct val="0"/>
+                </a:spcBef>
+                <a:spcAft>
+                  <a:spcPct val="0"/>
+                </a:spcAft>
+                <a:buClrTx/>
+                <a:buSzTx/>
+                <a:buFontTx/>
+                <a:buNone/>
+                <a:tabLst/>
+              </a:pPr>
+              <a:endParaRPr kumimoji="0" lang="en-US" sz="2400" b="0" i="0" u="none" strike="noStrike" cap="none" normalizeH="0" baseline="0" smtClean="0">
+                <a:ln>
+                  <a:noFill/>
+                </a:ln>
+                <a:solidFill>
+                  <a:schemeClr val="tx1"/>
+                </a:solidFill>
+                <a:effectLst/>
+                <a:latin typeface="Arial" charset="0"/>
+                <a:ea typeface="黑体" pitchFamily="2" charset="-122"/>
+              </a:endParaRPr>
+            </a:p>
+          </p:txBody>
+        </p:sp>
+      </p:grpSp>
+      <p:grpSp>
+        <p:nvGrpSpPr>
+          <p:cNvPr id="9" name="Group 8"/>
+          <p:cNvGrpSpPr/>
+          <p:nvPr/>
+        </p:nvGrpSpPr>
+        <p:grpSpPr>
+          <a:xfrm>
+            <a:off x="4876800" y="3505200"/>
+            <a:ext cx="3200400" cy="461665"/>
+            <a:chOff x="4876800" y="2286000"/>
+            <a:chExt cx="3200400" cy="461665"/>
+          </a:xfrm>
+        </p:grpSpPr>
+        <p:sp>
+          <p:nvSpPr>
+            <p:cNvPr id="10" name="TextBox 9"/>
+            <p:cNvSpPr txBox="1"/>
+            <p:nvPr/>
+          </p:nvSpPr>
+          <p:spPr>
+            <a:xfrm>
+              <a:off x="5649932" y="2286000"/>
+              <a:ext cx="2427268" cy="461665"/>
+            </a:xfrm>
+            <a:prstGeom prst="rect">
+              <a:avLst/>
+            </a:prstGeom>
+          </p:spPr>
+          <p:style>
+            <a:lnRef idx="3">
+              <a:schemeClr val="lt1"/>
+            </a:lnRef>
+            <a:fillRef idx="1">
+              <a:schemeClr val="accent2"/>
+            </a:fillRef>
+            <a:effectRef idx="1">
+              <a:schemeClr val="accent2"/>
+            </a:effectRef>
+            <a:fontRef idx="minor">
+              <a:schemeClr val="lt1"/>
+            </a:fontRef>
+          </p:style>
+          <p:txBody>
+            <a:bodyPr wrap="none" rtlCol="0">
+              <a:spAutoFit/>
+            </a:bodyPr>
+            <a:lstStyle>
+              <a:defPPr>
+                <a:defRPr lang="zh-CN"/>
+              </a:defPPr>
+            </a:lstStyle>
+            <a:p>
+              <a:r>
+                <a:rPr lang="en-US" dirty="0"/>
+                <a:t>User define tags</a:t>
+              </a:r>
+            </a:p>
+          </p:txBody>
+        </p:sp>
+        <p:sp>
+          <p:nvSpPr>
+            <p:cNvPr id="11" name="Left Arrow 10"/>
+            <p:cNvSpPr/>
+            <p:nvPr/>
+          </p:nvSpPr>
+          <p:spPr bwMode="auto">
+            <a:xfrm>
+              <a:off x="4876800" y="2286000"/>
+              <a:ext cx="685800" cy="457200"/>
+            </a:xfrm>
+            <a:prstGeom prst="leftArrow">
+              <a:avLst/>
+            </a:prstGeom>
+            <a:ln>
+              <a:headEnd type="none" w="med" len="med"/>
+              <a:tailEnd type="none" w="med" len="med"/>
+            </a:ln>
+          </p:spPr>
+          <p:style>
+            <a:lnRef idx="2">
+              <a:schemeClr val="accent2">
+                <a:shade val="50000"/>
+              </a:schemeClr>
+            </a:lnRef>
+            <a:fillRef idx="1">
+              <a:schemeClr val="accent2"/>
+            </a:fillRef>
+            <a:effectRef idx="0">
+              <a:schemeClr val="accent2"/>
+            </a:effectRef>
+            <a:fontRef idx="minor">
+              <a:schemeClr val="lt1"/>
+            </a:fontRef>
+          </p:style>
+          <p:txBody>
+            <a:bodyPr vert="horz" wrap="square" lIns="90000" tIns="46800" rIns="90000" bIns="46800" numCol="1" rtlCol="0" anchor="ctr" anchorCtr="0" compatLnSpc="1">
+              <a:prstTxWarp prst="textNoShape">
+                <a:avLst/>
+              </a:prstTxWarp>
+              <a:spAutoFit/>
+            </a:bodyPr>
+            <a:lstStyle/>
+            <a:p>
+              <a:pPr marL="0" marR="0" indent="0" algn="ctr" defTabSz="914400" rtl="0" eaLnBrk="1" fontAlgn="base" latinLnBrk="0" hangingPunct="1">
+                <a:lnSpc>
+                  <a:spcPct val="100000"/>
+                </a:lnSpc>
+                <a:spcBef>
+                  <a:spcPct val="0"/>
+                </a:spcBef>
+                <a:spcAft>
+                  <a:spcPct val="0"/>
+                </a:spcAft>
+                <a:buClrTx/>
+                <a:buSzTx/>
+                <a:buFontTx/>
+                <a:buNone/>
+                <a:tabLst/>
+              </a:pPr>
+              <a:endParaRPr kumimoji="0" lang="en-US" sz="2400" b="0" i="0" u="none" strike="noStrike" cap="none" normalizeH="0" baseline="0" smtClean="0">
+                <a:ln>
+                  <a:noFill/>
+                </a:ln>
+                <a:solidFill>
+                  <a:schemeClr val="tx1"/>
+                </a:solidFill>
+                <a:effectLst/>
+                <a:latin typeface="Arial" charset="0"/>
+                <a:ea typeface="黑体" pitchFamily="2" charset="-122"/>
+              </a:endParaRPr>
+            </a:p>
+          </p:txBody>
+        </p:sp>
+      </p:grpSp>
+      <p:grpSp>
+        <p:nvGrpSpPr>
+          <p:cNvPr id="12" name="Group 11"/>
+          <p:cNvGrpSpPr/>
+          <p:nvPr/>
+        </p:nvGrpSpPr>
+        <p:grpSpPr>
+          <a:xfrm>
+            <a:off x="5638800" y="5602069"/>
+            <a:ext cx="3276600" cy="646331"/>
+            <a:chOff x="4820641" y="2325469"/>
+            <a:chExt cx="3276600" cy="646331"/>
+          </a:xfrm>
+        </p:grpSpPr>
+        <p:sp>
+          <p:nvSpPr>
+            <p:cNvPr id="13" name="TextBox 12"/>
+            <p:cNvSpPr txBox="1"/>
+            <p:nvPr/>
+          </p:nvSpPr>
+          <p:spPr>
+            <a:xfrm>
+              <a:off x="5629899" y="2325469"/>
+              <a:ext cx="2467342" cy="646331"/>
+            </a:xfrm>
+            <a:prstGeom prst="rect">
+              <a:avLst/>
+            </a:prstGeom>
+          </p:spPr>
+          <p:style>
+            <a:lnRef idx="3">
+              <a:schemeClr val="lt1"/>
+            </a:lnRef>
+            <a:fillRef idx="1">
+              <a:schemeClr val="accent2"/>
+            </a:fillRef>
+            <a:effectRef idx="1">
+              <a:schemeClr val="accent2"/>
+            </a:effectRef>
+            <a:fontRef idx="minor">
+              <a:schemeClr val="lt1"/>
+            </a:fontRef>
+          </p:style>
+          <p:txBody>
+            <a:bodyPr wrap="none" rtlCol="0">
+              <a:spAutoFit/>
+            </a:bodyPr>
+            <a:lstStyle>
+              <a:defPPr>
+                <a:defRPr lang="zh-CN"/>
+              </a:defPPr>
+              <a:lvl1pPr>
+                <a:defRPr sz="1600"/>
+              </a:lvl1pPr>
+            </a:lstStyle>
+            <a:p>
+              <a:r>
+                <a:rPr lang="en-US" sz="1800" dirty="0"/>
+                <a:t>Model information and</a:t>
+              </a:r>
+            </a:p>
+            <a:p>
+              <a:r>
+                <a:rPr lang="en-US" sz="1800" dirty="0"/>
+                <a:t>Similar suggest</a:t>
+              </a:r>
+            </a:p>
+          </p:txBody>
+        </p:sp>
+        <p:sp>
+          <p:nvSpPr>
+            <p:cNvPr id="14" name="Left Arrow 13"/>
+            <p:cNvSpPr/>
+            <p:nvPr/>
+          </p:nvSpPr>
+          <p:spPr bwMode="auto">
+            <a:xfrm>
+              <a:off x="4820641" y="2438400"/>
+              <a:ext cx="685800" cy="457200"/>
+            </a:xfrm>
+            <a:prstGeom prst="leftArrow">
+              <a:avLst/>
+            </a:prstGeom>
+            <a:ln>
+              <a:headEnd type="none" w="med" len="med"/>
+              <a:tailEnd type="none" w="med" len="med"/>
+            </a:ln>
+          </p:spPr>
+          <p:style>
+            <a:lnRef idx="2">
+              <a:schemeClr val="accent2">
+                <a:shade val="50000"/>
+              </a:schemeClr>
+            </a:lnRef>
+            <a:fillRef idx="1">
+              <a:schemeClr val="accent2"/>
+            </a:fillRef>
+            <a:effectRef idx="0">
+              <a:schemeClr val="accent2"/>
+            </a:effectRef>
+            <a:fontRef idx="minor">
+              <a:schemeClr val="lt1"/>
+            </a:fontRef>
+          </p:style>
+          <p:txBody>
+            <a:bodyPr vert="horz" wrap="square" lIns="90000" tIns="46800" rIns="90000" bIns="46800" numCol="1" rtlCol="0" anchor="ctr" anchorCtr="0" compatLnSpc="1">
+              <a:prstTxWarp prst="textNoShape">
+                <a:avLst/>
+              </a:prstTxWarp>
+              <a:spAutoFit/>
+            </a:bodyPr>
+            <a:lstStyle/>
+            <a:p>
+              <a:pPr marL="0" marR="0" indent="0" algn="ctr" defTabSz="914400" rtl="0" eaLnBrk="1" fontAlgn="base" latinLnBrk="0" hangingPunct="1">
+                <a:lnSpc>
+                  <a:spcPct val="100000"/>
+                </a:lnSpc>
+                <a:spcBef>
+                  <a:spcPct val="0"/>
+                </a:spcBef>
+                <a:spcAft>
+                  <a:spcPct val="0"/>
+                </a:spcAft>
+                <a:buClrTx/>
+                <a:buSzTx/>
+                <a:buFontTx/>
+                <a:buNone/>
+                <a:tabLst/>
+              </a:pPr>
+              <a:endParaRPr kumimoji="0" lang="en-US" sz="2400" b="0" i="0" u="none" strike="noStrike" cap="none" normalizeH="0" baseline="0" smtClean="0">
+                <a:ln>
+                  <a:noFill/>
+                </a:ln>
+                <a:solidFill>
+                  <a:schemeClr val="tx1"/>
+                </a:solidFill>
+                <a:effectLst/>
+                <a:latin typeface="Arial" charset="0"/>
+                <a:ea typeface="黑体" pitchFamily="2" charset="-122"/>
+              </a:endParaRPr>
+            </a:p>
+          </p:txBody>
+        </p:sp>
+      </p:grpSp>
+      <p:grpSp>
+        <p:nvGrpSpPr>
+          <p:cNvPr id="21" name="Group 20"/>
+          <p:cNvGrpSpPr/>
+          <p:nvPr/>
+        </p:nvGrpSpPr>
+        <p:grpSpPr>
+          <a:xfrm>
+            <a:off x="3962400" y="4572000"/>
+            <a:ext cx="4953000" cy="457200"/>
+            <a:chOff x="3962400" y="4572000"/>
+            <a:chExt cx="4953000" cy="457200"/>
+          </a:xfrm>
+        </p:grpSpPr>
+        <p:sp>
+          <p:nvSpPr>
+            <p:cNvPr id="16" name="TextBox 15"/>
+            <p:cNvSpPr txBox="1"/>
+            <p:nvPr/>
+          </p:nvSpPr>
+          <p:spPr>
+            <a:xfrm>
+              <a:off x="4729639" y="4600545"/>
+              <a:ext cx="4185761" cy="400110"/>
+            </a:xfrm>
+            <a:prstGeom prst="rect">
+              <a:avLst/>
+            </a:prstGeom>
+          </p:spPr>
+          <p:style>
+            <a:lnRef idx="3">
+              <a:schemeClr val="lt1"/>
+            </a:lnRef>
+            <a:fillRef idx="1">
+              <a:schemeClr val="accent2"/>
+            </a:fillRef>
+            <a:effectRef idx="1">
+              <a:schemeClr val="accent2"/>
+            </a:effectRef>
+            <a:fontRef idx="minor">
+              <a:schemeClr val="lt1"/>
+            </a:fontRef>
+          </p:style>
+          <p:txBody>
+            <a:bodyPr wrap="none" rtlCol="0">
+              <a:spAutoFit/>
+            </a:bodyPr>
+            <a:lstStyle>
+              <a:defPPr>
+                <a:defRPr lang="zh-CN"/>
+              </a:defPPr>
+            </a:lstStyle>
+            <a:p>
+              <a:r>
+                <a:rPr lang="en-US" sz="2000" dirty="0"/>
+                <a:t>Auto suggest for semantic inputting</a:t>
+              </a:r>
+            </a:p>
+          </p:txBody>
+        </p:sp>
+        <p:sp>
+          <p:nvSpPr>
+            <p:cNvPr id="25" name="Left Arrow 24"/>
+            <p:cNvSpPr/>
+            <p:nvPr/>
+          </p:nvSpPr>
+          <p:spPr bwMode="auto">
+            <a:xfrm>
+              <a:off x="3962400" y="4572000"/>
+              <a:ext cx="685800" cy="457200"/>
+            </a:xfrm>
+            <a:prstGeom prst="leftArrow">
+              <a:avLst/>
+            </a:prstGeom>
+            <a:ln>
+              <a:headEnd type="none" w="med" len="med"/>
+              <a:tailEnd type="none" w="med" len="med"/>
+            </a:ln>
+          </p:spPr>
+          <p:style>
+            <a:lnRef idx="2">
+              <a:schemeClr val="accent2">
+                <a:shade val="50000"/>
+              </a:schemeClr>
+            </a:lnRef>
+            <a:fillRef idx="1">
+              <a:schemeClr val="accent2"/>
+            </a:fillRef>
+            <a:effectRef idx="0">
+              <a:schemeClr val="accent2"/>
+            </a:effectRef>
+            <a:fontRef idx="minor">
+              <a:schemeClr val="lt1"/>
+            </a:fontRef>
+          </p:style>
+          <p:txBody>
+            <a:bodyPr vert="horz" wrap="square" lIns="90000" tIns="46800" rIns="90000" bIns="46800" numCol="1" rtlCol="0" anchor="ctr" anchorCtr="0" compatLnSpc="1">
+              <a:prstTxWarp prst="textNoShape">
+                <a:avLst/>
+              </a:prstTxWarp>
+              <a:spAutoFit/>
+            </a:bodyPr>
+            <a:lstStyle/>
+            <a:p>
+              <a:pPr marL="0" marR="0" indent="0" algn="ctr" defTabSz="914400" rtl="0" eaLnBrk="1" fontAlgn="base" latinLnBrk="0" hangingPunct="1">
+                <a:lnSpc>
+                  <a:spcPct val="100000"/>
+                </a:lnSpc>
+                <a:spcBef>
+                  <a:spcPct val="0"/>
+                </a:spcBef>
+                <a:spcAft>
+                  <a:spcPct val="0"/>
+                </a:spcAft>
+                <a:buClrTx/>
+                <a:buSzTx/>
+                <a:buFontTx/>
+                <a:buNone/>
+                <a:tabLst/>
+              </a:pPr>
+              <a:endParaRPr kumimoji="0" lang="en-US" sz="2400" b="0" i="0" u="none" strike="noStrike" cap="none" normalizeH="0" baseline="0" smtClean="0">
+                <a:ln>
+                  <a:noFill/>
+                </a:ln>
+                <a:solidFill>
+                  <a:schemeClr val="tx1"/>
+                </a:solidFill>
+                <a:effectLst/>
+                <a:latin typeface="Arial" charset="0"/>
+                <a:ea typeface="黑体" pitchFamily="2" charset="-122"/>
+              </a:endParaRPr>
+            </a:p>
+          </p:txBody>
+        </p:sp>
+      </p:grpSp>
     </p:spTree>
     <p:extLst>
       <p:ext uri="{BB962C8B-B14F-4D97-AF65-F5344CB8AC3E}">
-        <p14:creationId xmlns:p14="http://schemas.microsoft.com/office/powerpoint/2010/main" val="3385674644"/>
+        <p14:creationId xmlns:p14="http://schemas.microsoft.com/office/powerpoint/2010/main" val="1876929865"/>
       </p:ext>
     </p:extLst>
   </p:cSld>
@@ -13176,7 +14904,242 @@
   <p:timing>
     <p:tnLst>
       <p:par>
-        <p:cTn id="1" dur="indefinite" restart="never" nodeType="tmRoot"/>
+        <p:cTn xmlns:p14="http://schemas.microsoft.com/office/powerpoint/2010/main" id="1" dur="indefinite" restart="never" nodeType="tmRoot">
+          <p:childTnLst>
+            <p:seq concurrent="1" nextAc="seek">
+              <p:cTn id="2" dur="indefinite" nodeType="mainSeq">
+                <p:childTnLst>
+                  <p:par>
+                    <p:cTn id="3" fill="hold">
+                      <p:stCondLst>
+                        <p:cond delay="indefinite"/>
+                      </p:stCondLst>
+                      <p:childTnLst>
+                        <p:par>
+                          <p:cTn id="4" fill="hold">
+                            <p:stCondLst>
+                              <p:cond delay="0"/>
+                            </p:stCondLst>
+                            <p:childTnLst>
+                              <p:par>
+                                <p:cTn id="5" presetID="10" presetClass="entr" presetSubtype="0" fill="hold" nodeType="clickEffect">
+                                  <p:stCondLst>
+                                    <p:cond delay="0"/>
+                                  </p:stCondLst>
+                                  <p:childTnLst>
+                                    <p:set>
+                                      <p:cBhvr>
+                                        <p:cTn id="6" dur="1" fill="hold">
+                                          <p:stCondLst>
+                                            <p:cond delay="0"/>
+                                          </p:stCondLst>
+                                        </p:cTn>
+                                        <p:tgtEl>
+                                          <p:spTgt spid="4"/>
+                                        </p:tgtEl>
+                                        <p:attrNameLst>
+                                          <p:attrName>style.visibility</p:attrName>
+                                        </p:attrNameLst>
+                                      </p:cBhvr>
+                                      <p:to>
+                                        <p:strVal val="visible"/>
+                                      </p:to>
+                                    </p:set>
+                                    <p:animEffect transition="in" filter="fade">
+                                      <p:cBhvr>
+                                        <p:cTn id="7" dur="500"/>
+                                        <p:tgtEl>
+                                          <p:spTgt spid="4"/>
+                                        </p:tgtEl>
+                                      </p:cBhvr>
+                                    </p:animEffect>
+                                  </p:childTnLst>
+                                </p:cTn>
+                              </p:par>
+                            </p:childTnLst>
+                          </p:cTn>
+                        </p:par>
+                      </p:childTnLst>
+                    </p:cTn>
+                  </p:par>
+                  <p:par>
+                    <p:cTn id="8" fill="hold">
+                      <p:stCondLst>
+                        <p:cond delay="indefinite"/>
+                      </p:stCondLst>
+                      <p:childTnLst>
+                        <p:par>
+                          <p:cTn id="9" fill="hold">
+                            <p:stCondLst>
+                              <p:cond delay="0"/>
+                            </p:stCondLst>
+                            <p:childTnLst>
+                              <p:par>
+                                <p:cTn id="10" presetID="10" presetClass="entr" presetSubtype="0" fill="hold" nodeType="clickEffect">
+                                  <p:stCondLst>
+                                    <p:cond delay="0"/>
+                                  </p:stCondLst>
+                                  <p:childTnLst>
+                                    <p:set>
+                                      <p:cBhvr>
+                                        <p:cTn id="11" dur="1" fill="hold">
+                                          <p:stCondLst>
+                                            <p:cond delay="0"/>
+                                          </p:stCondLst>
+                                        </p:cTn>
+                                        <p:tgtEl>
+                                          <p:spTgt spid="9"/>
+                                        </p:tgtEl>
+                                        <p:attrNameLst>
+                                          <p:attrName>style.visibility</p:attrName>
+                                        </p:attrNameLst>
+                                      </p:cBhvr>
+                                      <p:to>
+                                        <p:strVal val="visible"/>
+                                      </p:to>
+                                    </p:set>
+                                    <p:animEffect transition="in" filter="fade">
+                                      <p:cBhvr>
+                                        <p:cTn id="12" dur="500"/>
+                                        <p:tgtEl>
+                                          <p:spTgt spid="9"/>
+                                        </p:tgtEl>
+                                      </p:cBhvr>
+                                    </p:animEffect>
+                                  </p:childTnLst>
+                                </p:cTn>
+                              </p:par>
+                            </p:childTnLst>
+                          </p:cTn>
+                        </p:par>
+                      </p:childTnLst>
+                    </p:cTn>
+                  </p:par>
+                  <p:par>
+                    <p:cTn id="13" fill="hold">
+                      <p:stCondLst>
+                        <p:cond delay="indefinite"/>
+                      </p:stCondLst>
+                      <p:childTnLst>
+                        <p:par>
+                          <p:cTn id="14" fill="hold">
+                            <p:stCondLst>
+                              <p:cond delay="0"/>
+                            </p:stCondLst>
+                            <p:childTnLst>
+                              <p:par>
+                                <p:cTn id="15" presetID="10" presetClass="entr" presetSubtype="0" fill="hold" nodeType="clickEffect">
+                                  <p:stCondLst>
+                                    <p:cond delay="0"/>
+                                  </p:stCondLst>
+                                  <p:childTnLst>
+                                    <p:set>
+                                      <p:cBhvr>
+                                        <p:cTn id="16" dur="1" fill="hold">
+                                          <p:stCondLst>
+                                            <p:cond delay="0"/>
+                                          </p:stCondLst>
+                                        </p:cTn>
+                                        <p:tgtEl>
+                                          <p:spTgt spid="21"/>
+                                        </p:tgtEl>
+                                        <p:attrNameLst>
+                                          <p:attrName>style.visibility</p:attrName>
+                                        </p:attrNameLst>
+                                      </p:cBhvr>
+                                      <p:to>
+                                        <p:strVal val="visible"/>
+                                      </p:to>
+                                    </p:set>
+                                    <p:animEffect transition="in" filter="fade">
+                                      <p:cBhvr>
+                                        <p:cTn id="17" dur="500"/>
+                                        <p:tgtEl>
+                                          <p:spTgt spid="21"/>
+                                        </p:tgtEl>
+                                      </p:cBhvr>
+                                    </p:animEffect>
+                                  </p:childTnLst>
+                                </p:cTn>
+                              </p:par>
+                            </p:childTnLst>
+                          </p:cTn>
+                        </p:par>
+                      </p:childTnLst>
+                    </p:cTn>
+                  </p:par>
+                  <p:par>
+                    <p:cTn id="18" fill="hold">
+                      <p:stCondLst>
+                        <p:cond delay="indefinite"/>
+                      </p:stCondLst>
+                      <p:childTnLst>
+                        <p:par>
+                          <p:cTn id="19" fill="hold">
+                            <p:stCondLst>
+                              <p:cond delay="0"/>
+                            </p:stCondLst>
+                            <p:childTnLst>
+                              <p:par>
+                                <p:cTn id="20" presetID="10" presetClass="entr" presetSubtype="0" fill="hold" nodeType="clickEffect">
+                                  <p:stCondLst>
+                                    <p:cond delay="0"/>
+                                  </p:stCondLst>
+                                  <p:childTnLst>
+                                    <p:set>
+                                      <p:cBhvr>
+                                        <p:cTn id="21" dur="1" fill="hold">
+                                          <p:stCondLst>
+                                            <p:cond delay="0"/>
+                                          </p:stCondLst>
+                                        </p:cTn>
+                                        <p:tgtEl>
+                                          <p:spTgt spid="12"/>
+                                        </p:tgtEl>
+                                        <p:attrNameLst>
+                                          <p:attrName>style.visibility</p:attrName>
+                                        </p:attrNameLst>
+                                      </p:cBhvr>
+                                      <p:to>
+                                        <p:strVal val="visible"/>
+                                      </p:to>
+                                    </p:set>
+                                    <p:animEffect transition="in" filter="fade">
+                                      <p:cBhvr>
+                                        <p:cTn id="22" dur="500"/>
+                                        <p:tgtEl>
+                                          <p:spTgt spid="12"/>
+                                        </p:tgtEl>
+                                      </p:cBhvr>
+                                    </p:animEffect>
+                                  </p:childTnLst>
+                                </p:cTn>
+                              </p:par>
+                            </p:childTnLst>
+                          </p:cTn>
+                        </p:par>
+                      </p:childTnLst>
+                    </p:cTn>
+                  </p:par>
+                </p:childTnLst>
+              </p:cTn>
+              <p:prevCondLst>
+                <p:cond evt="onPrev" delay="0">
+                  <p:tgtEl>
+                    <p:sldTgt/>
+                  </p:tgtEl>
+                </p:cond>
+              </p:prevCondLst>
+              <p:nextCondLst>
+                <p:cond evt="onNext" delay="0">
+                  <p:tgtEl>
+                    <p:sldTgt/>
+                  </p:tgtEl>
+                </p:cond>
+              </p:nextCondLst>
+            </p:seq>
+          </p:childTnLst>
+        </p:cTn>
       </p:par>
     </p:tnLst>
   </p:timing>
